--- a/activities/multilayer_perceptron.pptx
+++ b/activities/multilayer_perceptron.pptx
@@ -5,12 +5,13 @@
     <p:sldMasterId id="2147483648" r:id="rId1"/>
   </p:sldMasterIdLst>
   <p:notesMasterIdLst>
-    <p:notesMasterId r:id="rId5"/>
+    <p:notesMasterId r:id="rId6"/>
   </p:notesMasterIdLst>
   <p:sldIdLst>
     <p:sldId id="256" r:id="rId2"/>
     <p:sldId id="598" r:id="rId3"/>
     <p:sldId id="599" r:id="rId4"/>
+    <p:sldId id="600" r:id="rId5"/>
   </p:sldIdLst>
   <p:sldSz cx="12192000" cy="6858000"/>
   <p:notesSz cx="6858000" cy="9144000"/>
@@ -4095,7 +4096,7 @@
           <a:p>
             <a:r>
               <a:rPr lang="en-US" dirty="0"/>
-              <a:t>Part II</a:t>
+              <a:t>Part IIA</a:t>
             </a:r>
           </a:p>
         </p:txBody>
@@ -4164,6 +4165,9 @@
             <a:avLst/>
           </a:prstGeom>
           <a:ln>
+            <a:solidFill>
+              <a:srgbClr val="FF0000"/>
+            </a:solidFill>
             <a:tailEnd type="triangle"/>
           </a:ln>
         </p:spPr>
@@ -4205,6 +4209,9 @@
             <a:avLst/>
           </a:prstGeom>
           <a:ln>
+            <a:solidFill>
+              <a:srgbClr val="FF0000"/>
+            </a:solidFill>
             <a:tailEnd type="triangle"/>
           </a:ln>
         </p:spPr>
@@ -4223,8 +4230,8 @@
           </a:fontRef>
         </p:style>
       </p:cxnSp>
-      <mc:AlternateContent xmlns:mc="http://schemas.openxmlformats.org/markup-compatibility/2006">
-        <mc:Choice xmlns:a14="http://schemas.microsoft.com/office/drawing/2010/main" Requires="a14">
+      <mc:AlternateContent xmlns:mc="http://schemas.openxmlformats.org/markup-compatibility/2006" xmlns:a14="http://schemas.microsoft.com/office/drawing/2010/main">
+        <mc:Choice Requires="a14">
           <p:sp>
             <p:nvSpPr>
               <p:cNvPr id="7" name="Oval 6">
@@ -4291,7 +4298,7 @@
             </p:txBody>
           </p:sp>
         </mc:Choice>
-        <mc:Fallback>
+        <mc:Fallback xmlns="">
           <p:sp>
             <p:nvSpPr>
               <p:cNvPr id="7" name="Oval 6">
@@ -4420,8 +4427,8 @@
           </a:fontRef>
         </p:style>
       </p:cxnSp>
-      <mc:AlternateContent xmlns:mc="http://schemas.openxmlformats.org/markup-compatibility/2006">
-        <mc:Choice xmlns:a14="http://schemas.microsoft.com/office/drawing/2010/main" Requires="a14">
+      <mc:AlternateContent xmlns:mc="http://schemas.openxmlformats.org/markup-compatibility/2006" xmlns:a14="http://schemas.microsoft.com/office/drawing/2010/main">
+        <mc:Choice Requires="a14">
           <p:sp>
             <p:nvSpPr>
               <p:cNvPr id="10" name="TextBox 9">
@@ -4505,7 +4512,7 @@
             </p:txBody>
           </p:sp>
         </mc:Choice>
-        <mc:Fallback>
+        <mc:Fallback xmlns="">
           <p:sp>
             <p:nvSpPr>
               <p:cNvPr id="10" name="TextBox 9">
@@ -4550,8 +4557,8 @@
           </p:sp>
         </mc:Fallback>
       </mc:AlternateContent>
-      <mc:AlternateContent xmlns:mc="http://schemas.openxmlformats.org/markup-compatibility/2006">
-        <mc:Choice xmlns:a14="http://schemas.microsoft.com/office/drawing/2010/main" Requires="a14">
+      <mc:AlternateContent xmlns:mc="http://schemas.openxmlformats.org/markup-compatibility/2006" xmlns:a14="http://schemas.microsoft.com/office/drawing/2010/main">
+        <mc:Choice Requires="a14">
           <p:graphicFrame>
             <p:nvGraphicFramePr>
               <p:cNvPr id="11" name="Table 10">
@@ -4777,7 +4784,7 @@
             </a:graphic>
           </p:graphicFrame>
         </mc:Choice>
-        <mc:Fallback>
+        <mc:Fallback xmlns="">
           <p:graphicFrame>
             <p:nvGraphicFramePr>
               <p:cNvPr id="11" name="Table 10">
@@ -5015,8 +5022,8 @@
           </a:p>
         </p:txBody>
       </p:sp>
-      <mc:AlternateContent xmlns:mc="http://schemas.openxmlformats.org/markup-compatibility/2006">
-        <mc:Choice xmlns:a14="http://schemas.microsoft.com/office/drawing/2010/main" Requires="a14">
+      <mc:AlternateContent xmlns:mc="http://schemas.openxmlformats.org/markup-compatibility/2006" xmlns:a14="http://schemas.microsoft.com/office/drawing/2010/main">
+        <mc:Choice Requires="a14">
           <p:sp>
             <p:nvSpPr>
               <p:cNvPr id="16" name="TextBox 15">
@@ -5112,7 +5119,7 @@
             </p:txBody>
           </p:sp>
         </mc:Choice>
-        <mc:Fallback>
+        <mc:Fallback xmlns="">
           <p:sp>
             <p:nvSpPr>
               <p:cNvPr id="16" name="TextBox 15">
@@ -5157,8 +5164,8 @@
           </p:sp>
         </mc:Fallback>
       </mc:AlternateContent>
-      <mc:AlternateContent xmlns:mc="http://schemas.openxmlformats.org/markup-compatibility/2006">
-        <mc:Choice xmlns:a14="http://schemas.microsoft.com/office/drawing/2010/main" Requires="a14">
+      <mc:AlternateContent xmlns:mc="http://schemas.openxmlformats.org/markup-compatibility/2006" xmlns:a14="http://schemas.microsoft.com/office/drawing/2010/main">
+        <mc:Choice Requires="a14">
           <p:sp>
             <p:nvSpPr>
               <p:cNvPr id="17" name="TextBox 16">
@@ -5242,7 +5249,7 @@
             </p:txBody>
           </p:sp>
         </mc:Choice>
-        <mc:Fallback>
+        <mc:Fallback xmlns="">
           <p:sp>
             <p:nvSpPr>
               <p:cNvPr id="17" name="TextBox 16">
@@ -5287,8 +5294,8 @@
           </p:sp>
         </mc:Fallback>
       </mc:AlternateContent>
-      <mc:AlternateContent xmlns:mc="http://schemas.openxmlformats.org/markup-compatibility/2006">
-        <mc:Choice xmlns:a14="http://schemas.microsoft.com/office/drawing/2010/main" Requires="a14">
+      <mc:AlternateContent xmlns:mc="http://schemas.openxmlformats.org/markup-compatibility/2006" xmlns:a14="http://schemas.microsoft.com/office/drawing/2010/main">
+        <mc:Choice Requires="a14">
           <p:sp>
             <p:nvSpPr>
               <p:cNvPr id="18" name="Oval 17">
@@ -5355,7 +5362,7 @@
             </p:txBody>
           </p:sp>
         </mc:Choice>
-        <mc:Fallback>
+        <mc:Fallback xmlns="">
           <p:sp>
             <p:nvSpPr>
               <p:cNvPr id="18" name="Oval 17">
@@ -5701,6 +5708,9 @@
             <a:avLst/>
           </a:prstGeom>
           <a:ln>
+            <a:solidFill>
+              <a:srgbClr val="FF0000"/>
+            </a:solidFill>
             <a:tailEnd type="triangle"/>
           </a:ln>
         </p:spPr>
@@ -5817,8 +5827,8 @@
           </a:graphicData>
         </a:graphic>
       </p:graphicFrame>
-      <mc:AlternateContent xmlns:mc="http://schemas.openxmlformats.org/markup-compatibility/2006">
-        <mc:Choice xmlns:a14="http://schemas.microsoft.com/office/drawing/2010/main" Requires="a14">
+      <mc:AlternateContent xmlns:mc="http://schemas.openxmlformats.org/markup-compatibility/2006" xmlns:a14="http://schemas.microsoft.com/office/drawing/2010/main">
+        <mc:Choice Requires="a14">
           <p:sp>
             <p:nvSpPr>
               <p:cNvPr id="28" name="TextBox 27">
@@ -5878,7 +5888,7 @@
             </p:txBody>
           </p:sp>
         </mc:Choice>
-        <mc:Fallback>
+        <mc:Fallback xmlns="">
           <p:sp>
             <p:nvSpPr>
               <p:cNvPr id="28" name="TextBox 27">
@@ -5946,6 +5956,9 @@
             <a:avLst/>
           </a:prstGeom>
           <a:ln>
+            <a:solidFill>
+              <a:srgbClr val="FF0000"/>
+            </a:solidFill>
             <a:tailEnd type="triangle"/>
           </a:ln>
         </p:spPr>
@@ -5964,8 +5977,8 @@
           </a:fontRef>
         </p:style>
       </p:cxnSp>
-      <mc:AlternateContent xmlns:mc="http://schemas.openxmlformats.org/markup-compatibility/2006">
-        <mc:Choice xmlns:a14="http://schemas.microsoft.com/office/drawing/2010/main" Requires="a14">
+      <mc:AlternateContent xmlns:mc="http://schemas.openxmlformats.org/markup-compatibility/2006" xmlns:a14="http://schemas.microsoft.com/office/drawing/2010/main">
+        <mc:Choice Requires="a14">
           <p:sp>
             <p:nvSpPr>
               <p:cNvPr id="30" name="Oval 29">
@@ -6032,7 +6045,7 @@
             </p:txBody>
           </p:sp>
         </mc:Choice>
-        <mc:Fallback>
+        <mc:Fallback xmlns="">
           <p:sp>
             <p:nvSpPr>
               <p:cNvPr id="30" name="Oval 29">
@@ -6259,8 +6272,8 @@
           </a:graphicData>
         </a:graphic>
       </p:graphicFrame>
-      <mc:AlternateContent xmlns:mc="http://schemas.openxmlformats.org/markup-compatibility/2006">
-        <mc:Choice xmlns:a14="http://schemas.microsoft.com/office/drawing/2010/main" Requires="a14">
+      <mc:AlternateContent xmlns:mc="http://schemas.openxmlformats.org/markup-compatibility/2006" xmlns:a14="http://schemas.microsoft.com/office/drawing/2010/main">
+        <mc:Choice Requires="a14">
           <p:sp>
             <p:nvSpPr>
               <p:cNvPr id="34" name="TextBox 33">
@@ -6314,7 +6327,7 @@
             </p:txBody>
           </p:sp>
         </mc:Choice>
-        <mc:Fallback>
+        <mc:Fallback xmlns="">
           <p:sp>
             <p:nvSpPr>
               <p:cNvPr id="34" name="TextBox 33">
@@ -6385,68 +6398,49 @@
             </p:spPr>
             <p:txBody>
               <a:bodyPr>
-                <a:normAutofit/>
+                <a:normAutofit fontScale="85000" lnSpcReduction="20000"/>
               </a:bodyPr>
               <a:lstStyle/>
               <a:p>
-                <a:pPr marL="0" indent="0">
-                  <a:buNone/>
-                </a:pPr>
                 <a:r>
                   <a:rPr lang="en-US" sz="2400" dirty="0"/>
                   <a:t>The MLP at right is designed to predict ICU mortality from systolic blood pressure on admission.</a:t>
                 </a:r>
               </a:p>
               <a:p>
-                <a:pPr marL="0" indent="0">
-                  <a:buNone/>
-                </a:pPr>
-                <a:endParaRPr lang="en-US" sz="2400" dirty="0"/>
-              </a:p>
-              <a:p>
-                <a:pPr marL="0" indent="0">
-                  <a:buNone/>
-                </a:pPr>
                 <a:r>
-                  <a:rPr lang="en-US" sz="2400" dirty="0">
-                    <a:solidFill>
-                      <a:schemeClr val="accent2"/>
-                    </a:solidFill>
-                  </a:rPr>
-                  <a:t>Parameter values </a:t>
+                  <a:rPr lang="en-US" sz="2400" dirty="0"/>
+                  <a:t>We would like to have a model that predicts high mortality risk associated with both </a:t>
+                </a:r>
+                <a:r>
+                  <a:rPr lang="en-US" sz="2400" i="1" dirty="0"/>
+                  <a:t>very high </a:t>
                 </a:r>
                 <a:r>
                   <a:rPr lang="en-US" sz="2400" dirty="0"/>
-                  <a:t>are given next to the corresponding edge in the graph.</a:t>
+                  <a:t>AND </a:t>
+                </a:r>
+                <a:r>
+                  <a:rPr lang="en-US" sz="2400" i="1" dirty="0"/>
+                  <a:t>very low </a:t>
+                </a:r>
+                <a:r>
+                  <a:rPr lang="en-US" sz="2400" dirty="0"/>
+                  <a:t>systolic</a:t>
+                </a:r>
+                <a:r>
+                  <a:rPr lang="en-US" sz="2400" i="1" dirty="0"/>
+                  <a:t> </a:t>
+                </a:r>
+                <a:r>
+                  <a:rPr lang="en-US" sz="2400" dirty="0"/>
+                  <a:t>blood pressure.</a:t>
                 </a:r>
               </a:p>
               <a:p>
-                <a:pPr marL="0" indent="0">
-                  <a:buNone/>
-                </a:pPr>
-                <a:endParaRPr lang="en-US" sz="2400" dirty="0"/>
-              </a:p>
-              <a:p>
-                <a:pPr marL="0" indent="0">
-                  <a:buNone/>
-                </a:pPr>
                 <a:r>
                   <a:rPr lang="en-US" sz="2400" dirty="0"/>
-                  <a:t>Calculate </a:t>
-                </a:r>
-                <a14:m>
-                  <m:oMath xmlns:m="http://schemas.openxmlformats.org/officeDocument/2006/math">
-                    <m:r>
-                      <a:rPr lang="en-US" sz="2400" i="1" dirty="0" smtClean="0">
-                        <a:latin typeface="Cambria Math" panose="02040503050406030204" pitchFamily="18" charset="0"/>
-                      </a:rPr>
-                      <m:t>𝑧</m:t>
-                    </m:r>
-                  </m:oMath>
-                </a14:m>
-                <a:r>
-                  <a:rPr lang="en-US" sz="2400" dirty="0"/>
-                  <a:t>, </a:t>
+                  <a:t>Let’s suppose that </a:t>
                 </a:r>
                 <a14:m>
                   <m:oMath xmlns:m="http://schemas.openxmlformats.org/officeDocument/2006/math">
@@ -6479,7 +6473,15 @@
                 </a14:m>
                 <a:r>
                   <a:rPr lang="en-US" sz="2400" dirty="0"/>
-                  <a:t>, </a:t>
+                  <a:t> detects </a:t>
+                </a:r>
+                <a:r>
+                  <a:rPr lang="en-US" sz="2400" i="1" dirty="0"/>
+                  <a:t>very high</a:t>
+                </a:r>
+                <a:r>
+                  <a:rPr lang="en-US" sz="2400" dirty="0"/>
+                  <a:t> blood pressure, </a:t>
                 </a:r>
                 <a14:m>
                   <m:oMath xmlns:m="http://schemas.openxmlformats.org/officeDocument/2006/math">
@@ -6512,109 +6514,15 @@
                 </a14:m>
                 <a:r>
                   <a:rPr lang="en-US" sz="2400" dirty="0"/>
-                  <a:t>, </a:t>
+                  <a:t> detects </a:t>
                 </a:r>
-                <a14:m>
-                  <m:oMath xmlns:m="http://schemas.openxmlformats.org/officeDocument/2006/math">
-                    <m:r>
-                      <a:rPr lang="en-US" sz="2400" i="1" dirty="0" smtClean="0">
-                        <a:latin typeface="Cambria Math" panose="02040503050406030204" pitchFamily="18" charset="0"/>
-                      </a:rPr>
-                      <m:t>𝜎</m:t>
-                    </m:r>
-                    <m:r>
-                      <a:rPr lang="en-US" sz="2400" i="1" dirty="0" smtClean="0">
-                        <a:latin typeface="Cambria Math" panose="02040503050406030204" pitchFamily="18" charset="0"/>
-                      </a:rPr>
-                      <m:t>(</m:t>
-                    </m:r>
-                    <m:sSub>
-                      <m:sSubPr>
-                        <m:ctrlPr>
-                          <a:rPr lang="en-US" sz="2400" i="1" dirty="0" smtClean="0">
-                            <a:latin typeface="Cambria Math" panose="02040503050406030204" pitchFamily="18" charset="0"/>
-                          </a:rPr>
-                        </m:ctrlPr>
-                      </m:sSubPr>
-                      <m:e>
-                        <m:r>
-                          <a:rPr lang="en-US" sz="2400" i="1" dirty="0" smtClean="0">
-                            <a:latin typeface="Cambria Math" panose="02040503050406030204" pitchFamily="18" charset="0"/>
-                          </a:rPr>
-                          <m:t>h</m:t>
-                        </m:r>
-                      </m:e>
-                      <m:sub>
-                        <m:r>
-                          <a:rPr lang="en-US" sz="2400" b="0" i="1" dirty="0" smtClean="0">
-                            <a:latin typeface="Cambria Math" panose="02040503050406030204" pitchFamily="18" charset="0"/>
-                          </a:rPr>
-                          <m:t>1</m:t>
-                        </m:r>
-                      </m:sub>
-                    </m:sSub>
-                    <m:r>
-                      <a:rPr lang="en-US" sz="2400" i="1" dirty="0" smtClean="0">
-                        <a:latin typeface="Cambria Math" panose="02040503050406030204" pitchFamily="18" charset="0"/>
-                      </a:rPr>
-                      <m:t>)</m:t>
-                    </m:r>
-                  </m:oMath>
-                </a14:m>
+                <a:r>
+                  <a:rPr lang="en-US" sz="2400" i="1" dirty="0"/>
+                  <a:t>very low </a:t>
+                </a:r>
                 <a:r>
                   <a:rPr lang="en-US" sz="2400" dirty="0"/>
-                  <a:t>, </a:t>
-                </a:r>
-                <a14:m>
-                  <m:oMath xmlns:m="http://schemas.openxmlformats.org/officeDocument/2006/math">
-                    <m:r>
-                      <a:rPr lang="en-US" sz="2400" i="1" dirty="0" smtClean="0">
-                        <a:latin typeface="Cambria Math" panose="02040503050406030204" pitchFamily="18" charset="0"/>
-                      </a:rPr>
-                      <m:t>𝜎</m:t>
-                    </m:r>
-                    <m:r>
-                      <a:rPr lang="en-US" sz="2400" i="1" dirty="0" smtClean="0">
-                        <a:latin typeface="Cambria Math" panose="02040503050406030204" pitchFamily="18" charset="0"/>
-                      </a:rPr>
-                      <m:t>(</m:t>
-                    </m:r>
-                    <m:sSub>
-                      <m:sSubPr>
-                        <m:ctrlPr>
-                          <a:rPr lang="en-US" sz="2400" i="1" dirty="0" smtClean="0">
-                            <a:latin typeface="Cambria Math" panose="02040503050406030204" pitchFamily="18" charset="0"/>
-                          </a:rPr>
-                        </m:ctrlPr>
-                      </m:sSubPr>
-                      <m:e>
-                        <m:r>
-                          <a:rPr lang="en-US" sz="2400" i="1" dirty="0" smtClean="0">
-                            <a:latin typeface="Cambria Math" panose="02040503050406030204" pitchFamily="18" charset="0"/>
-                          </a:rPr>
-                          <m:t>h</m:t>
-                        </m:r>
-                      </m:e>
-                      <m:sub>
-                        <m:r>
-                          <a:rPr lang="en-US" sz="2400" b="0" i="1" dirty="0" smtClean="0">
-                            <a:latin typeface="Cambria Math" panose="02040503050406030204" pitchFamily="18" charset="0"/>
-                          </a:rPr>
-                          <m:t>2</m:t>
-                        </m:r>
-                      </m:sub>
-                    </m:sSub>
-                    <m:r>
-                      <a:rPr lang="en-US" sz="2400" i="1" dirty="0" smtClean="0">
-                        <a:latin typeface="Cambria Math" panose="02040503050406030204" pitchFamily="18" charset="0"/>
-                      </a:rPr>
-                      <m:t>)</m:t>
-                    </m:r>
-                  </m:oMath>
-                </a14:m>
-                <a:r>
-                  <a:rPr lang="en-US" sz="2400" dirty="0"/>
-                  <a:t>, and </a:t>
+                  <a:t>blood pressure, and </a:t>
                 </a:r>
                 <a14:m>
                   <m:oMath xmlns:m="http://schemas.openxmlformats.org/officeDocument/2006/math">
@@ -6628,13 +6536,31 @@
                 </a14:m>
                 <a:r>
                   <a:rPr lang="en-US" sz="2400" dirty="0"/>
-                  <a:t> for the following SBP values:</a:t>
+                  <a:t> is the model’s final prediction about the probability of mortality.</a:t>
                 </a:r>
               </a:p>
               <a:p>
+                <a:pPr marL="0" indent="0">
+                  <a:buNone/>
+                </a:pPr>
+                <a:endParaRPr lang="en-US" sz="2400" dirty="0"/>
+              </a:p>
+              <a:p>
+                <a:pPr marL="0" indent="0">
+                  <a:buNone/>
+                </a:pPr>
+                <a:r>
+                  <a:rPr lang="en-US" sz="2400" b="1" dirty="0"/>
+                  <a:t>Goal:</a:t>
+                </a:r>
+              </a:p>
+              <a:p>
+                <a:pPr marL="0" indent="0">
+                  <a:buNone/>
+                </a:pPr>
                 <a:r>
                   <a:rPr lang="en-US" sz="2400" dirty="0"/>
-                  <a:t>120, 300, 40</a:t>
+                  <a:t>For each of the parameters highlighted in red, determine whether the value of that parameter should be (a) positive, or (b) negative.</a:t>
                 </a:r>
               </a:p>
             </p:txBody>
@@ -6665,7 +6591,7 @@
               <a:blipFill>
                 <a:blip r:embed="rId11"/>
                 <a:stretch>
-                  <a:fillRect l="-1826" t="-1744" r="-1826"/>
+                  <a:fillRect l="-1370" t="-2616" r="-1826"/>
                 </a:stretch>
               </a:blipFill>
             </p:spPr>
@@ -6684,8 +6610,8 @@
           </p:sp>
         </mc:Fallback>
       </mc:AlternateContent>
-      <mc:AlternateContent xmlns:mc="http://schemas.openxmlformats.org/markup-compatibility/2006">
-        <mc:Choice xmlns:a14="http://schemas.microsoft.com/office/drawing/2010/main" Requires="a14">
+      <mc:AlternateContent xmlns:mc="http://schemas.openxmlformats.org/markup-compatibility/2006" xmlns:a14="http://schemas.microsoft.com/office/drawing/2010/main">
+        <mc:Choice Requires="a14">
           <p:sp>
             <p:nvSpPr>
               <p:cNvPr id="38" name="TextBox 37">
@@ -6781,7 +6707,7 @@
             </p:txBody>
           </p:sp>
         </mc:Choice>
-        <mc:Fallback>
+        <mc:Fallback xmlns="">
           <p:sp>
             <p:nvSpPr>
               <p:cNvPr id="38" name="TextBox 37">
@@ -6826,12 +6752,1761 @@
           </p:sp>
         </mc:Fallback>
       </mc:AlternateContent>
+      <mc:AlternateContent xmlns:mc="http://schemas.openxmlformats.org/markup-compatibility/2006">
+        <mc:Choice xmlns:a14="http://schemas.microsoft.com/office/drawing/2010/main" Requires="a14">
+          <p:sp>
+            <p:nvSpPr>
+              <p:cNvPr id="35" name="TextBox 34">
+                <a:extLst>
+                  <a:ext uri="{FF2B5EF4-FFF2-40B4-BE49-F238E27FC236}">
+                    <a16:creationId xmlns:a16="http://schemas.microsoft.com/office/drawing/2014/main" id="{C09CE022-8E36-1DF8-BD98-7C8EE3D01152}"/>
+                  </a:ext>
+                </a:extLst>
+              </p:cNvPr>
+              <p:cNvSpPr txBox="1"/>
+              <p:nvPr/>
+            </p:nvSpPr>
+            <p:spPr>
+              <a:xfrm>
+                <a:off x="9700334" y="4881850"/>
+                <a:ext cx="482826" cy="381515"/>
+              </a:xfrm>
+              <a:prstGeom prst="rect">
+                <a:avLst/>
+              </a:prstGeom>
+              <a:noFill/>
+            </p:spPr>
+            <p:txBody>
+              <a:bodyPr wrap="square" rtlCol="0">
+                <a:spAutoFit/>
+              </a:bodyPr>
+              <a:lstStyle/>
+              <a:p>
+                <a:pPr/>
+                <a14:m>
+                  <m:oMathPara xmlns:m="http://schemas.openxmlformats.org/officeDocument/2006/math">
+                    <m:oMathParaPr>
+                      <m:jc m:val="centerGroup"/>
+                    </m:oMathParaPr>
+                    <m:oMath xmlns:m="http://schemas.openxmlformats.org/officeDocument/2006/math">
+                      <m:sSub>
+                        <m:sSubPr>
+                          <m:ctrlPr>
+                            <a:rPr lang="en-US" b="0" i="1" dirty="0" smtClean="0">
+                              <a:solidFill>
+                                <a:schemeClr val="tx1"/>
+                              </a:solidFill>
+                              <a:latin typeface="Cambria Math" panose="02040503050406030204" pitchFamily="18" charset="0"/>
+                              <a:cs typeface="Times New Roman" panose="02020603050405020304" pitchFamily="18" charset="0"/>
+                            </a:rPr>
+                          </m:ctrlPr>
+                        </m:sSubPr>
+                        <m:e>
+                          <m:r>
+                            <a:rPr lang="en-US" b="0" i="1" dirty="0" smtClean="0">
+                              <a:solidFill>
+                                <a:schemeClr val="tx1"/>
+                              </a:solidFill>
+                              <a:latin typeface="Cambria Math" panose="02040503050406030204" pitchFamily="18" charset="0"/>
+                              <a:cs typeface="Times New Roman" panose="02020603050405020304" pitchFamily="18" charset="0"/>
+                            </a:rPr>
+                            <m:t>𝑏</m:t>
+                          </m:r>
+                        </m:e>
+                        <m:sub>
+                          <m:r>
+                            <a:rPr lang="en-US" b="0" i="1" dirty="0" smtClean="0">
+                              <a:solidFill>
+                                <a:schemeClr val="tx1"/>
+                              </a:solidFill>
+                              <a:latin typeface="Cambria Math" panose="02040503050406030204" pitchFamily="18" charset="0"/>
+                              <a:cs typeface="Times New Roman" panose="02020603050405020304" pitchFamily="18" charset="0"/>
+                            </a:rPr>
+                            <m:t>1,2</m:t>
+                          </m:r>
+                        </m:sub>
+                      </m:sSub>
+                    </m:oMath>
+                  </m:oMathPara>
+                </a14:m>
+                <a:endParaRPr lang="en-US" baseline="-25000" dirty="0">
+                  <a:solidFill>
+                    <a:schemeClr val="tx1"/>
+                  </a:solidFill>
+                  <a:latin typeface="Times New Roman" panose="02020603050405020304" pitchFamily="18" charset="0"/>
+                  <a:cs typeface="Times New Roman" panose="02020603050405020304" pitchFamily="18" charset="0"/>
+                </a:endParaRPr>
+              </a:p>
+            </p:txBody>
+          </p:sp>
+        </mc:Choice>
+        <mc:Fallback>
+          <p:sp>
+            <p:nvSpPr>
+              <p:cNvPr id="35" name="TextBox 34">
+                <a:extLst>
+                  <a:ext uri="{FF2B5EF4-FFF2-40B4-BE49-F238E27FC236}">
+                    <a16:creationId xmlns:a16="http://schemas.microsoft.com/office/drawing/2014/main" id="{C09CE022-8E36-1DF8-BD98-7C8EE3D01152}"/>
+                  </a:ext>
+                </a:extLst>
+              </p:cNvPr>
+              <p:cNvSpPr txBox="1">
+                <a:spLocks noRot="1" noChangeAspect="1" noMove="1" noResize="1" noEditPoints="1" noAdjustHandles="1" noChangeArrowheads="1" noChangeShapeType="1" noTextEdit="1"/>
+              </p:cNvSpPr>
+              <p:nvPr/>
+            </p:nvSpPr>
+            <p:spPr>
+              <a:xfrm>
+                <a:off x="9700334" y="4881850"/>
+                <a:ext cx="482826" cy="381515"/>
+              </a:xfrm>
+              <a:prstGeom prst="rect">
+                <a:avLst/>
+              </a:prstGeom>
+              <a:blipFill>
+                <a:blip r:embed="rId13"/>
+                <a:stretch>
+                  <a:fillRect r="-2564"/>
+                </a:stretch>
+              </a:blipFill>
+            </p:spPr>
+            <p:txBody>
+              <a:bodyPr/>
+              <a:lstStyle/>
+              <a:p>
+                <a:r>
+                  <a:rPr lang="en-US">
+                    <a:noFill/>
+                  </a:rPr>
+                  <a:t> </a:t>
+                </a:r>
+              </a:p>
+            </p:txBody>
+          </p:sp>
+        </mc:Fallback>
+      </mc:AlternateContent>
+      <mc:AlternateContent xmlns:mc="http://schemas.openxmlformats.org/markup-compatibility/2006">
+        <mc:Choice xmlns:a14="http://schemas.microsoft.com/office/drawing/2010/main" Requires="a14">
+          <p:sp>
+            <p:nvSpPr>
+              <p:cNvPr id="36" name="TextBox 35">
+                <a:extLst>
+                  <a:ext uri="{FF2B5EF4-FFF2-40B4-BE49-F238E27FC236}">
+                    <a16:creationId xmlns:a16="http://schemas.microsoft.com/office/drawing/2014/main" id="{51D87D50-CF42-236E-BE90-5E4DDD3E73CF}"/>
+                  </a:ext>
+                </a:extLst>
+              </p:cNvPr>
+              <p:cNvSpPr txBox="1"/>
+              <p:nvPr/>
+            </p:nvSpPr>
+            <p:spPr>
+              <a:xfrm>
+                <a:off x="9184575" y="4878473"/>
+                <a:ext cx="482826" cy="381515"/>
+              </a:xfrm>
+              <a:prstGeom prst="rect">
+                <a:avLst/>
+              </a:prstGeom>
+              <a:noFill/>
+            </p:spPr>
+            <p:txBody>
+              <a:bodyPr wrap="square" rtlCol="0">
+                <a:spAutoFit/>
+              </a:bodyPr>
+              <a:lstStyle/>
+              <a:p>
+                <a:pPr/>
+                <a14:m>
+                  <m:oMathPara xmlns:m="http://schemas.openxmlformats.org/officeDocument/2006/math">
+                    <m:oMathParaPr>
+                      <m:jc m:val="centerGroup"/>
+                    </m:oMathParaPr>
+                    <m:oMath xmlns:m="http://schemas.openxmlformats.org/officeDocument/2006/math">
+                      <m:sSub>
+                        <m:sSubPr>
+                          <m:ctrlPr>
+                            <a:rPr lang="en-US" b="0" i="1" dirty="0" smtClean="0">
+                              <a:solidFill>
+                                <a:schemeClr val="tx1"/>
+                              </a:solidFill>
+                              <a:latin typeface="Cambria Math" panose="02040503050406030204" pitchFamily="18" charset="0"/>
+                              <a:cs typeface="Times New Roman" panose="02020603050405020304" pitchFamily="18" charset="0"/>
+                            </a:rPr>
+                          </m:ctrlPr>
+                        </m:sSubPr>
+                        <m:e>
+                          <m:r>
+                            <a:rPr lang="en-US" b="0" i="1" dirty="0" smtClean="0">
+                              <a:solidFill>
+                                <a:schemeClr val="tx1"/>
+                              </a:solidFill>
+                              <a:latin typeface="Cambria Math" panose="02040503050406030204" pitchFamily="18" charset="0"/>
+                              <a:cs typeface="Times New Roman" panose="02020603050405020304" pitchFamily="18" charset="0"/>
+                            </a:rPr>
+                            <m:t>𝑏</m:t>
+                          </m:r>
+                        </m:e>
+                        <m:sub>
+                          <m:r>
+                            <a:rPr lang="en-US" b="0" i="1" dirty="0" smtClean="0">
+                              <a:solidFill>
+                                <a:schemeClr val="tx1"/>
+                              </a:solidFill>
+                              <a:latin typeface="Cambria Math" panose="02040503050406030204" pitchFamily="18" charset="0"/>
+                              <a:cs typeface="Times New Roman" panose="02020603050405020304" pitchFamily="18" charset="0"/>
+                            </a:rPr>
+                            <m:t>1,1</m:t>
+                          </m:r>
+                        </m:sub>
+                      </m:sSub>
+                    </m:oMath>
+                  </m:oMathPara>
+                </a14:m>
+                <a:endParaRPr lang="en-US" baseline="-25000" dirty="0">
+                  <a:solidFill>
+                    <a:schemeClr val="tx1"/>
+                  </a:solidFill>
+                  <a:latin typeface="Times New Roman" panose="02020603050405020304" pitchFamily="18" charset="0"/>
+                  <a:cs typeface="Times New Roman" panose="02020603050405020304" pitchFamily="18" charset="0"/>
+                </a:endParaRPr>
+              </a:p>
+            </p:txBody>
+          </p:sp>
+        </mc:Choice>
+        <mc:Fallback>
+          <p:sp>
+            <p:nvSpPr>
+              <p:cNvPr id="36" name="TextBox 35">
+                <a:extLst>
+                  <a:ext uri="{FF2B5EF4-FFF2-40B4-BE49-F238E27FC236}">
+                    <a16:creationId xmlns:a16="http://schemas.microsoft.com/office/drawing/2014/main" id="{51D87D50-CF42-236E-BE90-5E4DDD3E73CF}"/>
+                  </a:ext>
+                </a:extLst>
+              </p:cNvPr>
+              <p:cNvSpPr txBox="1">
+                <a:spLocks noRot="1" noChangeAspect="1" noMove="1" noResize="1" noEditPoints="1" noAdjustHandles="1" noChangeArrowheads="1" noChangeShapeType="1" noTextEdit="1"/>
+              </p:cNvSpPr>
+              <p:nvPr/>
+            </p:nvSpPr>
+            <p:spPr>
+              <a:xfrm>
+                <a:off x="9184575" y="4878473"/>
+                <a:ext cx="482826" cy="381515"/>
+              </a:xfrm>
+              <a:prstGeom prst="rect">
+                <a:avLst/>
+              </a:prstGeom>
+              <a:blipFill>
+                <a:blip r:embed="rId14"/>
+                <a:stretch>
+                  <a:fillRect/>
+                </a:stretch>
+              </a:blipFill>
+            </p:spPr>
+            <p:txBody>
+              <a:bodyPr/>
+              <a:lstStyle/>
+              <a:p>
+                <a:r>
+                  <a:rPr lang="en-US">
+                    <a:noFill/>
+                  </a:rPr>
+                  <a:t> </a:t>
+                </a:r>
+              </a:p>
+            </p:txBody>
+          </p:sp>
+        </mc:Fallback>
+      </mc:AlternateContent>
+      <mc:AlternateContent xmlns:mc="http://schemas.openxmlformats.org/markup-compatibility/2006">
+        <mc:Choice xmlns:a14="http://schemas.microsoft.com/office/drawing/2010/main" Requires="a14">
+          <p:sp>
+            <p:nvSpPr>
+              <p:cNvPr id="39" name="TextBox 38">
+                <a:extLst>
+                  <a:ext uri="{FF2B5EF4-FFF2-40B4-BE49-F238E27FC236}">
+                    <a16:creationId xmlns:a16="http://schemas.microsoft.com/office/drawing/2014/main" id="{3EA002A6-FB45-7527-F82B-62E250428F13}"/>
+                  </a:ext>
+                </a:extLst>
+              </p:cNvPr>
+              <p:cNvSpPr txBox="1"/>
+              <p:nvPr/>
+            </p:nvSpPr>
+            <p:spPr>
+              <a:xfrm>
+                <a:off x="9470559" y="2325396"/>
+                <a:ext cx="482826" cy="362984"/>
+              </a:xfrm>
+              <a:prstGeom prst="rect">
+                <a:avLst/>
+              </a:prstGeom>
+              <a:noFill/>
+            </p:spPr>
+            <p:txBody>
+              <a:bodyPr wrap="square" rtlCol="0">
+                <a:spAutoFit/>
+              </a:bodyPr>
+              <a:lstStyle/>
+              <a:p>
+                <a:pPr/>
+                <a14:m>
+                  <m:oMathPara xmlns:m="http://schemas.openxmlformats.org/officeDocument/2006/math">
+                    <m:oMathParaPr>
+                      <m:jc m:val="centerGroup"/>
+                    </m:oMathParaPr>
+                    <m:oMath xmlns:m="http://schemas.openxmlformats.org/officeDocument/2006/math">
+                      <m:sSub>
+                        <m:sSubPr>
+                          <m:ctrlPr>
+                            <a:rPr lang="en-US" b="0" i="1" dirty="0" smtClean="0">
+                              <a:solidFill>
+                                <a:schemeClr val="tx1"/>
+                              </a:solidFill>
+                              <a:latin typeface="Cambria Math" panose="02040503050406030204" pitchFamily="18" charset="0"/>
+                              <a:cs typeface="Times New Roman" panose="02020603050405020304" pitchFamily="18" charset="0"/>
+                            </a:rPr>
+                          </m:ctrlPr>
+                        </m:sSubPr>
+                        <m:e>
+                          <m:r>
+                            <a:rPr lang="en-US" b="0" i="1" dirty="0" smtClean="0">
+                              <a:solidFill>
+                                <a:schemeClr val="tx1"/>
+                              </a:solidFill>
+                              <a:latin typeface="Cambria Math" panose="02040503050406030204" pitchFamily="18" charset="0"/>
+                              <a:cs typeface="Times New Roman" panose="02020603050405020304" pitchFamily="18" charset="0"/>
+                            </a:rPr>
+                            <m:t>𝛽</m:t>
+                          </m:r>
+                        </m:e>
+                        <m:sub>
+                          <m:r>
+                            <a:rPr lang="en-US" b="0" i="1" dirty="0" smtClean="0">
+                              <a:solidFill>
+                                <a:schemeClr val="tx1"/>
+                              </a:solidFill>
+                              <a:latin typeface="Cambria Math" panose="02040503050406030204" pitchFamily="18" charset="0"/>
+                              <a:cs typeface="Times New Roman" panose="02020603050405020304" pitchFamily="18" charset="0"/>
+                            </a:rPr>
+                            <m:t>2</m:t>
+                          </m:r>
+                        </m:sub>
+                      </m:sSub>
+                    </m:oMath>
+                  </m:oMathPara>
+                </a14:m>
+                <a:endParaRPr lang="en-US" baseline="-25000" dirty="0">
+                  <a:solidFill>
+                    <a:schemeClr val="tx1"/>
+                  </a:solidFill>
+                  <a:latin typeface="Times New Roman" panose="02020603050405020304" pitchFamily="18" charset="0"/>
+                  <a:cs typeface="Times New Roman" panose="02020603050405020304" pitchFamily="18" charset="0"/>
+                </a:endParaRPr>
+              </a:p>
+            </p:txBody>
+          </p:sp>
+        </mc:Choice>
+        <mc:Fallback>
+          <p:sp>
+            <p:nvSpPr>
+              <p:cNvPr id="39" name="TextBox 38">
+                <a:extLst>
+                  <a:ext uri="{FF2B5EF4-FFF2-40B4-BE49-F238E27FC236}">
+                    <a16:creationId xmlns:a16="http://schemas.microsoft.com/office/drawing/2014/main" id="{3EA002A6-FB45-7527-F82B-62E250428F13}"/>
+                  </a:ext>
+                </a:extLst>
+              </p:cNvPr>
+              <p:cNvSpPr txBox="1">
+                <a:spLocks noRot="1" noChangeAspect="1" noMove="1" noResize="1" noEditPoints="1" noAdjustHandles="1" noChangeArrowheads="1" noChangeShapeType="1" noTextEdit="1"/>
+              </p:cNvSpPr>
+              <p:nvPr/>
+            </p:nvSpPr>
+            <p:spPr>
+              <a:xfrm>
+                <a:off x="9470559" y="2325396"/>
+                <a:ext cx="482826" cy="362984"/>
+              </a:xfrm>
+              <a:prstGeom prst="rect">
+                <a:avLst/>
+              </a:prstGeom>
+              <a:blipFill>
+                <a:blip r:embed="rId15"/>
+                <a:stretch>
+                  <a:fillRect b="-16667"/>
+                </a:stretch>
+              </a:blipFill>
+            </p:spPr>
+            <p:txBody>
+              <a:bodyPr/>
+              <a:lstStyle/>
+              <a:p>
+                <a:r>
+                  <a:rPr lang="en-US">
+                    <a:noFill/>
+                  </a:rPr>
+                  <a:t> </a:t>
+                </a:r>
+              </a:p>
+            </p:txBody>
+          </p:sp>
+        </mc:Fallback>
+      </mc:AlternateContent>
+      <mc:AlternateContent xmlns:mc="http://schemas.openxmlformats.org/markup-compatibility/2006">
+        <mc:Choice xmlns:a14="http://schemas.microsoft.com/office/drawing/2010/main" Requires="a14">
+          <p:sp>
+            <p:nvSpPr>
+              <p:cNvPr id="40" name="TextBox 39">
+                <a:extLst>
+                  <a:ext uri="{FF2B5EF4-FFF2-40B4-BE49-F238E27FC236}">
+                    <a16:creationId xmlns:a16="http://schemas.microsoft.com/office/drawing/2014/main" id="{114749E2-9B0F-59CD-528D-47CFB3F7AC72}"/>
+                  </a:ext>
+                </a:extLst>
+              </p:cNvPr>
+              <p:cNvSpPr txBox="1"/>
+              <p:nvPr/>
+            </p:nvSpPr>
+            <p:spPr>
+              <a:xfrm>
+                <a:off x="8307610" y="2312060"/>
+                <a:ext cx="482826" cy="362984"/>
+              </a:xfrm>
+              <a:prstGeom prst="rect">
+                <a:avLst/>
+              </a:prstGeom>
+              <a:noFill/>
+            </p:spPr>
+            <p:txBody>
+              <a:bodyPr wrap="square" rtlCol="0">
+                <a:spAutoFit/>
+              </a:bodyPr>
+              <a:lstStyle/>
+              <a:p>
+                <a:pPr/>
+                <a14:m>
+                  <m:oMathPara xmlns:m="http://schemas.openxmlformats.org/officeDocument/2006/math">
+                    <m:oMathParaPr>
+                      <m:jc m:val="centerGroup"/>
+                    </m:oMathParaPr>
+                    <m:oMath xmlns:m="http://schemas.openxmlformats.org/officeDocument/2006/math">
+                      <m:sSub>
+                        <m:sSubPr>
+                          <m:ctrlPr>
+                            <a:rPr lang="en-US" b="0" i="1" dirty="0" smtClean="0">
+                              <a:solidFill>
+                                <a:schemeClr val="tx1"/>
+                              </a:solidFill>
+                              <a:latin typeface="Cambria Math" panose="02040503050406030204" pitchFamily="18" charset="0"/>
+                              <a:cs typeface="Times New Roman" panose="02020603050405020304" pitchFamily="18" charset="0"/>
+                            </a:rPr>
+                          </m:ctrlPr>
+                        </m:sSubPr>
+                        <m:e>
+                          <m:r>
+                            <a:rPr lang="en-US" b="0" i="1" dirty="0" smtClean="0">
+                              <a:solidFill>
+                                <a:schemeClr val="tx1"/>
+                              </a:solidFill>
+                              <a:latin typeface="Cambria Math" panose="02040503050406030204" pitchFamily="18" charset="0"/>
+                              <a:cs typeface="Times New Roman" panose="02020603050405020304" pitchFamily="18" charset="0"/>
+                            </a:rPr>
+                            <m:t>𝛽</m:t>
+                          </m:r>
+                        </m:e>
+                        <m:sub>
+                          <m:r>
+                            <a:rPr lang="en-US" b="0" i="1" dirty="0" smtClean="0">
+                              <a:solidFill>
+                                <a:schemeClr val="tx1"/>
+                              </a:solidFill>
+                              <a:latin typeface="Cambria Math" panose="02040503050406030204" pitchFamily="18" charset="0"/>
+                              <a:cs typeface="Times New Roman" panose="02020603050405020304" pitchFamily="18" charset="0"/>
+                            </a:rPr>
+                            <m:t>1</m:t>
+                          </m:r>
+                        </m:sub>
+                      </m:sSub>
+                    </m:oMath>
+                  </m:oMathPara>
+                </a14:m>
+                <a:endParaRPr lang="en-US" baseline="-25000" dirty="0">
+                  <a:solidFill>
+                    <a:schemeClr val="tx1"/>
+                  </a:solidFill>
+                  <a:latin typeface="Times New Roman" panose="02020603050405020304" pitchFamily="18" charset="0"/>
+                  <a:cs typeface="Times New Roman" panose="02020603050405020304" pitchFamily="18" charset="0"/>
+                </a:endParaRPr>
+              </a:p>
+            </p:txBody>
+          </p:sp>
+        </mc:Choice>
+        <mc:Fallback>
+          <p:sp>
+            <p:nvSpPr>
+              <p:cNvPr id="40" name="TextBox 39">
+                <a:extLst>
+                  <a:ext uri="{FF2B5EF4-FFF2-40B4-BE49-F238E27FC236}">
+                    <a16:creationId xmlns:a16="http://schemas.microsoft.com/office/drawing/2014/main" id="{114749E2-9B0F-59CD-528D-47CFB3F7AC72}"/>
+                  </a:ext>
+                </a:extLst>
+              </p:cNvPr>
+              <p:cNvSpPr txBox="1">
+                <a:spLocks noRot="1" noChangeAspect="1" noMove="1" noResize="1" noEditPoints="1" noAdjustHandles="1" noChangeArrowheads="1" noChangeShapeType="1" noTextEdit="1"/>
+              </p:cNvSpPr>
+              <p:nvPr/>
+            </p:nvSpPr>
+            <p:spPr>
+              <a:xfrm>
+                <a:off x="8307610" y="2312060"/>
+                <a:ext cx="482826" cy="362984"/>
+              </a:xfrm>
+              <a:prstGeom prst="rect">
+                <a:avLst/>
+              </a:prstGeom>
+              <a:blipFill>
+                <a:blip r:embed="rId16"/>
+                <a:stretch>
+                  <a:fillRect b="-16667"/>
+                </a:stretch>
+              </a:blipFill>
+            </p:spPr>
+            <p:txBody>
+              <a:bodyPr/>
+              <a:lstStyle/>
+              <a:p>
+                <a:r>
+                  <a:rPr lang="en-US">
+                    <a:noFill/>
+                  </a:rPr>
+                  <a:t> </a:t>
+                </a:r>
+              </a:p>
+            </p:txBody>
+          </p:sp>
+        </mc:Fallback>
+      </mc:AlternateContent>
+    </p:spTree>
+    <p:extLst>
+      <p:ext uri="{BB962C8B-B14F-4D97-AF65-F5344CB8AC3E}">
+        <p14:creationId xmlns:p14="http://schemas.microsoft.com/office/powerpoint/2010/main" val="2004572736"/>
+      </p:ext>
+    </p:extLst>
+  </p:cSld>
+  <p:clrMapOvr>
+    <a:masterClrMapping/>
+  </p:clrMapOvr>
+</p:sld>
+</file>
+
+<file path=ppt/slides/slide4.xml><?xml version="1.0" encoding="utf-8"?>
+<p:sld xmlns:a="http://schemas.openxmlformats.org/drawingml/2006/main" xmlns:r="http://schemas.openxmlformats.org/officeDocument/2006/relationships" xmlns:p="http://schemas.openxmlformats.org/presentationml/2006/main">
+  <p:cSld>
+    <p:spTree>
+      <p:nvGrpSpPr>
+        <p:cNvPr id="1" name=""/>
+        <p:cNvGrpSpPr/>
+        <p:nvPr/>
+      </p:nvGrpSpPr>
+      <p:grpSpPr>
+        <a:xfrm>
+          <a:off x="0" y="0"/>
+          <a:ext cx="0" cy="0"/>
+          <a:chOff x="0" y="0"/>
+          <a:chExt cx="0" cy="0"/>
+        </a:xfrm>
+      </p:grpSpPr>
+      <p:graphicFrame>
+        <p:nvGraphicFramePr>
+          <p:cNvPr id="15" name="Table 14">
+            <a:extLst>
+              <a:ext uri="{FF2B5EF4-FFF2-40B4-BE49-F238E27FC236}">
+                <a16:creationId xmlns:a16="http://schemas.microsoft.com/office/drawing/2014/main" id="{2954A169-8493-658B-7F52-EEBF6E1922D7}"/>
+              </a:ext>
+            </a:extLst>
+          </p:cNvPr>
+          <p:cNvGraphicFramePr>
+            <a:graphicFrameLocks noGrp="1"/>
+          </p:cNvGraphicFramePr>
+          <p:nvPr/>
+        </p:nvGraphicFramePr>
+        <p:xfrm>
+          <a:off x="8457317" y="4133963"/>
+          <a:ext cx="1372864" cy="623232"/>
+        </p:xfrm>
+        <a:graphic>
+          <a:graphicData uri="http://schemas.openxmlformats.org/drawingml/2006/table">
+            <a:tbl>
+              <a:tblPr firstRow="1" bandRow="1">
+                <a:tableStyleId>{5C22544A-7EE6-4342-B048-85BDC9FD1C3A}</a:tableStyleId>
+              </a:tblPr>
+              <a:tblGrid>
+                <a:gridCol w="686432">
+                  <a:extLst>
+                    <a:ext uri="{9D8B030D-6E8A-4147-A177-3AD203B41FA5}">
+                      <a16:colId xmlns:a16="http://schemas.microsoft.com/office/drawing/2014/main" val="4002730172"/>
+                    </a:ext>
+                  </a:extLst>
+                </a:gridCol>
+                <a:gridCol w="686432">
+                  <a:extLst>
+                    <a:ext uri="{9D8B030D-6E8A-4147-A177-3AD203B41FA5}">
+                      <a16:colId xmlns:a16="http://schemas.microsoft.com/office/drawing/2014/main" val="2833431289"/>
+                    </a:ext>
+                  </a:extLst>
+                </a:gridCol>
+              </a:tblGrid>
+              <a:tr h="623232">
+                <a:tc>
+                  <a:txBody>
+                    <a:bodyPr/>
+                    <a:lstStyle/>
+                    <a:p>
+                      <a:endParaRPr lang="en-US" dirty="0"/>
+                    </a:p>
+                  </a:txBody>
+                  <a:tcPr>
+                    <a:lnL w="38100" cap="flat" cmpd="sng" algn="ctr">
+                      <a:solidFill>
+                        <a:schemeClr val="tx1"/>
+                      </a:solidFill>
+                      <a:prstDash val="solid"/>
+                      <a:round/>
+                      <a:headEnd type="none" w="med" len="med"/>
+                      <a:tailEnd type="none" w="med" len="med"/>
+                    </a:lnL>
+                    <a:lnR w="38100" cap="flat" cmpd="sng" algn="ctr">
+                      <a:solidFill>
+                        <a:schemeClr val="tx1"/>
+                      </a:solidFill>
+                      <a:prstDash val="solid"/>
+                      <a:round/>
+                      <a:headEnd type="none" w="med" len="med"/>
+                      <a:tailEnd type="none" w="med" len="med"/>
+                    </a:lnR>
+                    <a:lnT w="38100" cap="flat" cmpd="sng" algn="ctr">
+                      <a:solidFill>
+                        <a:schemeClr val="tx1"/>
+                      </a:solidFill>
+                      <a:prstDash val="solid"/>
+                      <a:round/>
+                      <a:headEnd type="none" w="med" len="med"/>
+                      <a:tailEnd type="none" w="med" len="med"/>
+                    </a:lnT>
+                    <a:lnB w="38100" cap="flat" cmpd="sng" algn="ctr">
+                      <a:solidFill>
+                        <a:schemeClr val="tx1"/>
+                      </a:solidFill>
+                      <a:prstDash val="solid"/>
+                      <a:round/>
+                      <a:headEnd type="none" w="med" len="med"/>
+                      <a:tailEnd type="none" w="med" len="med"/>
+                    </a:lnB>
+                    <a:noFill/>
+                  </a:tcPr>
+                </a:tc>
+                <a:tc>
+                  <a:txBody>
+                    <a:bodyPr/>
+                    <a:lstStyle/>
+                    <a:p>
+                      <a:endParaRPr lang="en-US" dirty="0"/>
+                    </a:p>
+                  </a:txBody>
+                  <a:tcPr>
+                    <a:lnL w="38100" cap="flat" cmpd="sng" algn="ctr">
+                      <a:solidFill>
+                        <a:schemeClr val="tx1"/>
+                      </a:solidFill>
+                      <a:prstDash val="solid"/>
+                      <a:round/>
+                      <a:headEnd type="none" w="med" len="med"/>
+                      <a:tailEnd type="none" w="med" len="med"/>
+                    </a:lnL>
+                    <a:lnR w="38100" cap="flat" cmpd="sng" algn="ctr">
+                      <a:solidFill>
+                        <a:schemeClr val="tx1"/>
+                      </a:solidFill>
+                      <a:prstDash val="solid"/>
+                      <a:round/>
+                      <a:headEnd type="none" w="med" len="med"/>
+                      <a:tailEnd type="none" w="med" len="med"/>
+                    </a:lnR>
+                    <a:lnT w="38100" cap="flat" cmpd="sng" algn="ctr">
+                      <a:solidFill>
+                        <a:schemeClr val="tx1"/>
+                      </a:solidFill>
+                      <a:prstDash val="solid"/>
+                      <a:round/>
+                      <a:headEnd type="none" w="med" len="med"/>
+                      <a:tailEnd type="none" w="med" len="med"/>
+                    </a:lnT>
+                    <a:lnB w="38100" cap="flat" cmpd="sng" algn="ctr">
+                      <a:solidFill>
+                        <a:schemeClr val="tx1"/>
+                      </a:solidFill>
+                      <a:prstDash val="solid"/>
+                      <a:round/>
+                      <a:headEnd type="none" w="med" len="med"/>
+                      <a:tailEnd type="none" w="med" len="med"/>
+                    </a:lnB>
+                    <a:noFill/>
+                  </a:tcPr>
+                </a:tc>
+                <a:extLst>
+                  <a:ext uri="{0D108BD9-81ED-4DB2-BD59-A6C34878D82A}">
+                    <a16:rowId xmlns:a16="http://schemas.microsoft.com/office/drawing/2014/main" val="3775152605"/>
+                  </a:ext>
+                </a:extLst>
+              </a:tr>
+            </a:tbl>
+          </a:graphicData>
+        </a:graphic>
+      </p:graphicFrame>
       <p:sp>
         <p:nvSpPr>
-          <p:cNvPr id="45" name="TextBox 44">
+          <p:cNvPr id="2" name="Title 1">
             <a:extLst>
               <a:ext uri="{FF2B5EF4-FFF2-40B4-BE49-F238E27FC236}">
-                <a16:creationId xmlns:a16="http://schemas.microsoft.com/office/drawing/2014/main" id="{5B5A4C04-A9CD-4A56-67EE-AB9E47CA34D8}"/>
+                <a16:creationId xmlns:a16="http://schemas.microsoft.com/office/drawing/2014/main" id="{481147D0-0E90-45FD-0BEB-9DC70CAF8845}"/>
+              </a:ext>
+            </a:extLst>
+          </p:cNvPr>
+          <p:cNvSpPr>
+            <a:spLocks noGrp="1"/>
+          </p:cNvSpPr>
+          <p:nvPr>
+            <p:ph type="title"/>
+          </p:nvPr>
+        </p:nvSpPr>
+        <p:spPr/>
+        <p:txBody>
+          <a:bodyPr/>
+          <a:lstStyle/>
+          <a:p>
+            <a:r>
+              <a:rPr lang="en-US" dirty="0"/>
+              <a:t>Part IIB</a:t>
+            </a:r>
+          </a:p>
+        </p:txBody>
+      </p:sp>
+      <p:cxnSp>
+        <p:nvCxnSpPr>
+          <p:cNvPr id="4" name="Straight Arrow Connector 3">
+            <a:extLst>
+              <a:ext uri="{FF2B5EF4-FFF2-40B4-BE49-F238E27FC236}">
+                <a16:creationId xmlns:a16="http://schemas.microsoft.com/office/drawing/2014/main" id="{BD5F68B1-46AF-CC03-F986-0B3B137C59D1}"/>
+              </a:ext>
+            </a:extLst>
+          </p:cNvPr>
+          <p:cNvCxnSpPr>
+            <a:cxnSpLocks/>
+          </p:cNvCxnSpPr>
+          <p:nvPr/>
+        </p:nvCxnSpPr>
+        <p:spPr>
+          <a:xfrm flipV="1">
+            <a:off x="8307610" y="4750150"/>
+            <a:ext cx="330918" cy="596378"/>
+          </a:xfrm>
+          <a:prstGeom prst="straightConnector1">
+            <a:avLst/>
+          </a:prstGeom>
+          <a:ln>
+            <a:tailEnd type="triangle"/>
+          </a:ln>
+        </p:spPr>
+        <p:style>
+          <a:lnRef idx="2">
+            <a:schemeClr val="dk1"/>
+          </a:lnRef>
+          <a:fillRef idx="0">
+            <a:schemeClr val="dk1"/>
+          </a:fillRef>
+          <a:effectRef idx="1">
+            <a:schemeClr val="dk1"/>
+          </a:effectRef>
+          <a:fontRef idx="minor">
+            <a:schemeClr val="tx1"/>
+          </a:fontRef>
+        </p:style>
+      </p:cxnSp>
+      <p:cxnSp>
+        <p:nvCxnSpPr>
+          <p:cNvPr id="5" name="Straight Arrow Connector 4">
+            <a:extLst>
+              <a:ext uri="{FF2B5EF4-FFF2-40B4-BE49-F238E27FC236}">
+                <a16:creationId xmlns:a16="http://schemas.microsoft.com/office/drawing/2014/main" id="{3D26FE52-E803-8498-3780-4B240B9625BE}"/>
+              </a:ext>
+            </a:extLst>
+          </p:cNvPr>
+          <p:cNvCxnSpPr>
+            <a:cxnSpLocks/>
+          </p:cNvCxnSpPr>
+          <p:nvPr/>
+        </p:nvCxnSpPr>
+        <p:spPr>
+          <a:xfrm flipH="1" flipV="1">
+            <a:off x="9700334" y="4783478"/>
+            <a:ext cx="241413" cy="563050"/>
+          </a:xfrm>
+          <a:prstGeom prst="straightConnector1">
+            <a:avLst/>
+          </a:prstGeom>
+          <a:ln>
+            <a:solidFill>
+              <a:srgbClr val="FF0000"/>
+            </a:solidFill>
+            <a:tailEnd type="triangle"/>
+          </a:ln>
+        </p:spPr>
+        <p:style>
+          <a:lnRef idx="2">
+            <a:schemeClr val="dk1"/>
+          </a:lnRef>
+          <a:fillRef idx="0">
+            <a:schemeClr val="dk1"/>
+          </a:fillRef>
+          <a:effectRef idx="1">
+            <a:schemeClr val="dk1"/>
+          </a:effectRef>
+          <a:fontRef idx="minor">
+            <a:schemeClr val="tx1"/>
+          </a:fontRef>
+        </p:style>
+      </p:cxnSp>
+      <p:cxnSp>
+        <p:nvCxnSpPr>
+          <p:cNvPr id="6" name="Straight Arrow Connector 5">
+            <a:extLst>
+              <a:ext uri="{FF2B5EF4-FFF2-40B4-BE49-F238E27FC236}">
+                <a16:creationId xmlns:a16="http://schemas.microsoft.com/office/drawing/2014/main" id="{58CBA2AE-0D3C-9A49-4AD3-769EDD186BC2}"/>
+              </a:ext>
+            </a:extLst>
+          </p:cNvPr>
+          <p:cNvCxnSpPr>
+            <a:cxnSpLocks/>
+          </p:cNvCxnSpPr>
+          <p:nvPr/>
+        </p:nvCxnSpPr>
+        <p:spPr>
+          <a:xfrm flipH="1" flipV="1">
+            <a:off x="8971953" y="4750150"/>
+            <a:ext cx="740019" cy="546509"/>
+          </a:xfrm>
+          <a:prstGeom prst="straightConnector1">
+            <a:avLst/>
+          </a:prstGeom>
+          <a:ln>
+            <a:solidFill>
+              <a:srgbClr val="FF0000"/>
+            </a:solidFill>
+            <a:tailEnd type="triangle"/>
+          </a:ln>
+        </p:spPr>
+        <p:style>
+          <a:lnRef idx="2">
+            <a:schemeClr val="dk1"/>
+          </a:lnRef>
+          <a:fillRef idx="0">
+            <a:schemeClr val="dk1"/>
+          </a:fillRef>
+          <a:effectRef idx="1">
+            <a:schemeClr val="dk1"/>
+          </a:effectRef>
+          <a:fontRef idx="minor">
+            <a:schemeClr val="tx1"/>
+          </a:fontRef>
+        </p:style>
+      </p:cxnSp>
+      <mc:AlternateContent xmlns:mc="http://schemas.openxmlformats.org/markup-compatibility/2006" xmlns:a14="http://schemas.microsoft.com/office/drawing/2010/main">
+        <mc:Choice Requires="a14">
+          <p:sp>
+            <p:nvSpPr>
+              <p:cNvPr id="7" name="Oval 6">
+                <a:extLst>
+                  <a:ext uri="{FF2B5EF4-FFF2-40B4-BE49-F238E27FC236}">
+                    <a16:creationId xmlns:a16="http://schemas.microsoft.com/office/drawing/2014/main" id="{DB1629A7-BAE6-FC1B-FA7F-16439BC5CBF4}"/>
+                  </a:ext>
+                </a:extLst>
+              </p:cNvPr>
+              <p:cNvSpPr/>
+              <p:nvPr/>
+            </p:nvSpPr>
+            <p:spPr>
+              <a:xfrm>
+                <a:off x="8582566" y="3475350"/>
+                <a:ext cx="470357" cy="459473"/>
+              </a:xfrm>
+              <a:prstGeom prst="ellipse">
+                <a:avLst/>
+              </a:prstGeom>
+            </p:spPr>
+            <p:style>
+              <a:lnRef idx="2">
+                <a:schemeClr val="dk1"/>
+              </a:lnRef>
+              <a:fillRef idx="1">
+                <a:schemeClr val="lt1"/>
+              </a:fillRef>
+              <a:effectRef idx="0">
+                <a:schemeClr val="dk1"/>
+              </a:effectRef>
+              <a:fontRef idx="minor">
+                <a:schemeClr val="dk1"/>
+              </a:fontRef>
+            </p:style>
+            <p:txBody>
+              <a:bodyPr rtlCol="0" anchor="ctr"/>
+              <a:lstStyle/>
+              <a:p>
+                <a:pPr algn="ctr"/>
+                <a14:m>
+                  <m:oMathPara xmlns:m="http://schemas.openxmlformats.org/officeDocument/2006/math">
+                    <m:oMathParaPr>
+                      <m:jc m:val="center"/>
+                    </m:oMathParaPr>
+                    <m:oMath xmlns:m="http://schemas.openxmlformats.org/officeDocument/2006/math">
+                      <m:r>
+                        <a:rPr lang="en-US" sz="3200" b="0" i="1" dirty="0" smtClean="0">
+                          <a:latin typeface="Cambria Math" panose="02040503050406030204" pitchFamily="18" charset="0"/>
+                        </a:rPr>
+                        <m:t> </m:t>
+                      </m:r>
+                      <m:r>
+                        <a:rPr lang="el-GR" sz="3200" i="1" dirty="0" smtClean="0">
+                          <a:latin typeface="Cambria Math" panose="02040503050406030204" pitchFamily="18" charset="0"/>
+                        </a:rPr>
+                        <m:t>𝜎</m:t>
+                      </m:r>
+                    </m:oMath>
+                  </m:oMathPara>
+                </a14:m>
+                <a:endParaRPr lang="en-US" dirty="0"/>
+              </a:p>
+            </p:txBody>
+          </p:sp>
+        </mc:Choice>
+        <mc:Fallback xmlns="">
+          <p:sp>
+            <p:nvSpPr>
+              <p:cNvPr id="7" name="Oval 6">
+                <a:extLst>
+                  <a:ext uri="{FF2B5EF4-FFF2-40B4-BE49-F238E27FC236}">
+                    <a16:creationId xmlns:a16="http://schemas.microsoft.com/office/drawing/2014/main" id="{DB1629A7-BAE6-FC1B-FA7F-16439BC5CBF4}"/>
+                  </a:ext>
+                </a:extLst>
+              </p:cNvPr>
+              <p:cNvSpPr>
+                <a:spLocks noRot="1" noChangeAspect="1" noMove="1" noResize="1" noEditPoints="1" noAdjustHandles="1" noChangeArrowheads="1" noChangeShapeType="1" noTextEdit="1"/>
+              </p:cNvSpPr>
+              <p:nvPr/>
+            </p:nvSpPr>
+            <p:spPr>
+              <a:xfrm>
+                <a:off x="8582566" y="3475350"/>
+                <a:ext cx="470357" cy="459473"/>
+              </a:xfrm>
+              <a:prstGeom prst="ellipse">
+                <a:avLst/>
+              </a:prstGeom>
+              <a:blipFill>
+                <a:blip r:embed="rId2"/>
+                <a:stretch>
+                  <a:fillRect l="-38462" t="-10526" b="-39474"/>
+                </a:stretch>
+              </a:blipFill>
+            </p:spPr>
+            <p:txBody>
+              <a:bodyPr/>
+              <a:lstStyle/>
+              <a:p>
+                <a:r>
+                  <a:rPr lang="en-US">
+                    <a:noFill/>
+                  </a:rPr>
+                  <a:t> </a:t>
+                </a:r>
+              </a:p>
+            </p:txBody>
+          </p:sp>
+        </mc:Fallback>
+      </mc:AlternateContent>
+      <p:cxnSp>
+        <p:nvCxnSpPr>
+          <p:cNvPr id="8" name="Straight Arrow Connector 7">
+            <a:extLst>
+              <a:ext uri="{FF2B5EF4-FFF2-40B4-BE49-F238E27FC236}">
+                <a16:creationId xmlns:a16="http://schemas.microsoft.com/office/drawing/2014/main" id="{50227BCE-51D1-082C-984B-58729E294817}"/>
+              </a:ext>
+            </a:extLst>
+          </p:cNvPr>
+          <p:cNvCxnSpPr>
+            <a:cxnSpLocks/>
+            <a:endCxn id="7" idx="4"/>
+          </p:cNvCxnSpPr>
+          <p:nvPr/>
+        </p:nvCxnSpPr>
+        <p:spPr>
+          <a:xfrm flipV="1">
+            <a:off x="8817745" y="3934823"/>
+            <a:ext cx="0" cy="207440"/>
+          </a:xfrm>
+          <a:prstGeom prst="straightConnector1">
+            <a:avLst/>
+          </a:prstGeom>
+          <a:ln>
+            <a:tailEnd type="triangle"/>
+          </a:ln>
+        </p:spPr>
+        <p:style>
+          <a:lnRef idx="2">
+            <a:schemeClr val="dk1"/>
+          </a:lnRef>
+          <a:fillRef idx="0">
+            <a:schemeClr val="dk1"/>
+          </a:fillRef>
+          <a:effectRef idx="1">
+            <a:schemeClr val="dk1"/>
+          </a:effectRef>
+          <a:fontRef idx="minor">
+            <a:schemeClr val="tx1"/>
+          </a:fontRef>
+        </p:style>
+      </p:cxnSp>
+      <p:cxnSp>
+        <p:nvCxnSpPr>
+          <p:cNvPr id="9" name="Straight Arrow Connector 8">
+            <a:extLst>
+              <a:ext uri="{FF2B5EF4-FFF2-40B4-BE49-F238E27FC236}">
+                <a16:creationId xmlns:a16="http://schemas.microsoft.com/office/drawing/2014/main" id="{B2C6E89E-7E21-E9BB-D8E3-4E966FC2D618}"/>
+              </a:ext>
+            </a:extLst>
+          </p:cNvPr>
+          <p:cNvCxnSpPr>
+            <a:cxnSpLocks/>
+            <a:stCxn id="7" idx="0"/>
+          </p:cNvCxnSpPr>
+          <p:nvPr/>
+        </p:nvCxnSpPr>
+        <p:spPr>
+          <a:xfrm flipV="1">
+            <a:off x="8817745" y="3299385"/>
+            <a:ext cx="0" cy="175965"/>
+          </a:xfrm>
+          <a:prstGeom prst="straightConnector1">
+            <a:avLst/>
+          </a:prstGeom>
+          <a:ln>
+            <a:tailEnd type="triangle"/>
+          </a:ln>
+        </p:spPr>
+        <p:style>
+          <a:lnRef idx="2">
+            <a:schemeClr val="dk1"/>
+          </a:lnRef>
+          <a:fillRef idx="0">
+            <a:schemeClr val="dk1"/>
+          </a:fillRef>
+          <a:effectRef idx="1">
+            <a:schemeClr val="dk1"/>
+          </a:effectRef>
+          <a:fontRef idx="minor">
+            <a:schemeClr val="tx1"/>
+          </a:fontRef>
+        </p:style>
+      </p:cxnSp>
+      <mc:AlternateContent xmlns:mc="http://schemas.openxmlformats.org/markup-compatibility/2006" xmlns:a14="http://schemas.microsoft.com/office/drawing/2010/main">
+        <mc:Choice Requires="a14">
+          <p:sp>
+            <p:nvSpPr>
+              <p:cNvPr id="10" name="TextBox 9">
+                <a:extLst>
+                  <a:ext uri="{FF2B5EF4-FFF2-40B4-BE49-F238E27FC236}">
+                    <a16:creationId xmlns:a16="http://schemas.microsoft.com/office/drawing/2014/main" id="{58A60381-4814-61D4-22DE-9E5E64F4A37C}"/>
+                  </a:ext>
+                </a:extLst>
+              </p:cNvPr>
+              <p:cNvSpPr txBox="1"/>
+              <p:nvPr/>
+            </p:nvSpPr>
+            <p:spPr>
+              <a:xfrm>
+                <a:off x="9267439" y="4152500"/>
+                <a:ext cx="482826" cy="512576"/>
+              </a:xfrm>
+              <a:prstGeom prst="rect">
+                <a:avLst/>
+              </a:prstGeom>
+              <a:noFill/>
+            </p:spPr>
+            <p:txBody>
+              <a:bodyPr wrap="square" rtlCol="0">
+                <a:spAutoFit/>
+              </a:bodyPr>
+              <a:lstStyle/>
+              <a:p>
+                <a:pPr/>
+                <a14:m>
+                  <m:oMathPara xmlns:m="http://schemas.openxmlformats.org/officeDocument/2006/math">
+                    <m:oMathParaPr>
+                      <m:jc m:val="centerGroup"/>
+                    </m:oMathParaPr>
+                    <m:oMath xmlns:m="http://schemas.openxmlformats.org/officeDocument/2006/math">
+                      <m:sSub>
+                        <m:sSubPr>
+                          <m:ctrlPr>
+                            <a:rPr lang="en-US" sz="2797" b="0" i="1" dirty="0" smtClean="0">
+                              <a:solidFill>
+                                <a:schemeClr val="tx1"/>
+                              </a:solidFill>
+                              <a:latin typeface="Cambria Math" panose="02040503050406030204" pitchFamily="18" charset="0"/>
+                              <a:cs typeface="Times New Roman" panose="02020603050405020304" pitchFamily="18" charset="0"/>
+                            </a:rPr>
+                          </m:ctrlPr>
+                        </m:sSubPr>
+                        <m:e>
+                          <m:r>
+                            <a:rPr lang="en-US" sz="2797" b="0" i="1" dirty="0" smtClean="0">
+                              <a:solidFill>
+                                <a:schemeClr val="tx1"/>
+                              </a:solidFill>
+                              <a:latin typeface="Cambria Math" panose="02040503050406030204" pitchFamily="18" charset="0"/>
+                              <a:cs typeface="Times New Roman" panose="02020603050405020304" pitchFamily="18" charset="0"/>
+                            </a:rPr>
+                            <m:t>h</m:t>
+                          </m:r>
+                        </m:e>
+                        <m:sub>
+                          <m:r>
+                            <a:rPr lang="en-US" sz="2797" b="0" i="1" dirty="0" smtClean="0">
+                              <a:solidFill>
+                                <a:schemeClr val="tx1"/>
+                              </a:solidFill>
+                              <a:latin typeface="Cambria Math" panose="02040503050406030204" pitchFamily="18" charset="0"/>
+                              <a:cs typeface="Times New Roman" panose="02020603050405020304" pitchFamily="18" charset="0"/>
+                            </a:rPr>
+                            <m:t>2</m:t>
+                          </m:r>
+                        </m:sub>
+                      </m:sSub>
+                    </m:oMath>
+                  </m:oMathPara>
+                </a14:m>
+                <a:endParaRPr lang="en-US" sz="2797" baseline="-25000" dirty="0">
+                  <a:latin typeface="Times New Roman" panose="02020603050405020304" pitchFamily="18" charset="0"/>
+                  <a:cs typeface="Times New Roman" panose="02020603050405020304" pitchFamily="18" charset="0"/>
+                </a:endParaRPr>
+              </a:p>
+            </p:txBody>
+          </p:sp>
+        </mc:Choice>
+        <mc:Fallback xmlns="">
+          <p:sp>
+            <p:nvSpPr>
+              <p:cNvPr id="10" name="TextBox 9">
+                <a:extLst>
+                  <a:ext uri="{FF2B5EF4-FFF2-40B4-BE49-F238E27FC236}">
+                    <a16:creationId xmlns:a16="http://schemas.microsoft.com/office/drawing/2014/main" id="{58A60381-4814-61D4-22DE-9E5E64F4A37C}"/>
+                  </a:ext>
+                </a:extLst>
+              </p:cNvPr>
+              <p:cNvSpPr txBox="1">
+                <a:spLocks noRot="1" noChangeAspect="1" noMove="1" noResize="1" noEditPoints="1" noAdjustHandles="1" noChangeArrowheads="1" noChangeShapeType="1" noTextEdit="1"/>
+              </p:cNvSpPr>
+              <p:nvPr/>
+            </p:nvSpPr>
+            <p:spPr>
+              <a:xfrm>
+                <a:off x="9267439" y="4152500"/>
+                <a:ext cx="482826" cy="512576"/>
+              </a:xfrm>
+              <a:prstGeom prst="rect">
+                <a:avLst/>
+              </a:prstGeom>
+              <a:blipFill>
+                <a:blip r:embed="rId3"/>
+                <a:stretch>
+                  <a:fillRect l="-7692" r="-7692" b="-7143"/>
+                </a:stretch>
+              </a:blipFill>
+            </p:spPr>
+            <p:txBody>
+              <a:bodyPr/>
+              <a:lstStyle/>
+              <a:p>
+                <a:r>
+                  <a:rPr lang="en-US">
+                    <a:noFill/>
+                  </a:rPr>
+                  <a:t> </a:t>
+                </a:r>
+              </a:p>
+            </p:txBody>
+          </p:sp>
+        </mc:Fallback>
+      </mc:AlternateContent>
+      <mc:AlternateContent xmlns:mc="http://schemas.openxmlformats.org/markup-compatibility/2006">
+        <mc:Choice xmlns:a14="http://schemas.microsoft.com/office/drawing/2010/main" Requires="a14">
+          <p:graphicFrame>
+            <p:nvGraphicFramePr>
+              <p:cNvPr id="11" name="Table 10">
+                <a:extLst>
+                  <a:ext uri="{FF2B5EF4-FFF2-40B4-BE49-F238E27FC236}">
+                    <a16:creationId xmlns:a16="http://schemas.microsoft.com/office/drawing/2014/main" id="{E7A6D92F-944C-A5C8-BD61-180973F2CFD0}"/>
+                  </a:ext>
+                </a:extLst>
+              </p:cNvPr>
+              <p:cNvGraphicFramePr>
+                <a:graphicFrameLocks noGrp="1"/>
+              </p:cNvGraphicFramePr>
+              <p:nvPr>
+                <p:extLst>
+                  <p:ext uri="{D42A27DB-BD31-4B8C-83A1-F6EECF244321}">
+                    <p14:modId xmlns:p14="http://schemas.microsoft.com/office/powerpoint/2010/main" val="1752504774"/>
+                  </p:ext>
+                </p:extLst>
+              </p:nvPr>
+            </p:nvGraphicFramePr>
+            <p:xfrm>
+              <a:off x="8100882" y="5356457"/>
+              <a:ext cx="2124558" cy="707853"/>
+            </p:xfrm>
+            <a:graphic>
+              <a:graphicData uri="http://schemas.openxmlformats.org/drawingml/2006/table">
+                <a:tbl>
+                  <a:tblPr firstRow="1" bandRow="1">
+                    <a:tableStyleId>{5C22544A-7EE6-4342-B048-85BDC9FD1C3A}</a:tableStyleId>
+                  </a:tblPr>
+                  <a:tblGrid>
+                    <a:gridCol w="708186">
+                      <a:extLst>
+                        <a:ext uri="{9D8B030D-6E8A-4147-A177-3AD203B41FA5}">
+                          <a16:colId xmlns:a16="http://schemas.microsoft.com/office/drawing/2014/main" val="4002730172"/>
+                        </a:ext>
+                      </a:extLst>
+                    </a:gridCol>
+                    <a:gridCol w="708186">
+                      <a:extLst>
+                        <a:ext uri="{9D8B030D-6E8A-4147-A177-3AD203B41FA5}">
+                          <a16:colId xmlns:a16="http://schemas.microsoft.com/office/drawing/2014/main" val="770359110"/>
+                        </a:ext>
+                      </a:extLst>
+                    </a:gridCol>
+                    <a:gridCol w="708186">
+                      <a:extLst>
+                        <a:ext uri="{9D8B030D-6E8A-4147-A177-3AD203B41FA5}">
+                          <a16:colId xmlns:a16="http://schemas.microsoft.com/office/drawing/2014/main" val="440623976"/>
+                        </a:ext>
+                      </a:extLst>
+                    </a:gridCol>
+                  </a:tblGrid>
+                  <a:tr h="707853">
+                    <a:tc>
+                      <a:txBody>
+                        <a:bodyPr/>
+                        <a:lstStyle/>
+                        <a:p>
+                          <a:pPr algn="ctr"/>
+                          <a14:m>
+                            <m:oMathPara xmlns:m="http://schemas.openxmlformats.org/officeDocument/2006/math">
+                              <m:oMathParaPr>
+                                <m:jc m:val="centerGroup"/>
+                              </m:oMathParaPr>
+                              <m:oMath xmlns:m="http://schemas.openxmlformats.org/officeDocument/2006/math">
+                                <m:r>
+                                  <a:rPr lang="en-US" sz="2400" b="0" i="0" dirty="0" smtClean="0">
+                                    <a:solidFill>
+                                      <a:schemeClr val="tx1"/>
+                                    </a:solidFill>
+                                    <a:latin typeface="Cambria Math" panose="02040503050406030204" pitchFamily="18" charset="0"/>
+                                  </a:rPr>
+                                  <m:t>1</m:t>
+                                </m:r>
+                              </m:oMath>
+                            </m:oMathPara>
+                          </a14:m>
+                          <a:endParaRPr lang="en-US" sz="2400" b="0" i="0" dirty="0">
+                            <a:solidFill>
+                              <a:schemeClr val="tx1"/>
+                            </a:solidFill>
+                          </a:endParaRPr>
+                        </a:p>
+                      </a:txBody>
+                      <a:tcPr anchor="ctr">
+                        <a:lnL w="38100" cap="flat" cmpd="sng" algn="ctr">
+                          <a:solidFill>
+                            <a:schemeClr val="tx1"/>
+                          </a:solidFill>
+                          <a:prstDash val="solid"/>
+                          <a:round/>
+                          <a:headEnd type="none" w="med" len="med"/>
+                          <a:tailEnd type="none" w="med" len="med"/>
+                        </a:lnL>
+                        <a:lnR w="38100" cap="flat" cmpd="sng" algn="ctr">
+                          <a:solidFill>
+                            <a:schemeClr val="tx1"/>
+                          </a:solidFill>
+                          <a:prstDash val="solid"/>
+                          <a:round/>
+                          <a:headEnd type="none" w="med" len="med"/>
+                          <a:tailEnd type="none" w="med" len="med"/>
+                        </a:lnR>
+                        <a:lnT w="38100" cap="flat" cmpd="sng" algn="ctr">
+                          <a:solidFill>
+                            <a:schemeClr val="tx1"/>
+                          </a:solidFill>
+                          <a:prstDash val="solid"/>
+                          <a:round/>
+                          <a:headEnd type="none" w="med" len="med"/>
+                          <a:tailEnd type="none" w="med" len="med"/>
+                        </a:lnT>
+                        <a:lnB w="38100" cap="flat" cmpd="sng" algn="ctr">
+                          <a:solidFill>
+                            <a:schemeClr val="tx1"/>
+                          </a:solidFill>
+                          <a:prstDash val="solid"/>
+                          <a:round/>
+                          <a:headEnd type="none" w="med" len="med"/>
+                          <a:tailEnd type="none" w="med" len="med"/>
+                        </a:lnB>
+                        <a:noFill/>
+                      </a:tcPr>
+                    </a:tc>
+                    <a:tc>
+                      <a:txBody>
+                        <a:bodyPr/>
+                        <a:lstStyle/>
+                        <a:p>
+                          <a:pPr algn="ctr"/>
+                          <a14:m>
+                            <m:oMathPara xmlns:m="http://schemas.openxmlformats.org/officeDocument/2006/math">
+                              <m:oMathParaPr>
+                                <m:jc m:val="centerGroup"/>
+                              </m:oMathParaPr>
+                              <m:oMath xmlns:m="http://schemas.openxmlformats.org/officeDocument/2006/math">
+                                <m:sSub>
+                                  <m:sSubPr>
+                                    <m:ctrlPr>
+                                      <a:rPr lang="en-US" sz="2400" b="0" i="1" dirty="0" smtClean="0">
+                                        <a:solidFill>
+                                          <a:schemeClr val="tx1"/>
+                                        </a:solidFill>
+                                        <a:latin typeface="Cambria Math" panose="02040503050406030204" pitchFamily="18" charset="0"/>
+                                      </a:rPr>
+                                    </m:ctrlPr>
+                                  </m:sSubPr>
+                                  <m:e>
+                                    <m:r>
+                                      <a:rPr lang="en-US" sz="2400" b="0" i="1" dirty="0" smtClean="0">
+                                        <a:solidFill>
+                                          <a:schemeClr val="tx1"/>
+                                        </a:solidFill>
+                                        <a:latin typeface="Cambria Math" panose="02040503050406030204" pitchFamily="18" charset="0"/>
+                                      </a:rPr>
+                                      <m:t>𝑥</m:t>
+                                    </m:r>
+                                  </m:e>
+                                  <m:sub>
+                                    <m:r>
+                                      <a:rPr lang="en-US" sz="2400" b="0" i="1" dirty="0" smtClean="0">
+                                        <a:solidFill>
+                                          <a:schemeClr val="tx1"/>
+                                        </a:solidFill>
+                                        <a:latin typeface="Cambria Math" panose="02040503050406030204" pitchFamily="18" charset="0"/>
+                                      </a:rPr>
+                                      <m:t>1</m:t>
+                                    </m:r>
+                                  </m:sub>
+                                </m:sSub>
+                              </m:oMath>
+                            </m:oMathPara>
+                          </a14:m>
+                          <a:endParaRPr lang="en-US" sz="2400" b="0" i="0" dirty="0">
+                            <a:solidFill>
+                              <a:schemeClr val="tx1"/>
+                            </a:solidFill>
+                          </a:endParaRPr>
+                        </a:p>
+                      </a:txBody>
+                      <a:tcPr anchor="ctr">
+                        <a:lnL w="38100" cap="flat" cmpd="sng" algn="ctr">
+                          <a:solidFill>
+                            <a:schemeClr val="tx1"/>
+                          </a:solidFill>
+                          <a:prstDash val="solid"/>
+                          <a:round/>
+                          <a:headEnd type="none" w="med" len="med"/>
+                          <a:tailEnd type="none" w="med" len="med"/>
+                        </a:lnL>
+                        <a:lnR w="38100" cap="flat" cmpd="sng" algn="ctr">
+                          <a:solidFill>
+                            <a:schemeClr val="tx1"/>
+                          </a:solidFill>
+                          <a:prstDash val="solid"/>
+                          <a:round/>
+                          <a:headEnd type="none" w="med" len="med"/>
+                          <a:tailEnd type="none" w="med" len="med"/>
+                        </a:lnR>
+                        <a:lnT w="38100" cap="flat" cmpd="sng" algn="ctr">
+                          <a:solidFill>
+                            <a:schemeClr val="tx1"/>
+                          </a:solidFill>
+                          <a:prstDash val="solid"/>
+                          <a:round/>
+                          <a:headEnd type="none" w="med" len="med"/>
+                          <a:tailEnd type="none" w="med" len="med"/>
+                        </a:lnT>
+                        <a:lnB w="38100" cap="flat" cmpd="sng" algn="ctr">
+                          <a:solidFill>
+                            <a:schemeClr val="tx1"/>
+                          </a:solidFill>
+                          <a:prstDash val="solid"/>
+                          <a:round/>
+                          <a:headEnd type="none" w="med" len="med"/>
+                          <a:tailEnd type="none" w="med" len="med"/>
+                        </a:lnB>
+                        <a:noFill/>
+                      </a:tcPr>
+                    </a:tc>
+                    <a:tc>
+                      <a:txBody>
+                        <a:bodyPr/>
+                        <a:lstStyle/>
+                        <a:p>
+                          <a:pPr algn="ctr"/>
+                          <a14:m>
+                            <m:oMathPara xmlns:m="http://schemas.openxmlformats.org/officeDocument/2006/math">
+                              <m:oMathParaPr>
+                                <m:jc m:val="centerGroup"/>
+                              </m:oMathParaPr>
+                              <m:oMath xmlns:m="http://schemas.openxmlformats.org/officeDocument/2006/math">
+                                <m:sSub>
+                                  <m:sSubPr>
+                                    <m:ctrlPr>
+                                      <a:rPr lang="en-US" sz="2400" b="0" i="1" dirty="0" smtClean="0">
+                                        <a:solidFill>
+                                          <a:schemeClr val="tx1"/>
+                                        </a:solidFill>
+                                        <a:latin typeface="Cambria Math" panose="02040503050406030204" pitchFamily="18" charset="0"/>
+                                      </a:rPr>
+                                    </m:ctrlPr>
+                                  </m:sSubPr>
+                                  <m:e>
+                                    <m:r>
+                                      <a:rPr lang="en-US" sz="2400" b="0" i="1" dirty="0" smtClean="0">
+                                        <a:solidFill>
+                                          <a:schemeClr val="tx1"/>
+                                        </a:solidFill>
+                                        <a:latin typeface="Cambria Math" panose="02040503050406030204" pitchFamily="18" charset="0"/>
+                                      </a:rPr>
+                                      <m:t>𝑥</m:t>
+                                    </m:r>
+                                  </m:e>
+                                  <m:sub>
+                                    <m:r>
+                                      <a:rPr lang="en-US" sz="2400" b="0" i="1" dirty="0" smtClean="0">
+                                        <a:solidFill>
+                                          <a:schemeClr val="tx1"/>
+                                        </a:solidFill>
+                                        <a:latin typeface="Cambria Math" panose="02040503050406030204" pitchFamily="18" charset="0"/>
+                                      </a:rPr>
+                                      <m:t>2</m:t>
+                                    </m:r>
+                                  </m:sub>
+                                </m:sSub>
+                              </m:oMath>
+                            </m:oMathPara>
+                          </a14:m>
+                          <a:endParaRPr lang="en-US" sz="2400" b="0" i="0" dirty="0">
+                            <a:solidFill>
+                              <a:schemeClr val="tx1"/>
+                            </a:solidFill>
+                          </a:endParaRPr>
+                        </a:p>
+                      </a:txBody>
+                      <a:tcPr anchor="ctr">
+                        <a:lnL w="38100" cap="flat" cmpd="sng" algn="ctr">
+                          <a:solidFill>
+                            <a:schemeClr val="tx1"/>
+                          </a:solidFill>
+                          <a:prstDash val="solid"/>
+                          <a:round/>
+                          <a:headEnd type="none" w="med" len="med"/>
+                          <a:tailEnd type="none" w="med" len="med"/>
+                        </a:lnL>
+                        <a:lnR w="38100" cap="flat" cmpd="sng" algn="ctr">
+                          <a:solidFill>
+                            <a:schemeClr val="tx1"/>
+                          </a:solidFill>
+                          <a:prstDash val="solid"/>
+                          <a:round/>
+                          <a:headEnd type="none" w="med" len="med"/>
+                          <a:tailEnd type="none" w="med" len="med"/>
+                        </a:lnR>
+                        <a:lnT w="38100" cap="flat" cmpd="sng" algn="ctr">
+                          <a:solidFill>
+                            <a:schemeClr val="tx1"/>
+                          </a:solidFill>
+                          <a:prstDash val="solid"/>
+                          <a:round/>
+                          <a:headEnd type="none" w="med" len="med"/>
+                          <a:tailEnd type="none" w="med" len="med"/>
+                        </a:lnT>
+                        <a:lnB w="38100" cap="flat" cmpd="sng" algn="ctr">
+                          <a:solidFill>
+                            <a:schemeClr val="tx1"/>
+                          </a:solidFill>
+                          <a:prstDash val="solid"/>
+                          <a:round/>
+                          <a:headEnd type="none" w="med" len="med"/>
+                          <a:tailEnd type="none" w="med" len="med"/>
+                        </a:lnB>
+                        <a:noFill/>
+                      </a:tcPr>
+                    </a:tc>
+                    <a:extLst>
+                      <a:ext uri="{0D108BD9-81ED-4DB2-BD59-A6C34878D82A}">
+                        <a16:rowId xmlns:a16="http://schemas.microsoft.com/office/drawing/2014/main" val="3775152605"/>
+                      </a:ext>
+                    </a:extLst>
+                  </a:tr>
+                </a:tbl>
+              </a:graphicData>
+            </a:graphic>
+          </p:graphicFrame>
+        </mc:Choice>
+        <mc:Fallback>
+          <p:graphicFrame>
+            <p:nvGraphicFramePr>
+              <p:cNvPr id="11" name="Table 10">
+                <a:extLst>
+                  <a:ext uri="{FF2B5EF4-FFF2-40B4-BE49-F238E27FC236}">
+                    <a16:creationId xmlns:a16="http://schemas.microsoft.com/office/drawing/2014/main" id="{E7A6D92F-944C-A5C8-BD61-180973F2CFD0}"/>
+                  </a:ext>
+                </a:extLst>
+              </p:cNvPr>
+              <p:cNvGraphicFramePr>
+                <a:graphicFrameLocks noGrp="1"/>
+              </p:cNvGraphicFramePr>
+              <p:nvPr>
+                <p:extLst>
+                  <p:ext uri="{D42A27DB-BD31-4B8C-83A1-F6EECF244321}">
+                    <p14:modId xmlns:p14="http://schemas.microsoft.com/office/powerpoint/2010/main" val="1752504774"/>
+                  </p:ext>
+                </p:extLst>
+              </p:nvPr>
+            </p:nvGraphicFramePr>
+            <p:xfrm>
+              <a:off x="8100882" y="5356457"/>
+              <a:ext cx="2124558" cy="707853"/>
+            </p:xfrm>
+            <a:graphic>
+              <a:graphicData uri="http://schemas.openxmlformats.org/drawingml/2006/table">
+                <a:tbl>
+                  <a:tblPr firstRow="1" bandRow="1">
+                    <a:tableStyleId>{5C22544A-7EE6-4342-B048-85BDC9FD1C3A}</a:tableStyleId>
+                  </a:tblPr>
+                  <a:tblGrid>
+                    <a:gridCol w="708186">
+                      <a:extLst>
+                        <a:ext uri="{9D8B030D-6E8A-4147-A177-3AD203B41FA5}">
+                          <a16:colId xmlns:a16="http://schemas.microsoft.com/office/drawing/2014/main" val="4002730172"/>
+                        </a:ext>
+                      </a:extLst>
+                    </a:gridCol>
+                    <a:gridCol w="708186">
+                      <a:extLst>
+                        <a:ext uri="{9D8B030D-6E8A-4147-A177-3AD203B41FA5}">
+                          <a16:colId xmlns:a16="http://schemas.microsoft.com/office/drawing/2014/main" val="770359110"/>
+                        </a:ext>
+                      </a:extLst>
+                    </a:gridCol>
+                    <a:gridCol w="708186">
+                      <a:extLst>
+                        <a:ext uri="{9D8B030D-6E8A-4147-A177-3AD203B41FA5}">
+                          <a16:colId xmlns:a16="http://schemas.microsoft.com/office/drawing/2014/main" val="440623976"/>
+                        </a:ext>
+                      </a:extLst>
+                    </a:gridCol>
+                  </a:tblGrid>
+                  <a:tr h="707853">
+                    <a:tc>
+                      <a:txBody>
+                        <a:bodyPr/>
+                        <a:lstStyle/>
+                        <a:p>
+                          <a:endParaRPr lang="en-US"/>
+                        </a:p>
+                      </a:txBody>
+                      <a:tcPr anchor="ctr">
+                        <a:lnL w="38100" cap="flat" cmpd="sng" algn="ctr">
+                          <a:solidFill>
+                            <a:schemeClr val="tx1"/>
+                          </a:solidFill>
+                          <a:prstDash val="solid"/>
+                          <a:round/>
+                          <a:headEnd type="none" w="med" len="med"/>
+                          <a:tailEnd type="none" w="med" len="med"/>
+                        </a:lnL>
+                        <a:lnR w="38100" cap="flat" cmpd="sng" algn="ctr">
+                          <a:solidFill>
+                            <a:schemeClr val="tx1"/>
+                          </a:solidFill>
+                          <a:prstDash val="solid"/>
+                          <a:round/>
+                          <a:headEnd type="none" w="med" len="med"/>
+                          <a:tailEnd type="none" w="med" len="med"/>
+                        </a:lnR>
+                        <a:lnT w="38100" cap="flat" cmpd="sng" algn="ctr">
+                          <a:solidFill>
+                            <a:schemeClr val="tx1"/>
+                          </a:solidFill>
+                          <a:prstDash val="solid"/>
+                          <a:round/>
+                          <a:headEnd type="none" w="med" len="med"/>
+                          <a:tailEnd type="none" w="med" len="med"/>
+                        </a:lnT>
+                        <a:lnB w="38100" cap="flat" cmpd="sng" algn="ctr">
+                          <a:solidFill>
+                            <a:schemeClr val="tx1"/>
+                          </a:solidFill>
+                          <a:prstDash val="solid"/>
+                          <a:round/>
+                          <a:headEnd type="none" w="med" len="med"/>
+                          <a:tailEnd type="none" w="med" len="med"/>
+                        </a:lnB>
+                        <a:blipFill>
+                          <a:blip r:embed="rId4"/>
+                          <a:stretch>
+                            <a:fillRect l="-1786" t="-1754" r="-207143" b="-5263"/>
+                          </a:stretch>
+                        </a:blipFill>
+                      </a:tcPr>
+                    </a:tc>
+                    <a:tc>
+                      <a:txBody>
+                        <a:bodyPr/>
+                        <a:lstStyle/>
+                        <a:p>
+                          <a:endParaRPr lang="en-US"/>
+                        </a:p>
+                      </a:txBody>
+                      <a:tcPr anchor="ctr">
+                        <a:lnL w="38100" cap="flat" cmpd="sng" algn="ctr">
+                          <a:solidFill>
+                            <a:schemeClr val="tx1"/>
+                          </a:solidFill>
+                          <a:prstDash val="solid"/>
+                          <a:round/>
+                          <a:headEnd type="none" w="med" len="med"/>
+                          <a:tailEnd type="none" w="med" len="med"/>
+                        </a:lnL>
+                        <a:lnR w="38100" cap="flat" cmpd="sng" algn="ctr">
+                          <a:solidFill>
+                            <a:schemeClr val="tx1"/>
+                          </a:solidFill>
+                          <a:prstDash val="solid"/>
+                          <a:round/>
+                          <a:headEnd type="none" w="med" len="med"/>
+                          <a:tailEnd type="none" w="med" len="med"/>
+                        </a:lnR>
+                        <a:lnT w="38100" cap="flat" cmpd="sng" algn="ctr">
+                          <a:solidFill>
+                            <a:schemeClr val="tx1"/>
+                          </a:solidFill>
+                          <a:prstDash val="solid"/>
+                          <a:round/>
+                          <a:headEnd type="none" w="med" len="med"/>
+                          <a:tailEnd type="none" w="med" len="med"/>
+                        </a:lnT>
+                        <a:lnB w="38100" cap="flat" cmpd="sng" algn="ctr">
+                          <a:solidFill>
+                            <a:schemeClr val="tx1"/>
+                          </a:solidFill>
+                          <a:prstDash val="solid"/>
+                          <a:round/>
+                          <a:headEnd type="none" w="med" len="med"/>
+                          <a:tailEnd type="none" w="med" len="med"/>
+                        </a:lnB>
+                        <a:blipFill>
+                          <a:blip r:embed="rId4"/>
+                          <a:stretch>
+                            <a:fillRect l="-100000" t="-1754" r="-103509" b="-5263"/>
+                          </a:stretch>
+                        </a:blipFill>
+                      </a:tcPr>
+                    </a:tc>
+                    <a:tc>
+                      <a:txBody>
+                        <a:bodyPr/>
+                        <a:lstStyle/>
+                        <a:p>
+                          <a:endParaRPr lang="en-US"/>
+                        </a:p>
+                      </a:txBody>
+                      <a:tcPr anchor="ctr">
+                        <a:lnL w="38100" cap="flat" cmpd="sng" algn="ctr">
+                          <a:solidFill>
+                            <a:schemeClr val="tx1"/>
+                          </a:solidFill>
+                          <a:prstDash val="solid"/>
+                          <a:round/>
+                          <a:headEnd type="none" w="med" len="med"/>
+                          <a:tailEnd type="none" w="med" len="med"/>
+                        </a:lnL>
+                        <a:lnR w="38100" cap="flat" cmpd="sng" algn="ctr">
+                          <a:solidFill>
+                            <a:schemeClr val="tx1"/>
+                          </a:solidFill>
+                          <a:prstDash val="solid"/>
+                          <a:round/>
+                          <a:headEnd type="none" w="med" len="med"/>
+                          <a:tailEnd type="none" w="med" len="med"/>
+                        </a:lnR>
+                        <a:lnT w="38100" cap="flat" cmpd="sng" algn="ctr">
+                          <a:solidFill>
+                            <a:schemeClr val="tx1"/>
+                          </a:solidFill>
+                          <a:prstDash val="solid"/>
+                          <a:round/>
+                          <a:headEnd type="none" w="med" len="med"/>
+                          <a:tailEnd type="none" w="med" len="med"/>
+                        </a:lnT>
+                        <a:lnB w="38100" cap="flat" cmpd="sng" algn="ctr">
+                          <a:solidFill>
+                            <a:schemeClr val="tx1"/>
+                          </a:solidFill>
+                          <a:prstDash val="solid"/>
+                          <a:round/>
+                          <a:headEnd type="none" w="med" len="med"/>
+                          <a:tailEnd type="none" w="med" len="med"/>
+                        </a:lnB>
+                        <a:blipFill>
+                          <a:blip r:embed="rId4"/>
+                          <a:stretch>
+                            <a:fillRect l="-203571" t="-1754" r="-5357" b="-5263"/>
+                          </a:stretch>
+                        </a:blipFill>
+                      </a:tcPr>
+                    </a:tc>
+                    <a:extLst>
+                      <a:ext uri="{0D108BD9-81ED-4DB2-BD59-A6C34878D82A}">
+                        <a16:rowId xmlns:a16="http://schemas.microsoft.com/office/drawing/2014/main" val="3775152605"/>
+                      </a:ext>
+                    </a:extLst>
+                  </a:tr>
+                </a:tbl>
+              </a:graphicData>
+            </a:graphic>
+          </p:graphicFrame>
+        </mc:Fallback>
+      </mc:AlternateContent>
+      <p:sp>
+        <p:nvSpPr>
+          <p:cNvPr id="13" name="TextBox 12">
+            <a:extLst>
+              <a:ext uri="{FF2B5EF4-FFF2-40B4-BE49-F238E27FC236}">
+                <a16:creationId xmlns:a16="http://schemas.microsoft.com/office/drawing/2014/main" id="{93454A4A-3CAD-BD70-E7BC-3126CBF14164}"/>
               </a:ext>
             </a:extLst>
           </p:cNvPr>
@@ -6839,9 +8514,9 @@
           <p:nvPr/>
         </p:nvSpPr>
         <p:spPr>
-          <a:xfrm>
-            <a:off x="8408165" y="5010706"/>
-            <a:ext cx="2140330" cy="369332"/>
+          <a:xfrm rot="18054908">
+            <a:off x="9082265" y="6452217"/>
+            <a:ext cx="1090081" cy="307777"/>
           </a:xfrm>
           <a:prstGeom prst="rect">
             <a:avLst/>
@@ -6849,28 +8524,25 @@
           <a:noFill/>
         </p:spPr>
         <p:txBody>
-          <a:bodyPr wrap="none" rtlCol="0">
+          <a:bodyPr wrap="square" rtlCol="0">
             <a:spAutoFit/>
           </a:bodyPr>
           <a:lstStyle/>
           <a:p>
+            <a:pPr algn="r"/>
             <a:r>
-              <a:rPr lang="en-US" dirty="0">
-                <a:solidFill>
-                  <a:schemeClr val="accent2"/>
-                </a:solidFill>
-              </a:rPr>
-              <a:t>5   -9     -0.075  0.043</a:t>
+              <a:rPr lang="en-US" sz="1400" dirty="0"/>
+              <a:t>Sex</a:t>
             </a:r>
           </a:p>
         </p:txBody>
       </p:sp>
       <p:sp>
         <p:nvSpPr>
-          <p:cNvPr id="47" name="TextBox 46">
+          <p:cNvPr id="14" name="TextBox 13">
             <a:extLst>
               <a:ext uri="{FF2B5EF4-FFF2-40B4-BE49-F238E27FC236}">
-                <a16:creationId xmlns:a16="http://schemas.microsoft.com/office/drawing/2014/main" id="{EB9D1E60-57AD-8C23-8C94-4E35DD52A961}"/>
+                <a16:creationId xmlns:a16="http://schemas.microsoft.com/office/drawing/2014/main" id="{CBF4A3F7-1B83-B7D3-D88C-FF9965F38B5C}"/>
               </a:ext>
             </a:extLst>
           </p:cNvPr>
@@ -6878,9 +8550,9 @@
           <p:nvPr/>
         </p:nvSpPr>
         <p:spPr>
-          <a:xfrm>
-            <a:off x="8550653" y="2339599"/>
-            <a:ext cx="1225015" cy="369332"/>
+          <a:xfrm rot="18054908">
+            <a:off x="7594619" y="6459483"/>
+            <a:ext cx="1204786" cy="307777"/>
           </a:xfrm>
           <a:prstGeom prst="rect">
             <a:avLst/>
@@ -6888,18 +8560,2639 @@
           <a:noFill/>
         </p:spPr>
         <p:txBody>
-          <a:bodyPr wrap="none" rtlCol="0">
+          <a:bodyPr wrap="square" rtlCol="0">
             <a:spAutoFit/>
           </a:bodyPr>
           <a:lstStyle/>
           <a:p>
+            <a:pPr algn="r"/>
             <a:r>
-              <a:rPr lang="en-US" dirty="0">
-                <a:solidFill>
-                  <a:schemeClr val="accent2"/>
-                </a:solidFill>
-              </a:rPr>
-              <a:t>1	1</a:t>
+              <a:rPr lang="en-US" sz="1400" dirty="0"/>
+              <a:t>Intercept</a:t>
+            </a:r>
+          </a:p>
+        </p:txBody>
+      </p:sp>
+      <mc:AlternateContent xmlns:mc="http://schemas.openxmlformats.org/markup-compatibility/2006" xmlns:a14="http://schemas.microsoft.com/office/drawing/2010/main">
+        <mc:Choice Requires="a14">
+          <p:sp>
+            <p:nvSpPr>
+              <p:cNvPr id="16" name="TextBox 15">
+                <a:extLst>
+                  <a:ext uri="{FF2B5EF4-FFF2-40B4-BE49-F238E27FC236}">
+                    <a16:creationId xmlns:a16="http://schemas.microsoft.com/office/drawing/2014/main" id="{A52181D1-0D72-583B-D320-70DFB677252B}"/>
+                  </a:ext>
+                </a:extLst>
+              </p:cNvPr>
+              <p:cNvSpPr txBox="1"/>
+              <p:nvPr/>
+            </p:nvSpPr>
+            <p:spPr>
+              <a:xfrm>
+                <a:off x="8410193" y="2790635"/>
+                <a:ext cx="1000972" cy="392993"/>
+              </a:xfrm>
+              <a:prstGeom prst="rect">
+                <a:avLst/>
+              </a:prstGeom>
+              <a:noFill/>
+            </p:spPr>
+            <p:txBody>
+              <a:bodyPr wrap="square" rtlCol="0">
+                <a:spAutoFit/>
+              </a:bodyPr>
+              <a:lstStyle/>
+              <a:p>
+                <a:pPr/>
+                <a14:m>
+                  <m:oMathPara xmlns:m="http://schemas.openxmlformats.org/officeDocument/2006/math">
+                    <m:oMathParaPr>
+                      <m:jc m:val="left"/>
+                    </m:oMathParaPr>
+                    <m:oMath xmlns:m="http://schemas.openxmlformats.org/officeDocument/2006/math">
+                      <m:r>
+                        <a:rPr lang="en-US" sz="2000" b="0" i="1" dirty="0" smtClean="0">
+                          <a:latin typeface="Cambria Math" panose="02040503050406030204" pitchFamily="18" charset="0"/>
+                          <a:cs typeface="Times New Roman" panose="02020603050405020304" pitchFamily="18" charset="0"/>
+                        </a:rPr>
+                        <m:t>𝜎</m:t>
+                      </m:r>
+                      <m:r>
+                        <a:rPr lang="en-US" sz="2000" b="0" i="1" dirty="0" smtClean="0">
+                          <a:latin typeface="Cambria Math" panose="02040503050406030204" pitchFamily="18" charset="0"/>
+                          <a:cs typeface="Times New Roman" panose="02020603050405020304" pitchFamily="18" charset="0"/>
+                        </a:rPr>
+                        <m:t>(</m:t>
+                      </m:r>
+                      <m:sSub>
+                        <m:sSubPr>
+                          <m:ctrlPr>
+                            <a:rPr lang="en-US" sz="2000" b="0" i="1" dirty="0" smtClean="0">
+                              <a:latin typeface="Cambria Math" panose="02040503050406030204" pitchFamily="18" charset="0"/>
+                              <a:cs typeface="Times New Roman" panose="02020603050405020304" pitchFamily="18" charset="0"/>
+                            </a:rPr>
+                          </m:ctrlPr>
+                        </m:sSubPr>
+                        <m:e>
+                          <m:r>
+                            <a:rPr lang="en-US" sz="2000" b="0" i="1" dirty="0" smtClean="0">
+                              <a:latin typeface="Cambria Math" panose="02040503050406030204" pitchFamily="18" charset="0"/>
+                              <a:cs typeface="Times New Roman" panose="02020603050405020304" pitchFamily="18" charset="0"/>
+                            </a:rPr>
+                            <m:t>h</m:t>
+                          </m:r>
+                        </m:e>
+                        <m:sub>
+                          <m:r>
+                            <a:rPr lang="en-US" sz="2000" b="0" i="1" dirty="0" smtClean="0">
+                              <a:latin typeface="Cambria Math" panose="02040503050406030204" pitchFamily="18" charset="0"/>
+                              <a:cs typeface="Times New Roman" panose="02020603050405020304" pitchFamily="18" charset="0"/>
+                            </a:rPr>
+                            <m:t>1</m:t>
+                          </m:r>
+                        </m:sub>
+                      </m:sSub>
+                      <m:r>
+                        <a:rPr lang="en-US" sz="2000" b="0" i="1" dirty="0" smtClean="0">
+                          <a:latin typeface="Cambria Math" panose="02040503050406030204" pitchFamily="18" charset="0"/>
+                          <a:cs typeface="Times New Roman" panose="02020603050405020304" pitchFamily="18" charset="0"/>
+                        </a:rPr>
+                        <m:t>)</m:t>
+                      </m:r>
+                    </m:oMath>
+                  </m:oMathPara>
+                </a14:m>
+                <a:endParaRPr lang="en-US" sz="2000" baseline="-25000" dirty="0">
+                  <a:latin typeface="Times New Roman" panose="02020603050405020304" pitchFamily="18" charset="0"/>
+                  <a:cs typeface="Times New Roman" panose="02020603050405020304" pitchFamily="18" charset="0"/>
+                </a:endParaRPr>
+              </a:p>
+            </p:txBody>
+          </p:sp>
+        </mc:Choice>
+        <mc:Fallback xmlns="">
+          <p:sp>
+            <p:nvSpPr>
+              <p:cNvPr id="16" name="TextBox 15">
+                <a:extLst>
+                  <a:ext uri="{FF2B5EF4-FFF2-40B4-BE49-F238E27FC236}">
+                    <a16:creationId xmlns:a16="http://schemas.microsoft.com/office/drawing/2014/main" id="{A52181D1-0D72-583B-D320-70DFB677252B}"/>
+                  </a:ext>
+                </a:extLst>
+              </p:cNvPr>
+              <p:cNvSpPr txBox="1">
+                <a:spLocks noRot="1" noChangeAspect="1" noMove="1" noResize="1" noEditPoints="1" noAdjustHandles="1" noChangeArrowheads="1" noChangeShapeType="1" noTextEdit="1"/>
+              </p:cNvSpPr>
+              <p:nvPr/>
+            </p:nvSpPr>
+            <p:spPr>
+              <a:xfrm>
+                <a:off x="8410193" y="2790635"/>
+                <a:ext cx="1000972" cy="392993"/>
+              </a:xfrm>
+              <a:prstGeom prst="rect">
+                <a:avLst/>
+              </a:prstGeom>
+              <a:blipFill>
+                <a:blip r:embed="rId5"/>
+                <a:stretch>
+                  <a:fillRect b="-15625"/>
+                </a:stretch>
+              </a:blipFill>
+            </p:spPr>
+            <p:txBody>
+              <a:bodyPr/>
+              <a:lstStyle/>
+              <a:p>
+                <a:r>
+                  <a:rPr lang="en-US">
+                    <a:noFill/>
+                  </a:rPr>
+                  <a:t> </a:t>
+                </a:r>
+              </a:p>
+            </p:txBody>
+          </p:sp>
+        </mc:Fallback>
+      </mc:AlternateContent>
+      <mc:AlternateContent xmlns:mc="http://schemas.openxmlformats.org/markup-compatibility/2006" xmlns:a14="http://schemas.microsoft.com/office/drawing/2010/main">
+        <mc:Choice Requires="a14">
+          <p:sp>
+            <p:nvSpPr>
+              <p:cNvPr id="17" name="TextBox 16">
+                <a:extLst>
+                  <a:ext uri="{FF2B5EF4-FFF2-40B4-BE49-F238E27FC236}">
+                    <a16:creationId xmlns:a16="http://schemas.microsoft.com/office/drawing/2014/main" id="{CCA6CBCF-A601-FBCC-8EFC-363CF54A70DB}"/>
+                  </a:ext>
+                </a:extLst>
+              </p:cNvPr>
+              <p:cNvSpPr txBox="1"/>
+              <p:nvPr/>
+            </p:nvSpPr>
+            <p:spPr>
+              <a:xfrm>
+                <a:off x="8582566" y="4152500"/>
+                <a:ext cx="482826" cy="512576"/>
+              </a:xfrm>
+              <a:prstGeom prst="rect">
+                <a:avLst/>
+              </a:prstGeom>
+              <a:noFill/>
+            </p:spPr>
+            <p:txBody>
+              <a:bodyPr wrap="square" rtlCol="0">
+                <a:spAutoFit/>
+              </a:bodyPr>
+              <a:lstStyle/>
+              <a:p>
+                <a:pPr/>
+                <a14:m>
+                  <m:oMathPara xmlns:m="http://schemas.openxmlformats.org/officeDocument/2006/math">
+                    <m:oMathParaPr>
+                      <m:jc m:val="centerGroup"/>
+                    </m:oMathParaPr>
+                    <m:oMath xmlns:m="http://schemas.openxmlformats.org/officeDocument/2006/math">
+                      <m:sSub>
+                        <m:sSubPr>
+                          <m:ctrlPr>
+                            <a:rPr lang="en-US" sz="2797" b="0" i="1" dirty="0" smtClean="0">
+                              <a:solidFill>
+                                <a:schemeClr val="tx1"/>
+                              </a:solidFill>
+                              <a:latin typeface="Cambria Math" panose="02040503050406030204" pitchFamily="18" charset="0"/>
+                              <a:cs typeface="Times New Roman" panose="02020603050405020304" pitchFamily="18" charset="0"/>
+                            </a:rPr>
+                          </m:ctrlPr>
+                        </m:sSubPr>
+                        <m:e>
+                          <m:r>
+                            <a:rPr lang="en-US" sz="2797" b="0" i="1" dirty="0" smtClean="0">
+                              <a:solidFill>
+                                <a:schemeClr val="tx1"/>
+                              </a:solidFill>
+                              <a:latin typeface="Cambria Math" panose="02040503050406030204" pitchFamily="18" charset="0"/>
+                              <a:cs typeface="Times New Roman" panose="02020603050405020304" pitchFamily="18" charset="0"/>
+                            </a:rPr>
+                            <m:t>h</m:t>
+                          </m:r>
+                        </m:e>
+                        <m:sub>
+                          <m:r>
+                            <a:rPr lang="en-US" sz="2797" b="0" i="1" dirty="0" smtClean="0">
+                              <a:solidFill>
+                                <a:schemeClr val="tx1"/>
+                              </a:solidFill>
+                              <a:latin typeface="Cambria Math" panose="02040503050406030204" pitchFamily="18" charset="0"/>
+                              <a:cs typeface="Times New Roman" panose="02020603050405020304" pitchFamily="18" charset="0"/>
+                            </a:rPr>
+                            <m:t>1</m:t>
+                          </m:r>
+                        </m:sub>
+                      </m:sSub>
+                    </m:oMath>
+                  </m:oMathPara>
+                </a14:m>
+                <a:endParaRPr lang="en-US" sz="2797" baseline="-25000" dirty="0">
+                  <a:latin typeface="Times New Roman" panose="02020603050405020304" pitchFamily="18" charset="0"/>
+                  <a:cs typeface="Times New Roman" panose="02020603050405020304" pitchFamily="18" charset="0"/>
+                </a:endParaRPr>
+              </a:p>
+            </p:txBody>
+          </p:sp>
+        </mc:Choice>
+        <mc:Fallback xmlns="">
+          <p:sp>
+            <p:nvSpPr>
+              <p:cNvPr id="17" name="TextBox 16">
+                <a:extLst>
+                  <a:ext uri="{FF2B5EF4-FFF2-40B4-BE49-F238E27FC236}">
+                    <a16:creationId xmlns:a16="http://schemas.microsoft.com/office/drawing/2014/main" id="{CCA6CBCF-A601-FBCC-8EFC-363CF54A70DB}"/>
+                  </a:ext>
+                </a:extLst>
+              </p:cNvPr>
+              <p:cNvSpPr txBox="1">
+                <a:spLocks noRot="1" noChangeAspect="1" noMove="1" noResize="1" noEditPoints="1" noAdjustHandles="1" noChangeArrowheads="1" noChangeShapeType="1" noTextEdit="1"/>
+              </p:cNvSpPr>
+              <p:nvPr/>
+            </p:nvSpPr>
+            <p:spPr>
+              <a:xfrm>
+                <a:off x="8582566" y="4152500"/>
+                <a:ext cx="482826" cy="512576"/>
+              </a:xfrm>
+              <a:prstGeom prst="rect">
+                <a:avLst/>
+              </a:prstGeom>
+              <a:blipFill>
+                <a:blip r:embed="rId6"/>
+                <a:stretch>
+                  <a:fillRect l="-7692" r="-7692" b="-7143"/>
+                </a:stretch>
+              </a:blipFill>
+            </p:spPr>
+            <p:txBody>
+              <a:bodyPr/>
+              <a:lstStyle/>
+              <a:p>
+                <a:r>
+                  <a:rPr lang="en-US">
+                    <a:noFill/>
+                  </a:rPr>
+                  <a:t> </a:t>
+                </a:r>
+              </a:p>
+            </p:txBody>
+          </p:sp>
+        </mc:Fallback>
+      </mc:AlternateContent>
+      <mc:AlternateContent xmlns:mc="http://schemas.openxmlformats.org/markup-compatibility/2006" xmlns:a14="http://schemas.microsoft.com/office/drawing/2010/main">
+        <mc:Choice Requires="a14">
+          <p:sp>
+            <p:nvSpPr>
+              <p:cNvPr id="18" name="Oval 17">
+                <a:extLst>
+                  <a:ext uri="{FF2B5EF4-FFF2-40B4-BE49-F238E27FC236}">
+                    <a16:creationId xmlns:a16="http://schemas.microsoft.com/office/drawing/2014/main" id="{77EFB7EE-ABAB-4194-43A6-F8EC26FCA607}"/>
+                  </a:ext>
+                </a:extLst>
+              </p:cNvPr>
+              <p:cNvSpPr/>
+              <p:nvPr/>
+            </p:nvSpPr>
+            <p:spPr>
+              <a:xfrm>
+                <a:off x="9267188" y="3476786"/>
+                <a:ext cx="470357" cy="459473"/>
+              </a:xfrm>
+              <a:prstGeom prst="ellipse">
+                <a:avLst/>
+              </a:prstGeom>
+            </p:spPr>
+            <p:style>
+              <a:lnRef idx="2">
+                <a:schemeClr val="dk1"/>
+              </a:lnRef>
+              <a:fillRef idx="1">
+                <a:schemeClr val="lt1"/>
+              </a:fillRef>
+              <a:effectRef idx="0">
+                <a:schemeClr val="dk1"/>
+              </a:effectRef>
+              <a:fontRef idx="minor">
+                <a:schemeClr val="dk1"/>
+              </a:fontRef>
+            </p:style>
+            <p:txBody>
+              <a:bodyPr rtlCol="0" anchor="ctr"/>
+              <a:lstStyle/>
+              <a:p>
+                <a:pPr algn="ctr"/>
+                <a14:m>
+                  <m:oMathPara xmlns:m="http://schemas.openxmlformats.org/officeDocument/2006/math">
+                    <m:oMathParaPr>
+                      <m:jc m:val="center"/>
+                    </m:oMathParaPr>
+                    <m:oMath xmlns:m="http://schemas.openxmlformats.org/officeDocument/2006/math">
+                      <m:r>
+                        <a:rPr lang="en-US" sz="3200" b="0" i="1" dirty="0" smtClean="0">
+                          <a:latin typeface="Cambria Math" panose="02040503050406030204" pitchFamily="18" charset="0"/>
+                        </a:rPr>
+                        <m:t> </m:t>
+                      </m:r>
+                      <m:r>
+                        <a:rPr lang="el-GR" sz="3200" i="1" dirty="0" smtClean="0">
+                          <a:latin typeface="Cambria Math" panose="02040503050406030204" pitchFamily="18" charset="0"/>
+                        </a:rPr>
+                        <m:t>𝜎</m:t>
+                      </m:r>
+                    </m:oMath>
+                  </m:oMathPara>
+                </a14:m>
+                <a:endParaRPr lang="en-US" dirty="0"/>
+              </a:p>
+            </p:txBody>
+          </p:sp>
+        </mc:Choice>
+        <mc:Fallback xmlns="">
+          <p:sp>
+            <p:nvSpPr>
+              <p:cNvPr id="18" name="Oval 17">
+                <a:extLst>
+                  <a:ext uri="{FF2B5EF4-FFF2-40B4-BE49-F238E27FC236}">
+                    <a16:creationId xmlns:a16="http://schemas.microsoft.com/office/drawing/2014/main" id="{77EFB7EE-ABAB-4194-43A6-F8EC26FCA607}"/>
+                  </a:ext>
+                </a:extLst>
+              </p:cNvPr>
+              <p:cNvSpPr>
+                <a:spLocks noRot="1" noChangeAspect="1" noMove="1" noResize="1" noEditPoints="1" noAdjustHandles="1" noChangeArrowheads="1" noChangeShapeType="1" noTextEdit="1"/>
+              </p:cNvSpPr>
+              <p:nvPr/>
+            </p:nvSpPr>
+            <p:spPr>
+              <a:xfrm>
+                <a:off x="9267188" y="3476786"/>
+                <a:ext cx="470357" cy="459473"/>
+              </a:xfrm>
+              <a:prstGeom prst="ellipse">
+                <a:avLst/>
+              </a:prstGeom>
+              <a:blipFill>
+                <a:blip r:embed="rId7"/>
+                <a:stretch>
+                  <a:fillRect l="-35897" t="-10526" b="-39474"/>
+                </a:stretch>
+              </a:blipFill>
+            </p:spPr>
+            <p:txBody>
+              <a:bodyPr/>
+              <a:lstStyle/>
+              <a:p>
+                <a:r>
+                  <a:rPr lang="en-US">
+                    <a:noFill/>
+                  </a:rPr>
+                  <a:t> </a:t>
+                </a:r>
+              </a:p>
+            </p:txBody>
+          </p:sp>
+        </mc:Fallback>
+      </mc:AlternateContent>
+      <p:cxnSp>
+        <p:nvCxnSpPr>
+          <p:cNvPr id="19" name="Straight Arrow Connector 18">
+            <a:extLst>
+              <a:ext uri="{FF2B5EF4-FFF2-40B4-BE49-F238E27FC236}">
+                <a16:creationId xmlns:a16="http://schemas.microsoft.com/office/drawing/2014/main" id="{E254828A-A067-C152-E0D9-040338702579}"/>
+              </a:ext>
+            </a:extLst>
+          </p:cNvPr>
+          <p:cNvCxnSpPr>
+            <a:cxnSpLocks/>
+            <a:endCxn id="18" idx="4"/>
+          </p:cNvCxnSpPr>
+          <p:nvPr/>
+        </p:nvCxnSpPr>
+        <p:spPr>
+          <a:xfrm flipV="1">
+            <a:off x="9502367" y="3936259"/>
+            <a:ext cx="0" cy="207440"/>
+          </a:xfrm>
+          <a:prstGeom prst="straightConnector1">
+            <a:avLst/>
+          </a:prstGeom>
+          <a:ln>
+            <a:tailEnd type="triangle"/>
+          </a:ln>
+        </p:spPr>
+        <p:style>
+          <a:lnRef idx="2">
+            <a:schemeClr val="dk1"/>
+          </a:lnRef>
+          <a:fillRef idx="0">
+            <a:schemeClr val="dk1"/>
+          </a:fillRef>
+          <a:effectRef idx="1">
+            <a:schemeClr val="dk1"/>
+          </a:effectRef>
+          <a:fontRef idx="minor">
+            <a:schemeClr val="tx1"/>
+          </a:fontRef>
+        </p:style>
+      </p:cxnSp>
+      <p:cxnSp>
+        <p:nvCxnSpPr>
+          <p:cNvPr id="20" name="Straight Arrow Connector 19">
+            <a:extLst>
+              <a:ext uri="{FF2B5EF4-FFF2-40B4-BE49-F238E27FC236}">
+                <a16:creationId xmlns:a16="http://schemas.microsoft.com/office/drawing/2014/main" id="{3A0F0DDD-461D-B97B-F83D-05E714629D53}"/>
+              </a:ext>
+            </a:extLst>
+          </p:cNvPr>
+          <p:cNvCxnSpPr>
+            <a:cxnSpLocks/>
+            <a:stCxn id="18" idx="0"/>
+          </p:cNvCxnSpPr>
+          <p:nvPr/>
+        </p:nvCxnSpPr>
+        <p:spPr>
+          <a:xfrm flipV="1">
+            <a:off x="9502367" y="3299385"/>
+            <a:ext cx="0" cy="177401"/>
+          </a:xfrm>
+          <a:prstGeom prst="straightConnector1">
+            <a:avLst/>
+          </a:prstGeom>
+          <a:ln>
+            <a:tailEnd type="triangle"/>
+          </a:ln>
+        </p:spPr>
+        <p:style>
+          <a:lnRef idx="2">
+            <a:schemeClr val="dk1"/>
+          </a:lnRef>
+          <a:fillRef idx="0">
+            <a:schemeClr val="dk1"/>
+          </a:fillRef>
+          <a:effectRef idx="1">
+            <a:schemeClr val="dk1"/>
+          </a:effectRef>
+          <a:fontRef idx="minor">
+            <a:schemeClr val="tx1"/>
+          </a:fontRef>
+        </p:style>
+      </p:cxnSp>
+      <p:cxnSp>
+        <p:nvCxnSpPr>
+          <p:cNvPr id="23" name="Straight Arrow Connector 22">
+            <a:extLst>
+              <a:ext uri="{FF2B5EF4-FFF2-40B4-BE49-F238E27FC236}">
+                <a16:creationId xmlns:a16="http://schemas.microsoft.com/office/drawing/2014/main" id="{A76397B2-1C3B-09C2-B0D2-58544F8697C0}"/>
+              </a:ext>
+            </a:extLst>
+          </p:cNvPr>
+          <p:cNvCxnSpPr>
+            <a:cxnSpLocks/>
+          </p:cNvCxnSpPr>
+          <p:nvPr/>
+        </p:nvCxnSpPr>
+        <p:spPr>
+          <a:xfrm flipV="1">
+            <a:off x="8549023" y="4740414"/>
+            <a:ext cx="815556" cy="606114"/>
+          </a:xfrm>
+          <a:prstGeom prst="straightConnector1">
+            <a:avLst/>
+          </a:prstGeom>
+          <a:ln>
+            <a:tailEnd type="triangle"/>
+          </a:ln>
+        </p:spPr>
+        <p:style>
+          <a:lnRef idx="2">
+            <a:schemeClr val="dk1"/>
+          </a:lnRef>
+          <a:fillRef idx="0">
+            <a:schemeClr val="dk1"/>
+          </a:fillRef>
+          <a:effectRef idx="1">
+            <a:schemeClr val="dk1"/>
+          </a:effectRef>
+          <a:fontRef idx="minor">
+            <a:schemeClr val="tx1"/>
+          </a:fontRef>
+        </p:style>
+      </p:cxnSp>
+      <p:graphicFrame>
+        <p:nvGraphicFramePr>
+          <p:cNvPr id="24" name="Table 23">
+            <a:extLst>
+              <a:ext uri="{FF2B5EF4-FFF2-40B4-BE49-F238E27FC236}">
+                <a16:creationId xmlns:a16="http://schemas.microsoft.com/office/drawing/2014/main" id="{AF961BA3-267D-79E1-BADB-487F68F10008}"/>
+              </a:ext>
+            </a:extLst>
+          </p:cNvPr>
+          <p:cNvGraphicFramePr>
+            <a:graphicFrameLocks noGrp="1"/>
+          </p:cNvGraphicFramePr>
+          <p:nvPr/>
+        </p:nvGraphicFramePr>
+        <p:xfrm>
+          <a:off x="8457317" y="2673703"/>
+          <a:ext cx="1372864" cy="622932"/>
+        </p:xfrm>
+        <a:graphic>
+          <a:graphicData uri="http://schemas.openxmlformats.org/drawingml/2006/table">
+            <a:tbl>
+              <a:tblPr firstRow="1" bandRow="1">
+                <a:tableStyleId>{5C22544A-7EE6-4342-B048-85BDC9FD1C3A}</a:tableStyleId>
+              </a:tblPr>
+              <a:tblGrid>
+                <a:gridCol w="686432">
+                  <a:extLst>
+                    <a:ext uri="{9D8B030D-6E8A-4147-A177-3AD203B41FA5}">
+                      <a16:colId xmlns:a16="http://schemas.microsoft.com/office/drawing/2014/main" val="4002730172"/>
+                    </a:ext>
+                  </a:extLst>
+                </a:gridCol>
+                <a:gridCol w="686432">
+                  <a:extLst>
+                    <a:ext uri="{9D8B030D-6E8A-4147-A177-3AD203B41FA5}">
+                      <a16:colId xmlns:a16="http://schemas.microsoft.com/office/drawing/2014/main" val="2833431289"/>
+                    </a:ext>
+                  </a:extLst>
+                </a:gridCol>
+              </a:tblGrid>
+              <a:tr h="622932">
+                <a:tc>
+                  <a:txBody>
+                    <a:bodyPr/>
+                    <a:lstStyle/>
+                    <a:p>
+                      <a:endParaRPr lang="en-US" dirty="0"/>
+                    </a:p>
+                  </a:txBody>
+                  <a:tcPr>
+                    <a:lnL w="38100" cap="flat" cmpd="sng" algn="ctr">
+                      <a:solidFill>
+                        <a:schemeClr val="tx1"/>
+                      </a:solidFill>
+                      <a:prstDash val="solid"/>
+                      <a:round/>
+                      <a:headEnd type="none" w="med" len="med"/>
+                      <a:tailEnd type="none" w="med" len="med"/>
+                    </a:lnL>
+                    <a:lnR w="38100" cap="flat" cmpd="sng" algn="ctr">
+                      <a:solidFill>
+                        <a:schemeClr val="tx1"/>
+                      </a:solidFill>
+                      <a:prstDash val="solid"/>
+                      <a:round/>
+                      <a:headEnd type="none" w="med" len="med"/>
+                      <a:tailEnd type="none" w="med" len="med"/>
+                    </a:lnR>
+                    <a:lnT w="38100" cap="flat" cmpd="sng" algn="ctr">
+                      <a:solidFill>
+                        <a:schemeClr val="tx1"/>
+                      </a:solidFill>
+                      <a:prstDash val="solid"/>
+                      <a:round/>
+                      <a:headEnd type="none" w="med" len="med"/>
+                      <a:tailEnd type="none" w="med" len="med"/>
+                    </a:lnT>
+                    <a:lnB w="38100" cap="flat" cmpd="sng" algn="ctr">
+                      <a:solidFill>
+                        <a:schemeClr val="tx1"/>
+                      </a:solidFill>
+                      <a:prstDash val="solid"/>
+                      <a:round/>
+                      <a:headEnd type="none" w="med" len="med"/>
+                      <a:tailEnd type="none" w="med" len="med"/>
+                    </a:lnB>
+                    <a:noFill/>
+                  </a:tcPr>
+                </a:tc>
+                <a:tc>
+                  <a:txBody>
+                    <a:bodyPr/>
+                    <a:lstStyle/>
+                    <a:p>
+                      <a:endParaRPr lang="en-US" dirty="0"/>
+                    </a:p>
+                  </a:txBody>
+                  <a:tcPr>
+                    <a:lnL w="38100" cap="flat" cmpd="sng" algn="ctr">
+                      <a:solidFill>
+                        <a:schemeClr val="tx1"/>
+                      </a:solidFill>
+                      <a:prstDash val="solid"/>
+                      <a:round/>
+                      <a:headEnd type="none" w="med" len="med"/>
+                      <a:tailEnd type="none" w="med" len="med"/>
+                    </a:lnL>
+                    <a:lnR w="38100" cap="flat" cmpd="sng" algn="ctr">
+                      <a:solidFill>
+                        <a:schemeClr val="tx1"/>
+                      </a:solidFill>
+                      <a:prstDash val="solid"/>
+                      <a:round/>
+                      <a:headEnd type="none" w="med" len="med"/>
+                      <a:tailEnd type="none" w="med" len="med"/>
+                    </a:lnR>
+                    <a:lnT w="38100" cap="flat" cmpd="sng" algn="ctr">
+                      <a:solidFill>
+                        <a:schemeClr val="tx1"/>
+                      </a:solidFill>
+                      <a:prstDash val="solid"/>
+                      <a:round/>
+                      <a:headEnd type="none" w="med" len="med"/>
+                      <a:tailEnd type="none" w="med" len="med"/>
+                    </a:lnT>
+                    <a:lnB w="38100" cap="flat" cmpd="sng" algn="ctr">
+                      <a:solidFill>
+                        <a:schemeClr val="tx1"/>
+                      </a:solidFill>
+                      <a:prstDash val="solid"/>
+                      <a:round/>
+                      <a:headEnd type="none" w="med" len="med"/>
+                      <a:tailEnd type="none" w="med" len="med"/>
+                    </a:lnB>
+                    <a:noFill/>
+                  </a:tcPr>
+                </a:tc>
+                <a:extLst>
+                  <a:ext uri="{0D108BD9-81ED-4DB2-BD59-A6C34878D82A}">
+                    <a16:rowId xmlns:a16="http://schemas.microsoft.com/office/drawing/2014/main" val="3775152605"/>
+                  </a:ext>
+                </a:extLst>
+              </a:tr>
+            </a:tbl>
+          </a:graphicData>
+        </a:graphic>
+      </p:graphicFrame>
+      <p:cxnSp>
+        <p:nvCxnSpPr>
+          <p:cNvPr id="26" name="Straight Arrow Connector 25">
+            <a:extLst>
+              <a:ext uri="{FF2B5EF4-FFF2-40B4-BE49-F238E27FC236}">
+                <a16:creationId xmlns:a16="http://schemas.microsoft.com/office/drawing/2014/main" id="{7613A022-AE9A-FB05-A842-C6360739FCF5}"/>
+              </a:ext>
+            </a:extLst>
+          </p:cNvPr>
+          <p:cNvCxnSpPr>
+            <a:cxnSpLocks/>
+          </p:cNvCxnSpPr>
+          <p:nvPr/>
+        </p:nvCxnSpPr>
+        <p:spPr>
+          <a:xfrm flipH="1" flipV="1">
+            <a:off x="9349611" y="2360917"/>
+            <a:ext cx="152755" cy="331689"/>
+          </a:xfrm>
+          <a:prstGeom prst="straightConnector1">
+            <a:avLst/>
+          </a:prstGeom>
+          <a:ln>
+            <a:solidFill>
+              <a:srgbClr val="FF0000"/>
+            </a:solidFill>
+            <a:tailEnd type="triangle"/>
+          </a:ln>
+        </p:spPr>
+        <p:style>
+          <a:lnRef idx="2">
+            <a:schemeClr val="dk1"/>
+          </a:lnRef>
+          <a:fillRef idx="0">
+            <a:schemeClr val="dk1"/>
+          </a:fillRef>
+          <a:effectRef idx="1">
+            <a:schemeClr val="dk1"/>
+          </a:effectRef>
+          <a:fontRef idx="minor">
+            <a:schemeClr val="tx1"/>
+          </a:fontRef>
+        </p:style>
+      </p:cxnSp>
+      <p:graphicFrame>
+        <p:nvGraphicFramePr>
+          <p:cNvPr id="27" name="Table 26">
+            <a:extLst>
+              <a:ext uri="{FF2B5EF4-FFF2-40B4-BE49-F238E27FC236}">
+                <a16:creationId xmlns:a16="http://schemas.microsoft.com/office/drawing/2014/main" id="{95164B9D-299A-97C3-EAE4-35FA7CF9451D}"/>
+              </a:ext>
+            </a:extLst>
+          </p:cNvPr>
+          <p:cNvGraphicFramePr>
+            <a:graphicFrameLocks noGrp="1"/>
+          </p:cNvGraphicFramePr>
+          <p:nvPr/>
+        </p:nvGraphicFramePr>
+        <p:xfrm>
+          <a:off x="8806247" y="1749912"/>
+          <a:ext cx="686432" cy="622932"/>
+        </p:xfrm>
+        <a:graphic>
+          <a:graphicData uri="http://schemas.openxmlformats.org/drawingml/2006/table">
+            <a:tbl>
+              <a:tblPr firstRow="1" bandRow="1">
+                <a:tableStyleId>{5C22544A-7EE6-4342-B048-85BDC9FD1C3A}</a:tableStyleId>
+              </a:tblPr>
+              <a:tblGrid>
+                <a:gridCol w="686432">
+                  <a:extLst>
+                    <a:ext uri="{9D8B030D-6E8A-4147-A177-3AD203B41FA5}">
+                      <a16:colId xmlns:a16="http://schemas.microsoft.com/office/drawing/2014/main" val="4002730172"/>
+                    </a:ext>
+                  </a:extLst>
+                </a:gridCol>
+              </a:tblGrid>
+              <a:tr h="622932">
+                <a:tc>
+                  <a:txBody>
+                    <a:bodyPr/>
+                    <a:lstStyle/>
+                    <a:p>
+                      <a:endParaRPr lang="en-US" dirty="0"/>
+                    </a:p>
+                  </a:txBody>
+                  <a:tcPr>
+                    <a:lnL w="38100" cap="flat" cmpd="sng" algn="ctr">
+                      <a:solidFill>
+                        <a:schemeClr val="tx1"/>
+                      </a:solidFill>
+                      <a:prstDash val="solid"/>
+                      <a:round/>
+                      <a:headEnd type="none" w="med" len="med"/>
+                      <a:tailEnd type="none" w="med" len="med"/>
+                    </a:lnL>
+                    <a:lnR w="38100" cap="flat" cmpd="sng" algn="ctr">
+                      <a:solidFill>
+                        <a:schemeClr val="tx1"/>
+                      </a:solidFill>
+                      <a:prstDash val="solid"/>
+                      <a:round/>
+                      <a:headEnd type="none" w="med" len="med"/>
+                      <a:tailEnd type="none" w="med" len="med"/>
+                    </a:lnR>
+                    <a:lnT w="38100" cap="flat" cmpd="sng" algn="ctr">
+                      <a:solidFill>
+                        <a:schemeClr val="tx1"/>
+                      </a:solidFill>
+                      <a:prstDash val="solid"/>
+                      <a:round/>
+                      <a:headEnd type="none" w="med" len="med"/>
+                      <a:tailEnd type="none" w="med" len="med"/>
+                    </a:lnT>
+                    <a:lnB w="38100" cap="flat" cmpd="sng" algn="ctr">
+                      <a:solidFill>
+                        <a:schemeClr val="tx1"/>
+                      </a:solidFill>
+                      <a:prstDash val="solid"/>
+                      <a:round/>
+                      <a:headEnd type="none" w="med" len="med"/>
+                      <a:tailEnd type="none" w="med" len="med"/>
+                    </a:lnB>
+                    <a:noFill/>
+                  </a:tcPr>
+                </a:tc>
+                <a:extLst>
+                  <a:ext uri="{0D108BD9-81ED-4DB2-BD59-A6C34878D82A}">
+                    <a16:rowId xmlns:a16="http://schemas.microsoft.com/office/drawing/2014/main" val="3775152605"/>
+                  </a:ext>
+                </a:extLst>
+              </a:tr>
+            </a:tbl>
+          </a:graphicData>
+        </a:graphic>
+      </p:graphicFrame>
+      <mc:AlternateContent xmlns:mc="http://schemas.openxmlformats.org/markup-compatibility/2006" xmlns:a14="http://schemas.microsoft.com/office/drawing/2010/main">
+        <mc:Choice Requires="a14">
+          <p:sp>
+            <p:nvSpPr>
+              <p:cNvPr id="28" name="TextBox 27">
+                <a:extLst>
+                  <a:ext uri="{FF2B5EF4-FFF2-40B4-BE49-F238E27FC236}">
+                    <a16:creationId xmlns:a16="http://schemas.microsoft.com/office/drawing/2014/main" id="{2DFA40E5-A991-A70F-FBA3-283FDA339CE6}"/>
+                  </a:ext>
+                </a:extLst>
+              </p:cNvPr>
+              <p:cNvSpPr txBox="1"/>
+              <p:nvPr/>
+            </p:nvSpPr>
+            <p:spPr>
+              <a:xfrm>
+                <a:off x="8924525" y="1759834"/>
+                <a:ext cx="482826" cy="512576"/>
+              </a:xfrm>
+              <a:prstGeom prst="rect">
+                <a:avLst/>
+              </a:prstGeom>
+              <a:noFill/>
+            </p:spPr>
+            <p:txBody>
+              <a:bodyPr wrap="square" rtlCol="0">
+                <a:spAutoFit/>
+              </a:bodyPr>
+              <a:lstStyle/>
+              <a:p>
+                <a:pPr/>
+                <a14:m>
+                  <m:oMathPara xmlns:m="http://schemas.openxmlformats.org/officeDocument/2006/math">
+                    <m:oMathParaPr>
+                      <m:jc m:val="centerGroup"/>
+                    </m:oMathParaPr>
+                    <m:oMath xmlns:m="http://schemas.openxmlformats.org/officeDocument/2006/math">
+                      <m:r>
+                        <a:rPr lang="en-US" sz="2797" b="0" i="1" dirty="0" smtClean="0">
+                          <a:solidFill>
+                            <a:schemeClr val="tx1"/>
+                          </a:solidFill>
+                          <a:latin typeface="Cambria Math" panose="02040503050406030204" pitchFamily="18" charset="0"/>
+                          <a:cs typeface="Times New Roman" panose="02020603050405020304" pitchFamily="18" charset="0"/>
+                        </a:rPr>
+                        <m:t>𝑧</m:t>
+                      </m:r>
+                    </m:oMath>
+                  </m:oMathPara>
+                </a14:m>
+                <a:endParaRPr lang="en-US" sz="2797" baseline="-25000" dirty="0">
+                  <a:solidFill>
+                    <a:schemeClr val="tx1"/>
+                  </a:solidFill>
+                  <a:latin typeface="Times New Roman" panose="02020603050405020304" pitchFamily="18" charset="0"/>
+                  <a:cs typeface="Times New Roman" panose="02020603050405020304" pitchFamily="18" charset="0"/>
+                </a:endParaRPr>
+              </a:p>
+            </p:txBody>
+          </p:sp>
+        </mc:Choice>
+        <mc:Fallback xmlns="">
+          <p:sp>
+            <p:nvSpPr>
+              <p:cNvPr id="28" name="TextBox 27">
+                <a:extLst>
+                  <a:ext uri="{FF2B5EF4-FFF2-40B4-BE49-F238E27FC236}">
+                    <a16:creationId xmlns:a16="http://schemas.microsoft.com/office/drawing/2014/main" id="{2DFA40E5-A991-A70F-FBA3-283FDA339CE6}"/>
+                  </a:ext>
+                </a:extLst>
+              </p:cNvPr>
+              <p:cNvSpPr txBox="1">
+                <a:spLocks noRot="1" noChangeAspect="1" noMove="1" noResize="1" noEditPoints="1" noAdjustHandles="1" noChangeArrowheads="1" noChangeShapeType="1" noTextEdit="1"/>
+              </p:cNvSpPr>
+              <p:nvPr/>
+            </p:nvSpPr>
+            <p:spPr>
+              <a:xfrm>
+                <a:off x="8924525" y="1759834"/>
+                <a:ext cx="482826" cy="512576"/>
+              </a:xfrm>
+              <a:prstGeom prst="rect">
+                <a:avLst/>
+              </a:prstGeom>
+              <a:blipFill>
+                <a:blip r:embed="rId8"/>
+                <a:stretch>
+                  <a:fillRect/>
+                </a:stretch>
+              </a:blipFill>
+            </p:spPr>
+            <p:txBody>
+              <a:bodyPr/>
+              <a:lstStyle/>
+              <a:p>
+                <a:r>
+                  <a:rPr lang="en-US">
+                    <a:noFill/>
+                  </a:rPr>
+                  <a:t> </a:t>
+                </a:r>
+              </a:p>
+            </p:txBody>
+          </p:sp>
+        </mc:Fallback>
+      </mc:AlternateContent>
+      <p:cxnSp>
+        <p:nvCxnSpPr>
+          <p:cNvPr id="29" name="Straight Arrow Connector 28">
+            <a:extLst>
+              <a:ext uri="{FF2B5EF4-FFF2-40B4-BE49-F238E27FC236}">
+                <a16:creationId xmlns:a16="http://schemas.microsoft.com/office/drawing/2014/main" id="{AF132B7B-C966-792E-78B8-CBDEC714FF04}"/>
+              </a:ext>
+            </a:extLst>
+          </p:cNvPr>
+          <p:cNvCxnSpPr>
+            <a:cxnSpLocks/>
+          </p:cNvCxnSpPr>
+          <p:nvPr/>
+        </p:nvCxnSpPr>
+        <p:spPr>
+          <a:xfrm flipV="1">
+            <a:off x="8800533" y="2371175"/>
+            <a:ext cx="171420" cy="285786"/>
+          </a:xfrm>
+          <a:prstGeom prst="straightConnector1">
+            <a:avLst/>
+          </a:prstGeom>
+          <a:ln>
+            <a:solidFill>
+              <a:srgbClr val="FF0000"/>
+            </a:solidFill>
+            <a:tailEnd type="triangle"/>
+          </a:ln>
+        </p:spPr>
+        <p:style>
+          <a:lnRef idx="2">
+            <a:schemeClr val="dk1"/>
+          </a:lnRef>
+          <a:fillRef idx="0">
+            <a:schemeClr val="dk1"/>
+          </a:fillRef>
+          <a:effectRef idx="1">
+            <a:schemeClr val="dk1"/>
+          </a:effectRef>
+          <a:fontRef idx="minor">
+            <a:schemeClr val="tx1"/>
+          </a:fontRef>
+        </p:style>
+      </p:cxnSp>
+      <mc:AlternateContent xmlns:mc="http://schemas.openxmlformats.org/markup-compatibility/2006" xmlns:a14="http://schemas.microsoft.com/office/drawing/2010/main">
+        <mc:Choice Requires="a14">
+          <p:sp>
+            <p:nvSpPr>
+              <p:cNvPr id="30" name="Oval 29">
+                <a:extLst>
+                  <a:ext uri="{FF2B5EF4-FFF2-40B4-BE49-F238E27FC236}">
+                    <a16:creationId xmlns:a16="http://schemas.microsoft.com/office/drawing/2014/main" id="{DAA9B86F-331C-6521-6783-ACD03BCFA49C}"/>
+                  </a:ext>
+                </a:extLst>
+              </p:cNvPr>
+              <p:cNvSpPr/>
+              <p:nvPr/>
+            </p:nvSpPr>
+            <p:spPr>
+              <a:xfrm>
+                <a:off x="8899936" y="1061573"/>
+                <a:ext cx="470357" cy="459473"/>
+              </a:xfrm>
+              <a:prstGeom prst="ellipse">
+                <a:avLst/>
+              </a:prstGeom>
+            </p:spPr>
+            <p:style>
+              <a:lnRef idx="2">
+                <a:schemeClr val="dk1"/>
+              </a:lnRef>
+              <a:fillRef idx="1">
+                <a:schemeClr val="lt1"/>
+              </a:fillRef>
+              <a:effectRef idx="0">
+                <a:schemeClr val="dk1"/>
+              </a:effectRef>
+              <a:fontRef idx="minor">
+                <a:schemeClr val="dk1"/>
+              </a:fontRef>
+            </p:style>
+            <p:txBody>
+              <a:bodyPr rtlCol="0" anchor="ctr"/>
+              <a:lstStyle/>
+              <a:p>
+                <a:pPr algn="ctr"/>
+                <a14:m>
+                  <m:oMathPara xmlns:m="http://schemas.openxmlformats.org/officeDocument/2006/math">
+                    <m:oMathParaPr>
+                      <m:jc m:val="center"/>
+                    </m:oMathParaPr>
+                    <m:oMath xmlns:m="http://schemas.openxmlformats.org/officeDocument/2006/math">
+                      <m:r>
+                        <a:rPr lang="en-US" sz="3200" b="0" i="1" dirty="0" smtClean="0">
+                          <a:latin typeface="Cambria Math" panose="02040503050406030204" pitchFamily="18" charset="0"/>
+                        </a:rPr>
+                        <m:t> </m:t>
+                      </m:r>
+                      <m:r>
+                        <a:rPr lang="el-GR" sz="3200" i="1" dirty="0" smtClean="0">
+                          <a:latin typeface="Cambria Math" panose="02040503050406030204" pitchFamily="18" charset="0"/>
+                        </a:rPr>
+                        <m:t>𝜎</m:t>
+                      </m:r>
+                    </m:oMath>
+                  </m:oMathPara>
+                </a14:m>
+                <a:endParaRPr lang="en-US" dirty="0"/>
+              </a:p>
+            </p:txBody>
+          </p:sp>
+        </mc:Choice>
+        <mc:Fallback xmlns="">
+          <p:sp>
+            <p:nvSpPr>
+              <p:cNvPr id="30" name="Oval 29">
+                <a:extLst>
+                  <a:ext uri="{FF2B5EF4-FFF2-40B4-BE49-F238E27FC236}">
+                    <a16:creationId xmlns:a16="http://schemas.microsoft.com/office/drawing/2014/main" id="{DAA9B86F-331C-6521-6783-ACD03BCFA49C}"/>
+                  </a:ext>
+                </a:extLst>
+              </p:cNvPr>
+              <p:cNvSpPr>
+                <a:spLocks noRot="1" noChangeAspect="1" noMove="1" noResize="1" noEditPoints="1" noAdjustHandles="1" noChangeArrowheads="1" noChangeShapeType="1" noTextEdit="1"/>
+              </p:cNvSpPr>
+              <p:nvPr/>
+            </p:nvSpPr>
+            <p:spPr>
+              <a:xfrm>
+                <a:off x="8899936" y="1061573"/>
+                <a:ext cx="470357" cy="459473"/>
+              </a:xfrm>
+              <a:prstGeom prst="ellipse">
+                <a:avLst/>
+              </a:prstGeom>
+              <a:blipFill>
+                <a:blip r:embed="rId9"/>
+                <a:stretch>
+                  <a:fillRect l="-35897" t="-10526" b="-39474"/>
+                </a:stretch>
+              </a:blipFill>
+            </p:spPr>
+            <p:txBody>
+              <a:bodyPr/>
+              <a:lstStyle/>
+              <a:p>
+                <a:r>
+                  <a:rPr lang="en-US">
+                    <a:noFill/>
+                  </a:rPr>
+                  <a:t> </a:t>
+                </a:r>
+              </a:p>
+            </p:txBody>
+          </p:sp>
+        </mc:Fallback>
+      </mc:AlternateContent>
+      <p:cxnSp>
+        <p:nvCxnSpPr>
+          <p:cNvPr id="31" name="Straight Arrow Connector 30">
+            <a:extLst>
+              <a:ext uri="{FF2B5EF4-FFF2-40B4-BE49-F238E27FC236}">
+                <a16:creationId xmlns:a16="http://schemas.microsoft.com/office/drawing/2014/main" id="{78F5222D-9453-288A-5CF9-FE143F4BD3BC}"/>
+              </a:ext>
+            </a:extLst>
+          </p:cNvPr>
+          <p:cNvCxnSpPr>
+            <a:cxnSpLocks/>
+            <a:endCxn id="30" idx="4"/>
+          </p:cNvCxnSpPr>
+          <p:nvPr/>
+        </p:nvCxnSpPr>
+        <p:spPr>
+          <a:xfrm flipV="1">
+            <a:off x="9135115" y="1521046"/>
+            <a:ext cx="0" cy="207440"/>
+          </a:xfrm>
+          <a:prstGeom prst="straightConnector1">
+            <a:avLst/>
+          </a:prstGeom>
+          <a:ln>
+            <a:tailEnd type="triangle"/>
+          </a:ln>
+        </p:spPr>
+        <p:style>
+          <a:lnRef idx="2">
+            <a:schemeClr val="dk1"/>
+          </a:lnRef>
+          <a:fillRef idx="0">
+            <a:schemeClr val="dk1"/>
+          </a:fillRef>
+          <a:effectRef idx="1">
+            <a:schemeClr val="dk1"/>
+          </a:effectRef>
+          <a:fontRef idx="minor">
+            <a:schemeClr val="tx1"/>
+          </a:fontRef>
+        </p:style>
+      </p:cxnSp>
+      <p:cxnSp>
+        <p:nvCxnSpPr>
+          <p:cNvPr id="32" name="Straight Arrow Connector 31">
+            <a:extLst>
+              <a:ext uri="{FF2B5EF4-FFF2-40B4-BE49-F238E27FC236}">
+                <a16:creationId xmlns:a16="http://schemas.microsoft.com/office/drawing/2014/main" id="{024DA8D5-96EA-9CF9-4266-05FC8828F795}"/>
+              </a:ext>
+            </a:extLst>
+          </p:cNvPr>
+          <p:cNvCxnSpPr>
+            <a:cxnSpLocks/>
+            <a:stCxn id="30" idx="0"/>
+          </p:cNvCxnSpPr>
+          <p:nvPr/>
+        </p:nvCxnSpPr>
+        <p:spPr>
+          <a:xfrm flipV="1">
+            <a:off x="9135115" y="885608"/>
+            <a:ext cx="0" cy="175965"/>
+          </a:xfrm>
+          <a:prstGeom prst="straightConnector1">
+            <a:avLst/>
+          </a:prstGeom>
+          <a:ln>
+            <a:tailEnd type="triangle"/>
+          </a:ln>
+        </p:spPr>
+        <p:style>
+          <a:lnRef idx="2">
+            <a:schemeClr val="dk1"/>
+          </a:lnRef>
+          <a:fillRef idx="0">
+            <a:schemeClr val="dk1"/>
+          </a:fillRef>
+          <a:effectRef idx="1">
+            <a:schemeClr val="dk1"/>
+          </a:effectRef>
+          <a:fontRef idx="minor">
+            <a:schemeClr val="tx1"/>
+          </a:fontRef>
+        </p:style>
+      </p:cxnSp>
+      <p:graphicFrame>
+        <p:nvGraphicFramePr>
+          <p:cNvPr id="33" name="Table 32">
+            <a:extLst>
+              <a:ext uri="{FF2B5EF4-FFF2-40B4-BE49-F238E27FC236}">
+                <a16:creationId xmlns:a16="http://schemas.microsoft.com/office/drawing/2014/main" id="{B7DBDA80-DB04-2A8E-2766-60999DF3D378}"/>
+              </a:ext>
+            </a:extLst>
+          </p:cNvPr>
+          <p:cNvGraphicFramePr>
+            <a:graphicFrameLocks noGrp="1"/>
+          </p:cNvGraphicFramePr>
+          <p:nvPr/>
+        </p:nvGraphicFramePr>
+        <p:xfrm>
+          <a:off x="8791898" y="281579"/>
+          <a:ext cx="686432" cy="622932"/>
+        </p:xfrm>
+        <a:graphic>
+          <a:graphicData uri="http://schemas.openxmlformats.org/drawingml/2006/table">
+            <a:tbl>
+              <a:tblPr firstRow="1" bandRow="1">
+                <a:tableStyleId>{5C22544A-7EE6-4342-B048-85BDC9FD1C3A}</a:tableStyleId>
+              </a:tblPr>
+              <a:tblGrid>
+                <a:gridCol w="686432">
+                  <a:extLst>
+                    <a:ext uri="{9D8B030D-6E8A-4147-A177-3AD203B41FA5}">
+                      <a16:colId xmlns:a16="http://schemas.microsoft.com/office/drawing/2014/main" val="4002730172"/>
+                    </a:ext>
+                  </a:extLst>
+                </a:gridCol>
+              </a:tblGrid>
+              <a:tr h="622932">
+                <a:tc>
+                  <a:txBody>
+                    <a:bodyPr/>
+                    <a:lstStyle/>
+                    <a:p>
+                      <a:endParaRPr lang="en-US" dirty="0"/>
+                    </a:p>
+                  </a:txBody>
+                  <a:tcPr>
+                    <a:lnL w="38100" cap="flat" cmpd="sng" algn="ctr">
+                      <a:solidFill>
+                        <a:schemeClr val="tx1"/>
+                      </a:solidFill>
+                      <a:prstDash val="solid"/>
+                      <a:round/>
+                      <a:headEnd type="none" w="med" len="med"/>
+                      <a:tailEnd type="none" w="med" len="med"/>
+                    </a:lnL>
+                    <a:lnR w="38100" cap="flat" cmpd="sng" algn="ctr">
+                      <a:solidFill>
+                        <a:schemeClr val="tx1"/>
+                      </a:solidFill>
+                      <a:prstDash val="solid"/>
+                      <a:round/>
+                      <a:headEnd type="none" w="med" len="med"/>
+                      <a:tailEnd type="none" w="med" len="med"/>
+                    </a:lnR>
+                    <a:lnT w="38100" cap="flat" cmpd="sng" algn="ctr">
+                      <a:solidFill>
+                        <a:schemeClr val="tx1"/>
+                      </a:solidFill>
+                      <a:prstDash val="solid"/>
+                      <a:round/>
+                      <a:headEnd type="none" w="med" len="med"/>
+                      <a:tailEnd type="none" w="med" len="med"/>
+                    </a:lnT>
+                    <a:lnB w="38100" cap="flat" cmpd="sng" algn="ctr">
+                      <a:solidFill>
+                        <a:schemeClr val="tx1"/>
+                      </a:solidFill>
+                      <a:prstDash val="solid"/>
+                      <a:round/>
+                      <a:headEnd type="none" w="med" len="med"/>
+                      <a:tailEnd type="none" w="med" len="med"/>
+                    </a:lnB>
+                    <a:noFill/>
+                  </a:tcPr>
+                </a:tc>
+                <a:extLst>
+                  <a:ext uri="{0D108BD9-81ED-4DB2-BD59-A6C34878D82A}">
+                    <a16:rowId xmlns:a16="http://schemas.microsoft.com/office/drawing/2014/main" val="3775152605"/>
+                  </a:ext>
+                </a:extLst>
+              </a:tr>
+            </a:tbl>
+          </a:graphicData>
+        </a:graphic>
+      </p:graphicFrame>
+      <mc:AlternateContent xmlns:mc="http://schemas.openxmlformats.org/markup-compatibility/2006" xmlns:a14="http://schemas.microsoft.com/office/drawing/2010/main">
+        <mc:Choice Requires="a14">
+          <p:sp>
+            <p:nvSpPr>
+              <p:cNvPr id="34" name="TextBox 33">
+                <a:extLst>
+                  <a:ext uri="{FF2B5EF4-FFF2-40B4-BE49-F238E27FC236}">
+                    <a16:creationId xmlns:a16="http://schemas.microsoft.com/office/drawing/2014/main" id="{5D143121-9F4D-20DA-9288-213764A58765}"/>
+                  </a:ext>
+                </a:extLst>
+              </p:cNvPr>
+              <p:cNvSpPr txBox="1"/>
+              <p:nvPr/>
+            </p:nvSpPr>
+            <p:spPr>
+              <a:xfrm>
+                <a:off x="8968936" y="297871"/>
+                <a:ext cx="388450" cy="512576"/>
+              </a:xfrm>
+              <a:prstGeom prst="rect">
+                <a:avLst/>
+              </a:prstGeom>
+              <a:noFill/>
+            </p:spPr>
+            <p:txBody>
+              <a:bodyPr wrap="square" rtlCol="0">
+                <a:spAutoFit/>
+              </a:bodyPr>
+              <a:lstStyle/>
+              <a:p>
+                <a:pPr/>
+                <a14:m>
+                  <m:oMathPara xmlns:m="http://schemas.openxmlformats.org/officeDocument/2006/math">
+                    <m:oMathParaPr>
+                      <m:jc m:val="left"/>
+                    </m:oMathParaPr>
+                    <m:oMath xmlns:m="http://schemas.openxmlformats.org/officeDocument/2006/math">
+                      <m:r>
+                        <a:rPr lang="en-US" sz="2797" b="0" i="1" dirty="0" smtClean="0">
+                          <a:latin typeface="Cambria Math" panose="02040503050406030204" pitchFamily="18" charset="0"/>
+                          <a:cs typeface="Times New Roman" panose="02020603050405020304" pitchFamily="18" charset="0"/>
+                        </a:rPr>
+                        <m:t>𝑝</m:t>
+                      </m:r>
+                    </m:oMath>
+                  </m:oMathPara>
+                </a14:m>
+                <a:endParaRPr lang="en-US" sz="2797" baseline="-25000" dirty="0">
+                  <a:latin typeface="Times New Roman" panose="02020603050405020304" pitchFamily="18" charset="0"/>
+                  <a:cs typeface="Times New Roman" panose="02020603050405020304" pitchFamily="18" charset="0"/>
+                </a:endParaRPr>
+              </a:p>
+            </p:txBody>
+          </p:sp>
+        </mc:Choice>
+        <mc:Fallback xmlns="">
+          <p:sp>
+            <p:nvSpPr>
+              <p:cNvPr id="34" name="TextBox 33">
+                <a:extLst>
+                  <a:ext uri="{FF2B5EF4-FFF2-40B4-BE49-F238E27FC236}">
+                    <a16:creationId xmlns:a16="http://schemas.microsoft.com/office/drawing/2014/main" id="{5D143121-9F4D-20DA-9288-213764A58765}"/>
+                  </a:ext>
+                </a:extLst>
+              </p:cNvPr>
+              <p:cNvSpPr txBox="1">
+                <a:spLocks noRot="1" noChangeAspect="1" noMove="1" noResize="1" noEditPoints="1" noAdjustHandles="1" noChangeArrowheads="1" noChangeShapeType="1" noTextEdit="1"/>
+              </p:cNvSpPr>
+              <p:nvPr/>
+            </p:nvSpPr>
+            <p:spPr>
+              <a:xfrm>
+                <a:off x="8968936" y="297871"/>
+                <a:ext cx="388450" cy="512576"/>
+              </a:xfrm>
+              <a:prstGeom prst="rect">
+                <a:avLst/>
+              </a:prstGeom>
+              <a:blipFill>
+                <a:blip r:embed="rId10"/>
+                <a:stretch>
+                  <a:fillRect l="-9677" r="-6452" b="-14634"/>
+                </a:stretch>
+              </a:blipFill>
+            </p:spPr>
+            <p:txBody>
+              <a:bodyPr/>
+              <a:lstStyle/>
+              <a:p>
+                <a:r>
+                  <a:rPr lang="en-US">
+                    <a:noFill/>
+                  </a:rPr>
+                  <a:t> </a:t>
+                </a:r>
+              </a:p>
+            </p:txBody>
+          </p:sp>
+        </mc:Fallback>
+      </mc:AlternateContent>
+      <mc:AlternateContent xmlns:mc="http://schemas.openxmlformats.org/markup-compatibility/2006">
+        <mc:Choice xmlns:a14="http://schemas.microsoft.com/office/drawing/2010/main" Requires="a14">
+          <p:sp>
+            <p:nvSpPr>
+              <p:cNvPr id="37" name="Content Placeholder 2">
+                <a:extLst>
+                  <a:ext uri="{FF2B5EF4-FFF2-40B4-BE49-F238E27FC236}">
+                    <a16:creationId xmlns:a16="http://schemas.microsoft.com/office/drawing/2014/main" id="{BDE6AFC2-AF2B-CDED-99C8-B6F2F5307E8C}"/>
+                  </a:ext>
+                </a:extLst>
+              </p:cNvPr>
+              <p:cNvSpPr>
+                <a:spLocks noGrp="1"/>
+              </p:cNvSpPr>
+              <p:nvPr>
+                <p:ph idx="1"/>
+              </p:nvPr>
+            </p:nvSpPr>
+            <p:spPr>
+              <a:xfrm>
+                <a:off x="838200" y="1825625"/>
+                <a:ext cx="5550092" cy="4351338"/>
+              </a:xfrm>
+            </p:spPr>
+            <p:txBody>
+              <a:bodyPr>
+                <a:normAutofit fontScale="92500" lnSpcReduction="20000"/>
+              </a:bodyPr>
+              <a:lstStyle/>
+              <a:p>
+                <a:r>
+                  <a:rPr lang="en-US" sz="2400" dirty="0"/>
+                  <a:t>The MLP at right is designed to predict disease mortality from age and sex</a:t>
+                </a:r>
+              </a:p>
+              <a:p>
+                <a:r>
+                  <a:rPr lang="en-US" sz="2400" dirty="0"/>
+                  <a:t>We would like to have a model that predicts high mortality risk only for </a:t>
+                </a:r>
+                <a:r>
+                  <a:rPr lang="en-US" sz="2400" i="1" dirty="0"/>
+                  <a:t>males over 60 </a:t>
+                </a:r>
+                <a:r>
+                  <a:rPr lang="en-US" sz="2400" dirty="0"/>
+                  <a:t>AND </a:t>
+                </a:r>
+                <a:r>
+                  <a:rPr lang="en-US" sz="2400" i="1" dirty="0"/>
+                  <a:t>females under 60</a:t>
+                </a:r>
+              </a:p>
+              <a:p>
+                <a:r>
+                  <a:rPr lang="en-US" sz="2400" dirty="0"/>
+                  <a:t>Let’s suppose that </a:t>
+                </a:r>
+                <a14:m>
+                  <m:oMath xmlns:m="http://schemas.openxmlformats.org/officeDocument/2006/math">
+                    <m:sSub>
+                      <m:sSubPr>
+                        <m:ctrlPr>
+                          <a:rPr lang="en-US" sz="2400" i="1" dirty="0" smtClean="0">
+                            <a:latin typeface="Cambria Math" panose="02040503050406030204" pitchFamily="18" charset="0"/>
+                          </a:rPr>
+                        </m:ctrlPr>
+                      </m:sSubPr>
+                      <m:e>
+                        <m:r>
+                          <a:rPr lang="en-US" sz="2400" i="1" dirty="0" smtClean="0">
+                            <a:latin typeface="Cambria Math" panose="02040503050406030204" pitchFamily="18" charset="0"/>
+                          </a:rPr>
+                          <m:t>h</m:t>
+                        </m:r>
+                      </m:e>
+                      <m:sub>
+                        <m:r>
+                          <a:rPr lang="en-US" sz="2400" i="1" dirty="0" smtClean="0">
+                            <a:latin typeface="Cambria Math" panose="02040503050406030204" pitchFamily="18" charset="0"/>
+                          </a:rPr>
+                          <m:t>1</m:t>
+                        </m:r>
+                      </m:sub>
+                    </m:sSub>
+                  </m:oMath>
+                </a14:m>
+                <a:r>
+                  <a:rPr lang="en-US" sz="2400" dirty="0"/>
+                  <a:t> detects </a:t>
+                </a:r>
+                <a:r>
+                  <a:rPr lang="en-US" sz="2400" i="1" dirty="0"/>
+                  <a:t>males over 60</a:t>
+                </a:r>
+                <a:r>
+                  <a:rPr lang="en-US" sz="2400" dirty="0"/>
+                  <a:t>, </a:t>
+                </a:r>
+                <a14:m>
+                  <m:oMath xmlns:m="http://schemas.openxmlformats.org/officeDocument/2006/math">
+                    <m:sSub>
+                      <m:sSubPr>
+                        <m:ctrlPr>
+                          <a:rPr lang="en-US" sz="2400" i="1" dirty="0" smtClean="0">
+                            <a:latin typeface="Cambria Math" panose="02040503050406030204" pitchFamily="18" charset="0"/>
+                          </a:rPr>
+                        </m:ctrlPr>
+                      </m:sSubPr>
+                      <m:e>
+                        <m:r>
+                          <a:rPr lang="en-US" sz="2400" i="1" dirty="0" smtClean="0">
+                            <a:latin typeface="Cambria Math" panose="02040503050406030204" pitchFamily="18" charset="0"/>
+                          </a:rPr>
+                          <m:t>h</m:t>
+                        </m:r>
+                      </m:e>
+                      <m:sub>
+                        <m:r>
+                          <a:rPr lang="en-US" sz="2400" i="1" dirty="0" smtClean="0">
+                            <a:latin typeface="Cambria Math" panose="02040503050406030204" pitchFamily="18" charset="0"/>
+                          </a:rPr>
+                          <m:t>2</m:t>
+                        </m:r>
+                      </m:sub>
+                    </m:sSub>
+                  </m:oMath>
+                </a14:m>
+                <a:r>
+                  <a:rPr lang="en-US" sz="2400" dirty="0"/>
+                  <a:t> detects </a:t>
+                </a:r>
+                <a:r>
+                  <a:rPr lang="en-US" sz="2400" i="1" dirty="0"/>
+                  <a:t>females under 60</a:t>
+                </a:r>
+                <a:r>
+                  <a:rPr lang="en-US" sz="2400" dirty="0"/>
+                  <a:t>, and </a:t>
+                </a:r>
+                <a14:m>
+                  <m:oMath xmlns:m="http://schemas.openxmlformats.org/officeDocument/2006/math">
+                    <m:r>
+                      <a:rPr lang="en-US" sz="2400" i="1" dirty="0" smtClean="0">
+                        <a:latin typeface="Cambria Math" panose="02040503050406030204" pitchFamily="18" charset="0"/>
+                      </a:rPr>
+                      <m:t>𝑝</m:t>
+                    </m:r>
+                  </m:oMath>
+                </a14:m>
+                <a:r>
+                  <a:rPr lang="en-US" sz="2400" dirty="0"/>
+                  <a:t> is the model’s final prediction about the probability of mortality.</a:t>
+                </a:r>
+              </a:p>
+              <a:p>
+                <a:pPr marL="0" indent="0">
+                  <a:buNone/>
+                </a:pPr>
+                <a:endParaRPr lang="en-US" sz="2400" dirty="0"/>
+              </a:p>
+              <a:p>
+                <a:pPr marL="0" indent="0">
+                  <a:buNone/>
+                </a:pPr>
+                <a:r>
+                  <a:rPr lang="en-US" sz="2400" b="1" dirty="0"/>
+                  <a:t>Goal:</a:t>
+                </a:r>
+              </a:p>
+              <a:p>
+                <a:pPr marL="0" indent="0">
+                  <a:buNone/>
+                </a:pPr>
+                <a:r>
+                  <a:rPr lang="en-US" sz="2400" dirty="0"/>
+                  <a:t>For each of the parameters highlighted in red, determine whether the value of that parameter should be (a) positive, or (b) negative.</a:t>
+                </a:r>
+              </a:p>
+            </p:txBody>
+          </p:sp>
+        </mc:Choice>
+        <mc:Fallback>
+          <p:sp>
+            <p:nvSpPr>
+              <p:cNvPr id="37" name="Content Placeholder 2">
+                <a:extLst>
+                  <a:ext uri="{FF2B5EF4-FFF2-40B4-BE49-F238E27FC236}">
+                    <a16:creationId xmlns:a16="http://schemas.microsoft.com/office/drawing/2014/main" id="{BDE6AFC2-AF2B-CDED-99C8-B6F2F5307E8C}"/>
+                  </a:ext>
+                </a:extLst>
+              </p:cNvPr>
+              <p:cNvSpPr>
+                <a:spLocks noGrp="1" noRot="1" noChangeAspect="1" noMove="1" noResize="1" noEditPoints="1" noAdjustHandles="1" noChangeArrowheads="1" noChangeShapeType="1" noTextEdit="1"/>
+              </p:cNvSpPr>
+              <p:nvPr>
+                <p:ph idx="1"/>
+              </p:nvPr>
+            </p:nvSpPr>
+            <p:spPr>
+              <a:xfrm>
+                <a:off x="838200" y="1825625"/>
+                <a:ext cx="5550092" cy="4351338"/>
+              </a:xfrm>
+              <a:blipFill>
+                <a:blip r:embed="rId11"/>
+                <a:stretch>
+                  <a:fillRect l="-1370" t="-2907" r="-2055" b="-872"/>
+                </a:stretch>
+              </a:blipFill>
+            </p:spPr>
+            <p:txBody>
+              <a:bodyPr/>
+              <a:lstStyle/>
+              <a:p>
+                <a:r>
+                  <a:rPr lang="en-US">
+                    <a:noFill/>
+                  </a:rPr>
+                  <a:t> </a:t>
+                </a:r>
+              </a:p>
+            </p:txBody>
+          </p:sp>
+        </mc:Fallback>
+      </mc:AlternateContent>
+      <mc:AlternateContent xmlns:mc="http://schemas.openxmlformats.org/markup-compatibility/2006" xmlns:a14="http://schemas.microsoft.com/office/drawing/2010/main">
+        <mc:Choice Requires="a14">
+          <p:sp>
+            <p:nvSpPr>
+              <p:cNvPr id="38" name="TextBox 37">
+                <a:extLst>
+                  <a:ext uri="{FF2B5EF4-FFF2-40B4-BE49-F238E27FC236}">
+                    <a16:creationId xmlns:a16="http://schemas.microsoft.com/office/drawing/2014/main" id="{669BB1BE-76BA-458D-A166-9BAD462A7A69}"/>
+                  </a:ext>
+                </a:extLst>
+              </p:cNvPr>
+              <p:cNvSpPr txBox="1"/>
+              <p:nvPr/>
+            </p:nvSpPr>
+            <p:spPr>
+              <a:xfrm>
+                <a:off x="9107604" y="2782249"/>
+                <a:ext cx="1000972" cy="392993"/>
+              </a:xfrm>
+              <a:prstGeom prst="rect">
+                <a:avLst/>
+              </a:prstGeom>
+              <a:noFill/>
+            </p:spPr>
+            <p:txBody>
+              <a:bodyPr wrap="square" rtlCol="0">
+                <a:spAutoFit/>
+              </a:bodyPr>
+              <a:lstStyle/>
+              <a:p>
+                <a:pPr/>
+                <a14:m>
+                  <m:oMathPara xmlns:m="http://schemas.openxmlformats.org/officeDocument/2006/math">
+                    <m:oMathParaPr>
+                      <m:jc m:val="left"/>
+                    </m:oMathParaPr>
+                    <m:oMath xmlns:m="http://schemas.openxmlformats.org/officeDocument/2006/math">
+                      <m:r>
+                        <a:rPr lang="en-US" sz="2000" b="0" i="1" dirty="0" smtClean="0">
+                          <a:latin typeface="Cambria Math" panose="02040503050406030204" pitchFamily="18" charset="0"/>
+                          <a:cs typeface="Times New Roman" panose="02020603050405020304" pitchFamily="18" charset="0"/>
+                        </a:rPr>
+                        <m:t>𝜎</m:t>
+                      </m:r>
+                      <m:r>
+                        <a:rPr lang="en-US" sz="2000" b="0" i="1" dirty="0" smtClean="0">
+                          <a:latin typeface="Cambria Math" panose="02040503050406030204" pitchFamily="18" charset="0"/>
+                          <a:cs typeface="Times New Roman" panose="02020603050405020304" pitchFamily="18" charset="0"/>
+                        </a:rPr>
+                        <m:t>(</m:t>
+                      </m:r>
+                      <m:sSub>
+                        <m:sSubPr>
+                          <m:ctrlPr>
+                            <a:rPr lang="en-US" sz="2000" b="0" i="1" dirty="0" smtClean="0">
+                              <a:latin typeface="Cambria Math" panose="02040503050406030204" pitchFamily="18" charset="0"/>
+                              <a:cs typeface="Times New Roman" panose="02020603050405020304" pitchFamily="18" charset="0"/>
+                            </a:rPr>
+                          </m:ctrlPr>
+                        </m:sSubPr>
+                        <m:e>
+                          <m:r>
+                            <a:rPr lang="en-US" sz="2000" b="0" i="1" dirty="0" smtClean="0">
+                              <a:latin typeface="Cambria Math" panose="02040503050406030204" pitchFamily="18" charset="0"/>
+                              <a:cs typeface="Times New Roman" panose="02020603050405020304" pitchFamily="18" charset="0"/>
+                            </a:rPr>
+                            <m:t>h</m:t>
+                          </m:r>
+                        </m:e>
+                        <m:sub>
+                          <m:r>
+                            <a:rPr lang="en-US" sz="2000" b="0" i="1" dirty="0" smtClean="0">
+                              <a:latin typeface="Cambria Math" panose="02040503050406030204" pitchFamily="18" charset="0"/>
+                              <a:cs typeface="Times New Roman" panose="02020603050405020304" pitchFamily="18" charset="0"/>
+                            </a:rPr>
+                            <m:t>2</m:t>
+                          </m:r>
+                        </m:sub>
+                      </m:sSub>
+                      <m:r>
+                        <a:rPr lang="en-US" sz="2000" b="0" i="1" dirty="0" smtClean="0">
+                          <a:latin typeface="Cambria Math" panose="02040503050406030204" pitchFamily="18" charset="0"/>
+                          <a:cs typeface="Times New Roman" panose="02020603050405020304" pitchFamily="18" charset="0"/>
+                        </a:rPr>
+                        <m:t>)</m:t>
+                      </m:r>
+                    </m:oMath>
+                  </m:oMathPara>
+                </a14:m>
+                <a:endParaRPr lang="en-US" sz="2000" baseline="-25000" dirty="0">
+                  <a:latin typeface="Times New Roman" panose="02020603050405020304" pitchFamily="18" charset="0"/>
+                  <a:cs typeface="Times New Roman" panose="02020603050405020304" pitchFamily="18" charset="0"/>
+                </a:endParaRPr>
+              </a:p>
+            </p:txBody>
+          </p:sp>
+        </mc:Choice>
+        <mc:Fallback xmlns="">
+          <p:sp>
+            <p:nvSpPr>
+              <p:cNvPr id="38" name="TextBox 37">
+                <a:extLst>
+                  <a:ext uri="{FF2B5EF4-FFF2-40B4-BE49-F238E27FC236}">
+                    <a16:creationId xmlns:a16="http://schemas.microsoft.com/office/drawing/2014/main" id="{669BB1BE-76BA-458D-A166-9BAD462A7A69}"/>
+                  </a:ext>
+                </a:extLst>
+              </p:cNvPr>
+              <p:cNvSpPr txBox="1">
+                <a:spLocks noRot="1" noChangeAspect="1" noMove="1" noResize="1" noEditPoints="1" noAdjustHandles="1" noChangeArrowheads="1" noChangeShapeType="1" noTextEdit="1"/>
+              </p:cNvSpPr>
+              <p:nvPr/>
+            </p:nvSpPr>
+            <p:spPr>
+              <a:xfrm>
+                <a:off x="9107604" y="2782249"/>
+                <a:ext cx="1000972" cy="392993"/>
+              </a:xfrm>
+              <a:prstGeom prst="rect">
+                <a:avLst/>
+              </a:prstGeom>
+              <a:blipFill>
+                <a:blip r:embed="rId12"/>
+                <a:stretch>
+                  <a:fillRect b="-12121"/>
+                </a:stretch>
+              </a:blipFill>
+            </p:spPr>
+            <p:txBody>
+              <a:bodyPr/>
+              <a:lstStyle/>
+              <a:p>
+                <a:r>
+                  <a:rPr lang="en-US">
+                    <a:noFill/>
+                  </a:rPr>
+                  <a:t> </a:t>
+                </a:r>
+              </a:p>
+            </p:txBody>
+          </p:sp>
+        </mc:Fallback>
+      </mc:AlternateContent>
+      <mc:AlternateContent xmlns:mc="http://schemas.openxmlformats.org/markup-compatibility/2006">
+        <mc:Choice xmlns:a14="http://schemas.microsoft.com/office/drawing/2010/main" Requires="a14">
+          <p:sp>
+            <p:nvSpPr>
+              <p:cNvPr id="35" name="TextBox 34">
+                <a:extLst>
+                  <a:ext uri="{FF2B5EF4-FFF2-40B4-BE49-F238E27FC236}">
+                    <a16:creationId xmlns:a16="http://schemas.microsoft.com/office/drawing/2014/main" id="{C09CE022-8E36-1DF8-BD98-7C8EE3D01152}"/>
+                  </a:ext>
+                </a:extLst>
+              </p:cNvPr>
+              <p:cNvSpPr txBox="1"/>
+              <p:nvPr/>
+            </p:nvSpPr>
+            <p:spPr>
+              <a:xfrm>
+                <a:off x="9771196" y="4762687"/>
+                <a:ext cx="482826" cy="381515"/>
+              </a:xfrm>
+              <a:prstGeom prst="rect">
+                <a:avLst/>
+              </a:prstGeom>
+              <a:noFill/>
+            </p:spPr>
+            <p:txBody>
+              <a:bodyPr wrap="square" rtlCol="0">
+                <a:spAutoFit/>
+              </a:bodyPr>
+              <a:lstStyle/>
+              <a:p>
+                <a:pPr/>
+                <a14:m>
+                  <m:oMathPara xmlns:m="http://schemas.openxmlformats.org/officeDocument/2006/math">
+                    <m:oMathParaPr>
+                      <m:jc m:val="centerGroup"/>
+                    </m:oMathParaPr>
+                    <m:oMath xmlns:m="http://schemas.openxmlformats.org/officeDocument/2006/math">
+                      <m:sSub>
+                        <m:sSubPr>
+                          <m:ctrlPr>
+                            <a:rPr lang="en-US" b="0" i="1" dirty="0" smtClean="0">
+                              <a:solidFill>
+                                <a:schemeClr val="tx1"/>
+                              </a:solidFill>
+                              <a:latin typeface="Cambria Math" panose="02040503050406030204" pitchFamily="18" charset="0"/>
+                              <a:cs typeface="Times New Roman" panose="02020603050405020304" pitchFamily="18" charset="0"/>
+                            </a:rPr>
+                          </m:ctrlPr>
+                        </m:sSubPr>
+                        <m:e>
+                          <m:r>
+                            <a:rPr lang="en-US" b="0" i="1" dirty="0" smtClean="0">
+                              <a:solidFill>
+                                <a:schemeClr val="tx1"/>
+                              </a:solidFill>
+                              <a:latin typeface="Cambria Math" panose="02040503050406030204" pitchFamily="18" charset="0"/>
+                              <a:cs typeface="Times New Roman" panose="02020603050405020304" pitchFamily="18" charset="0"/>
+                            </a:rPr>
+                            <m:t>𝑏</m:t>
+                          </m:r>
+                        </m:e>
+                        <m:sub>
+                          <m:r>
+                            <a:rPr lang="en-US" b="0" i="1" dirty="0" smtClean="0">
+                              <a:solidFill>
+                                <a:schemeClr val="tx1"/>
+                              </a:solidFill>
+                              <a:latin typeface="Cambria Math" panose="02040503050406030204" pitchFamily="18" charset="0"/>
+                              <a:cs typeface="Times New Roman" panose="02020603050405020304" pitchFamily="18" charset="0"/>
+                            </a:rPr>
+                            <m:t>2,2</m:t>
+                          </m:r>
+                        </m:sub>
+                      </m:sSub>
+                    </m:oMath>
+                  </m:oMathPara>
+                </a14:m>
+                <a:endParaRPr lang="en-US" baseline="-25000" dirty="0">
+                  <a:solidFill>
+                    <a:schemeClr val="tx1"/>
+                  </a:solidFill>
+                  <a:latin typeface="Times New Roman" panose="02020603050405020304" pitchFamily="18" charset="0"/>
+                  <a:cs typeface="Times New Roman" panose="02020603050405020304" pitchFamily="18" charset="0"/>
+                </a:endParaRPr>
+              </a:p>
+            </p:txBody>
+          </p:sp>
+        </mc:Choice>
+        <mc:Fallback>
+          <p:sp>
+            <p:nvSpPr>
+              <p:cNvPr id="35" name="TextBox 34">
+                <a:extLst>
+                  <a:ext uri="{FF2B5EF4-FFF2-40B4-BE49-F238E27FC236}">
+                    <a16:creationId xmlns:a16="http://schemas.microsoft.com/office/drawing/2014/main" id="{C09CE022-8E36-1DF8-BD98-7C8EE3D01152}"/>
+                  </a:ext>
+                </a:extLst>
+              </p:cNvPr>
+              <p:cNvSpPr txBox="1">
+                <a:spLocks noRot="1" noChangeAspect="1" noMove="1" noResize="1" noEditPoints="1" noAdjustHandles="1" noChangeArrowheads="1" noChangeShapeType="1" noTextEdit="1"/>
+              </p:cNvSpPr>
+              <p:nvPr/>
+            </p:nvSpPr>
+            <p:spPr>
+              <a:xfrm>
+                <a:off x="9771196" y="4762687"/>
+                <a:ext cx="482826" cy="381515"/>
+              </a:xfrm>
+              <a:prstGeom prst="rect">
+                <a:avLst/>
+              </a:prstGeom>
+              <a:blipFill>
+                <a:blip r:embed="rId13"/>
+                <a:stretch>
+                  <a:fillRect/>
+                </a:stretch>
+              </a:blipFill>
+            </p:spPr>
+            <p:txBody>
+              <a:bodyPr/>
+              <a:lstStyle/>
+              <a:p>
+                <a:r>
+                  <a:rPr lang="en-US">
+                    <a:noFill/>
+                  </a:rPr>
+                  <a:t> </a:t>
+                </a:r>
+              </a:p>
+            </p:txBody>
+          </p:sp>
+        </mc:Fallback>
+      </mc:AlternateContent>
+      <mc:AlternateContent xmlns:mc="http://schemas.openxmlformats.org/markup-compatibility/2006">
+        <mc:Choice xmlns:a14="http://schemas.microsoft.com/office/drawing/2010/main" Requires="a14">
+          <p:sp>
+            <p:nvSpPr>
+              <p:cNvPr id="36" name="TextBox 35">
+                <a:extLst>
+                  <a:ext uri="{FF2B5EF4-FFF2-40B4-BE49-F238E27FC236}">
+                    <a16:creationId xmlns:a16="http://schemas.microsoft.com/office/drawing/2014/main" id="{51D87D50-CF42-236E-BE90-5E4DDD3E73CF}"/>
+                  </a:ext>
+                </a:extLst>
+              </p:cNvPr>
+              <p:cNvSpPr txBox="1"/>
+              <p:nvPr/>
+            </p:nvSpPr>
+            <p:spPr>
+              <a:xfrm>
+                <a:off x="9238054" y="4738021"/>
+                <a:ext cx="482826" cy="381515"/>
+              </a:xfrm>
+              <a:prstGeom prst="rect">
+                <a:avLst/>
+              </a:prstGeom>
+              <a:noFill/>
+            </p:spPr>
+            <p:txBody>
+              <a:bodyPr wrap="square" rtlCol="0">
+                <a:spAutoFit/>
+              </a:bodyPr>
+              <a:lstStyle/>
+              <a:p>
+                <a:pPr/>
+                <a14:m>
+                  <m:oMathPara xmlns:m="http://schemas.openxmlformats.org/officeDocument/2006/math">
+                    <m:oMathParaPr>
+                      <m:jc m:val="centerGroup"/>
+                    </m:oMathParaPr>
+                    <m:oMath xmlns:m="http://schemas.openxmlformats.org/officeDocument/2006/math">
+                      <m:sSub>
+                        <m:sSubPr>
+                          <m:ctrlPr>
+                            <a:rPr lang="en-US" b="0" i="1" dirty="0" smtClean="0">
+                              <a:solidFill>
+                                <a:schemeClr val="tx1"/>
+                              </a:solidFill>
+                              <a:latin typeface="Cambria Math" panose="02040503050406030204" pitchFamily="18" charset="0"/>
+                              <a:cs typeface="Times New Roman" panose="02020603050405020304" pitchFamily="18" charset="0"/>
+                            </a:rPr>
+                          </m:ctrlPr>
+                        </m:sSubPr>
+                        <m:e>
+                          <m:r>
+                            <a:rPr lang="en-US" b="0" i="1" dirty="0" smtClean="0">
+                              <a:solidFill>
+                                <a:schemeClr val="tx1"/>
+                              </a:solidFill>
+                              <a:latin typeface="Cambria Math" panose="02040503050406030204" pitchFamily="18" charset="0"/>
+                              <a:cs typeface="Times New Roman" panose="02020603050405020304" pitchFamily="18" charset="0"/>
+                            </a:rPr>
+                            <m:t>𝑏</m:t>
+                          </m:r>
+                        </m:e>
+                        <m:sub>
+                          <m:r>
+                            <a:rPr lang="en-US" b="0" i="1" dirty="0" smtClean="0">
+                              <a:solidFill>
+                                <a:schemeClr val="tx1"/>
+                              </a:solidFill>
+                              <a:latin typeface="Cambria Math" panose="02040503050406030204" pitchFamily="18" charset="0"/>
+                              <a:cs typeface="Times New Roman" panose="02020603050405020304" pitchFamily="18" charset="0"/>
+                            </a:rPr>
+                            <m:t>2,1</m:t>
+                          </m:r>
+                        </m:sub>
+                      </m:sSub>
+                    </m:oMath>
+                  </m:oMathPara>
+                </a14:m>
+                <a:endParaRPr lang="en-US" baseline="-25000" dirty="0">
+                  <a:solidFill>
+                    <a:schemeClr val="tx1"/>
+                  </a:solidFill>
+                  <a:latin typeface="Times New Roman" panose="02020603050405020304" pitchFamily="18" charset="0"/>
+                  <a:cs typeface="Times New Roman" panose="02020603050405020304" pitchFamily="18" charset="0"/>
+                </a:endParaRPr>
+              </a:p>
+            </p:txBody>
+          </p:sp>
+        </mc:Choice>
+        <mc:Fallback>
+          <p:sp>
+            <p:nvSpPr>
+              <p:cNvPr id="36" name="TextBox 35">
+                <a:extLst>
+                  <a:ext uri="{FF2B5EF4-FFF2-40B4-BE49-F238E27FC236}">
+                    <a16:creationId xmlns:a16="http://schemas.microsoft.com/office/drawing/2014/main" id="{51D87D50-CF42-236E-BE90-5E4DDD3E73CF}"/>
+                  </a:ext>
+                </a:extLst>
+              </p:cNvPr>
+              <p:cNvSpPr txBox="1">
+                <a:spLocks noRot="1" noChangeAspect="1" noMove="1" noResize="1" noEditPoints="1" noAdjustHandles="1" noChangeArrowheads="1" noChangeShapeType="1" noTextEdit="1"/>
+              </p:cNvSpPr>
+              <p:nvPr/>
+            </p:nvSpPr>
+            <p:spPr>
+              <a:xfrm>
+                <a:off x="9238054" y="4738021"/>
+                <a:ext cx="482826" cy="381515"/>
+              </a:xfrm>
+              <a:prstGeom prst="rect">
+                <a:avLst/>
+              </a:prstGeom>
+              <a:blipFill>
+                <a:blip r:embed="rId14"/>
+                <a:stretch>
+                  <a:fillRect r="-2564"/>
+                </a:stretch>
+              </a:blipFill>
+            </p:spPr>
+            <p:txBody>
+              <a:bodyPr/>
+              <a:lstStyle/>
+              <a:p>
+                <a:r>
+                  <a:rPr lang="en-US">
+                    <a:noFill/>
+                  </a:rPr>
+                  <a:t> </a:t>
+                </a:r>
+              </a:p>
+            </p:txBody>
+          </p:sp>
+        </mc:Fallback>
+      </mc:AlternateContent>
+      <mc:AlternateContent xmlns:mc="http://schemas.openxmlformats.org/markup-compatibility/2006">
+        <mc:Choice xmlns:a14="http://schemas.microsoft.com/office/drawing/2010/main" Requires="a14">
+          <p:sp>
+            <p:nvSpPr>
+              <p:cNvPr id="39" name="TextBox 38">
+                <a:extLst>
+                  <a:ext uri="{FF2B5EF4-FFF2-40B4-BE49-F238E27FC236}">
+                    <a16:creationId xmlns:a16="http://schemas.microsoft.com/office/drawing/2014/main" id="{3EA002A6-FB45-7527-F82B-62E250428F13}"/>
+                  </a:ext>
+                </a:extLst>
+              </p:cNvPr>
+              <p:cNvSpPr txBox="1"/>
+              <p:nvPr/>
+            </p:nvSpPr>
+            <p:spPr>
+              <a:xfrm>
+                <a:off x="9470559" y="2325396"/>
+                <a:ext cx="482826" cy="362984"/>
+              </a:xfrm>
+              <a:prstGeom prst="rect">
+                <a:avLst/>
+              </a:prstGeom>
+              <a:noFill/>
+            </p:spPr>
+            <p:txBody>
+              <a:bodyPr wrap="square" rtlCol="0">
+                <a:spAutoFit/>
+              </a:bodyPr>
+              <a:lstStyle/>
+              <a:p>
+                <a:pPr/>
+                <a14:m>
+                  <m:oMathPara xmlns:m="http://schemas.openxmlformats.org/officeDocument/2006/math">
+                    <m:oMathParaPr>
+                      <m:jc m:val="centerGroup"/>
+                    </m:oMathParaPr>
+                    <m:oMath xmlns:m="http://schemas.openxmlformats.org/officeDocument/2006/math">
+                      <m:sSub>
+                        <m:sSubPr>
+                          <m:ctrlPr>
+                            <a:rPr lang="en-US" b="0" i="1" dirty="0" smtClean="0">
+                              <a:solidFill>
+                                <a:schemeClr val="tx1"/>
+                              </a:solidFill>
+                              <a:latin typeface="Cambria Math" panose="02040503050406030204" pitchFamily="18" charset="0"/>
+                              <a:cs typeface="Times New Roman" panose="02020603050405020304" pitchFamily="18" charset="0"/>
+                            </a:rPr>
+                          </m:ctrlPr>
+                        </m:sSubPr>
+                        <m:e>
+                          <m:r>
+                            <a:rPr lang="en-US" b="0" i="1" dirty="0" smtClean="0">
+                              <a:solidFill>
+                                <a:schemeClr val="tx1"/>
+                              </a:solidFill>
+                              <a:latin typeface="Cambria Math" panose="02040503050406030204" pitchFamily="18" charset="0"/>
+                              <a:cs typeface="Times New Roman" panose="02020603050405020304" pitchFamily="18" charset="0"/>
+                            </a:rPr>
+                            <m:t>𝛽</m:t>
+                          </m:r>
+                        </m:e>
+                        <m:sub>
+                          <m:r>
+                            <a:rPr lang="en-US" b="0" i="1" dirty="0" smtClean="0">
+                              <a:solidFill>
+                                <a:schemeClr val="tx1"/>
+                              </a:solidFill>
+                              <a:latin typeface="Cambria Math" panose="02040503050406030204" pitchFamily="18" charset="0"/>
+                              <a:cs typeface="Times New Roman" panose="02020603050405020304" pitchFamily="18" charset="0"/>
+                            </a:rPr>
+                            <m:t>2</m:t>
+                          </m:r>
+                        </m:sub>
+                      </m:sSub>
+                    </m:oMath>
+                  </m:oMathPara>
+                </a14:m>
+                <a:endParaRPr lang="en-US" baseline="-25000" dirty="0">
+                  <a:solidFill>
+                    <a:schemeClr val="tx1"/>
+                  </a:solidFill>
+                  <a:latin typeface="Times New Roman" panose="02020603050405020304" pitchFamily="18" charset="0"/>
+                  <a:cs typeface="Times New Roman" panose="02020603050405020304" pitchFamily="18" charset="0"/>
+                </a:endParaRPr>
+              </a:p>
+            </p:txBody>
+          </p:sp>
+        </mc:Choice>
+        <mc:Fallback>
+          <p:sp>
+            <p:nvSpPr>
+              <p:cNvPr id="39" name="TextBox 38">
+                <a:extLst>
+                  <a:ext uri="{FF2B5EF4-FFF2-40B4-BE49-F238E27FC236}">
+                    <a16:creationId xmlns:a16="http://schemas.microsoft.com/office/drawing/2014/main" id="{3EA002A6-FB45-7527-F82B-62E250428F13}"/>
+                  </a:ext>
+                </a:extLst>
+              </p:cNvPr>
+              <p:cNvSpPr txBox="1">
+                <a:spLocks noRot="1" noChangeAspect="1" noMove="1" noResize="1" noEditPoints="1" noAdjustHandles="1" noChangeArrowheads="1" noChangeShapeType="1" noTextEdit="1"/>
+              </p:cNvSpPr>
+              <p:nvPr/>
+            </p:nvSpPr>
+            <p:spPr>
+              <a:xfrm>
+                <a:off x="9470559" y="2325396"/>
+                <a:ext cx="482826" cy="362984"/>
+              </a:xfrm>
+              <a:prstGeom prst="rect">
+                <a:avLst/>
+              </a:prstGeom>
+              <a:blipFill>
+                <a:blip r:embed="rId15"/>
+                <a:stretch>
+                  <a:fillRect b="-16667"/>
+                </a:stretch>
+              </a:blipFill>
+            </p:spPr>
+            <p:txBody>
+              <a:bodyPr/>
+              <a:lstStyle/>
+              <a:p>
+                <a:r>
+                  <a:rPr lang="en-US">
+                    <a:noFill/>
+                  </a:rPr>
+                  <a:t> </a:t>
+                </a:r>
+              </a:p>
+            </p:txBody>
+          </p:sp>
+        </mc:Fallback>
+      </mc:AlternateContent>
+      <mc:AlternateContent xmlns:mc="http://schemas.openxmlformats.org/markup-compatibility/2006">
+        <mc:Choice xmlns:a14="http://schemas.microsoft.com/office/drawing/2010/main" Requires="a14">
+          <p:sp>
+            <p:nvSpPr>
+              <p:cNvPr id="40" name="TextBox 39">
+                <a:extLst>
+                  <a:ext uri="{FF2B5EF4-FFF2-40B4-BE49-F238E27FC236}">
+                    <a16:creationId xmlns:a16="http://schemas.microsoft.com/office/drawing/2014/main" id="{114749E2-9B0F-59CD-528D-47CFB3F7AC72}"/>
+                  </a:ext>
+                </a:extLst>
+              </p:cNvPr>
+              <p:cNvSpPr txBox="1"/>
+              <p:nvPr/>
+            </p:nvSpPr>
+            <p:spPr>
+              <a:xfrm>
+                <a:off x="8307610" y="2312060"/>
+                <a:ext cx="482826" cy="362984"/>
+              </a:xfrm>
+              <a:prstGeom prst="rect">
+                <a:avLst/>
+              </a:prstGeom>
+              <a:noFill/>
+            </p:spPr>
+            <p:txBody>
+              <a:bodyPr wrap="square" rtlCol="0">
+                <a:spAutoFit/>
+              </a:bodyPr>
+              <a:lstStyle/>
+              <a:p>
+                <a:pPr/>
+                <a14:m>
+                  <m:oMathPara xmlns:m="http://schemas.openxmlformats.org/officeDocument/2006/math">
+                    <m:oMathParaPr>
+                      <m:jc m:val="centerGroup"/>
+                    </m:oMathParaPr>
+                    <m:oMath xmlns:m="http://schemas.openxmlformats.org/officeDocument/2006/math">
+                      <m:sSub>
+                        <m:sSubPr>
+                          <m:ctrlPr>
+                            <a:rPr lang="en-US" b="0" i="1" dirty="0" smtClean="0">
+                              <a:solidFill>
+                                <a:schemeClr val="tx1"/>
+                              </a:solidFill>
+                              <a:latin typeface="Cambria Math" panose="02040503050406030204" pitchFamily="18" charset="0"/>
+                              <a:cs typeface="Times New Roman" panose="02020603050405020304" pitchFamily="18" charset="0"/>
+                            </a:rPr>
+                          </m:ctrlPr>
+                        </m:sSubPr>
+                        <m:e>
+                          <m:r>
+                            <a:rPr lang="en-US" b="0" i="1" dirty="0" smtClean="0">
+                              <a:solidFill>
+                                <a:schemeClr val="tx1"/>
+                              </a:solidFill>
+                              <a:latin typeface="Cambria Math" panose="02040503050406030204" pitchFamily="18" charset="0"/>
+                              <a:cs typeface="Times New Roman" panose="02020603050405020304" pitchFamily="18" charset="0"/>
+                            </a:rPr>
+                            <m:t>𝛽</m:t>
+                          </m:r>
+                        </m:e>
+                        <m:sub>
+                          <m:r>
+                            <a:rPr lang="en-US" b="0" i="1" dirty="0" smtClean="0">
+                              <a:solidFill>
+                                <a:schemeClr val="tx1"/>
+                              </a:solidFill>
+                              <a:latin typeface="Cambria Math" panose="02040503050406030204" pitchFamily="18" charset="0"/>
+                              <a:cs typeface="Times New Roman" panose="02020603050405020304" pitchFamily="18" charset="0"/>
+                            </a:rPr>
+                            <m:t>1</m:t>
+                          </m:r>
+                        </m:sub>
+                      </m:sSub>
+                    </m:oMath>
+                  </m:oMathPara>
+                </a14:m>
+                <a:endParaRPr lang="en-US" baseline="-25000" dirty="0">
+                  <a:solidFill>
+                    <a:schemeClr val="tx1"/>
+                  </a:solidFill>
+                  <a:latin typeface="Times New Roman" panose="02020603050405020304" pitchFamily="18" charset="0"/>
+                  <a:cs typeface="Times New Roman" panose="02020603050405020304" pitchFamily="18" charset="0"/>
+                </a:endParaRPr>
+              </a:p>
+            </p:txBody>
+          </p:sp>
+        </mc:Choice>
+        <mc:Fallback>
+          <p:sp>
+            <p:nvSpPr>
+              <p:cNvPr id="40" name="TextBox 39">
+                <a:extLst>
+                  <a:ext uri="{FF2B5EF4-FFF2-40B4-BE49-F238E27FC236}">
+                    <a16:creationId xmlns:a16="http://schemas.microsoft.com/office/drawing/2014/main" id="{114749E2-9B0F-59CD-528D-47CFB3F7AC72}"/>
+                  </a:ext>
+                </a:extLst>
+              </p:cNvPr>
+              <p:cNvSpPr txBox="1">
+                <a:spLocks noRot="1" noChangeAspect="1" noMove="1" noResize="1" noEditPoints="1" noAdjustHandles="1" noChangeArrowheads="1" noChangeShapeType="1" noTextEdit="1"/>
+              </p:cNvSpPr>
+              <p:nvPr/>
+            </p:nvSpPr>
+            <p:spPr>
+              <a:xfrm>
+                <a:off x="8307610" y="2312060"/>
+                <a:ext cx="482826" cy="362984"/>
+              </a:xfrm>
+              <a:prstGeom prst="rect">
+                <a:avLst/>
+              </a:prstGeom>
+              <a:blipFill>
+                <a:blip r:embed="rId16"/>
+                <a:stretch>
+                  <a:fillRect b="-16667"/>
+                </a:stretch>
+              </a:blipFill>
+            </p:spPr>
+            <p:txBody>
+              <a:bodyPr/>
+              <a:lstStyle/>
+              <a:p>
+                <a:r>
+                  <a:rPr lang="en-US">
+                    <a:noFill/>
+                  </a:rPr>
+                  <a:t> </a:t>
+                </a:r>
+              </a:p>
+            </p:txBody>
+          </p:sp>
+        </mc:Fallback>
+      </mc:AlternateContent>
+      <p:cxnSp>
+        <p:nvCxnSpPr>
+          <p:cNvPr id="41" name="Straight Arrow Connector 40">
+            <a:extLst>
+              <a:ext uri="{FF2B5EF4-FFF2-40B4-BE49-F238E27FC236}">
+                <a16:creationId xmlns:a16="http://schemas.microsoft.com/office/drawing/2014/main" id="{1671F1AE-34E9-1524-65FF-E0D2A04762C7}"/>
+              </a:ext>
+            </a:extLst>
+          </p:cNvPr>
+          <p:cNvCxnSpPr>
+            <a:cxnSpLocks/>
+            <a:endCxn id="36" idx="0"/>
+          </p:cNvCxnSpPr>
+          <p:nvPr/>
+        </p:nvCxnSpPr>
+        <p:spPr>
+          <a:xfrm flipV="1">
+            <a:off x="9284501" y="4738021"/>
+            <a:ext cx="194966" cy="629298"/>
+          </a:xfrm>
+          <a:prstGeom prst="straightConnector1">
+            <a:avLst/>
+          </a:prstGeom>
+          <a:ln>
+            <a:solidFill>
+              <a:srgbClr val="FF0000"/>
+            </a:solidFill>
+            <a:tailEnd type="triangle"/>
+          </a:ln>
+        </p:spPr>
+        <p:style>
+          <a:lnRef idx="2">
+            <a:schemeClr val="dk1"/>
+          </a:lnRef>
+          <a:fillRef idx="0">
+            <a:schemeClr val="dk1"/>
+          </a:fillRef>
+          <a:effectRef idx="1">
+            <a:schemeClr val="dk1"/>
+          </a:effectRef>
+          <a:fontRef idx="minor">
+            <a:schemeClr val="tx1"/>
+          </a:fontRef>
+        </p:style>
+      </p:cxnSp>
+      <p:cxnSp>
+        <p:nvCxnSpPr>
+          <p:cNvPr id="42" name="Straight Arrow Connector 41">
+            <a:extLst>
+              <a:ext uri="{FF2B5EF4-FFF2-40B4-BE49-F238E27FC236}">
+                <a16:creationId xmlns:a16="http://schemas.microsoft.com/office/drawing/2014/main" id="{2C8CE906-25DD-6476-1880-C022C1F10C75}"/>
+              </a:ext>
+            </a:extLst>
+          </p:cNvPr>
+          <p:cNvCxnSpPr>
+            <a:cxnSpLocks/>
+            <a:endCxn id="44" idx="0"/>
+          </p:cNvCxnSpPr>
+          <p:nvPr/>
+        </p:nvCxnSpPr>
+        <p:spPr>
+          <a:xfrm flipH="1" flipV="1">
+            <a:off x="8822221" y="4758812"/>
+            <a:ext cx="232505" cy="558638"/>
+          </a:xfrm>
+          <a:prstGeom prst="straightConnector1">
+            <a:avLst/>
+          </a:prstGeom>
+          <a:ln>
+            <a:solidFill>
+              <a:srgbClr val="FF0000"/>
+            </a:solidFill>
+            <a:tailEnd type="triangle"/>
+          </a:ln>
+        </p:spPr>
+        <p:style>
+          <a:lnRef idx="2">
+            <a:schemeClr val="dk1"/>
+          </a:lnRef>
+          <a:fillRef idx="0">
+            <a:schemeClr val="dk1"/>
+          </a:fillRef>
+          <a:effectRef idx="1">
+            <a:schemeClr val="dk1"/>
+          </a:effectRef>
+          <a:fontRef idx="minor">
+            <a:schemeClr val="tx1"/>
+          </a:fontRef>
+        </p:style>
+      </p:cxnSp>
+      <mc:AlternateContent xmlns:mc="http://schemas.openxmlformats.org/markup-compatibility/2006">
+        <mc:Choice xmlns:a14="http://schemas.microsoft.com/office/drawing/2010/main" Requires="a14">
+          <p:sp>
+            <p:nvSpPr>
+              <p:cNvPr id="43" name="TextBox 42">
+                <a:extLst>
+                  <a:ext uri="{FF2B5EF4-FFF2-40B4-BE49-F238E27FC236}">
+                    <a16:creationId xmlns:a16="http://schemas.microsoft.com/office/drawing/2014/main" id="{2AAA0FCA-DC93-98EE-70D3-1828F82AB8FD}"/>
+                  </a:ext>
+                </a:extLst>
+              </p:cNvPr>
+              <p:cNvSpPr txBox="1"/>
+              <p:nvPr/>
+            </p:nvSpPr>
+            <p:spPr>
+              <a:xfrm>
+                <a:off x="9054726" y="5019279"/>
+                <a:ext cx="482826" cy="381515"/>
+              </a:xfrm>
+              <a:prstGeom prst="rect">
+                <a:avLst/>
+              </a:prstGeom>
+              <a:noFill/>
+            </p:spPr>
+            <p:txBody>
+              <a:bodyPr wrap="square" rtlCol="0">
+                <a:spAutoFit/>
+              </a:bodyPr>
+              <a:lstStyle/>
+              <a:p>
+                <a:pPr/>
+                <a14:m>
+                  <m:oMathPara xmlns:m="http://schemas.openxmlformats.org/officeDocument/2006/math">
+                    <m:oMathParaPr>
+                      <m:jc m:val="centerGroup"/>
+                    </m:oMathParaPr>
+                    <m:oMath xmlns:m="http://schemas.openxmlformats.org/officeDocument/2006/math">
+                      <m:sSub>
+                        <m:sSubPr>
+                          <m:ctrlPr>
+                            <a:rPr lang="en-US" b="0" i="1" dirty="0" smtClean="0">
+                              <a:solidFill>
+                                <a:schemeClr val="tx1"/>
+                              </a:solidFill>
+                              <a:latin typeface="Cambria Math" panose="02040503050406030204" pitchFamily="18" charset="0"/>
+                              <a:cs typeface="Times New Roman" panose="02020603050405020304" pitchFamily="18" charset="0"/>
+                            </a:rPr>
+                          </m:ctrlPr>
+                        </m:sSubPr>
+                        <m:e>
+                          <m:r>
+                            <a:rPr lang="en-US" b="0" i="1" dirty="0" smtClean="0">
+                              <a:solidFill>
+                                <a:schemeClr val="tx1"/>
+                              </a:solidFill>
+                              <a:latin typeface="Cambria Math" panose="02040503050406030204" pitchFamily="18" charset="0"/>
+                              <a:cs typeface="Times New Roman" panose="02020603050405020304" pitchFamily="18" charset="0"/>
+                            </a:rPr>
+                            <m:t>𝑏</m:t>
+                          </m:r>
+                        </m:e>
+                        <m:sub>
+                          <m:r>
+                            <a:rPr lang="en-US" b="0" i="1" dirty="0" smtClean="0">
+                              <a:solidFill>
+                                <a:schemeClr val="tx1"/>
+                              </a:solidFill>
+                              <a:latin typeface="Cambria Math" panose="02040503050406030204" pitchFamily="18" charset="0"/>
+                              <a:cs typeface="Times New Roman" panose="02020603050405020304" pitchFamily="18" charset="0"/>
+                            </a:rPr>
+                            <m:t>1,2</m:t>
+                          </m:r>
+                        </m:sub>
+                      </m:sSub>
+                    </m:oMath>
+                  </m:oMathPara>
+                </a14:m>
+                <a:endParaRPr lang="en-US" baseline="-25000" dirty="0">
+                  <a:solidFill>
+                    <a:schemeClr val="tx1"/>
+                  </a:solidFill>
+                  <a:latin typeface="Times New Roman" panose="02020603050405020304" pitchFamily="18" charset="0"/>
+                  <a:cs typeface="Times New Roman" panose="02020603050405020304" pitchFamily="18" charset="0"/>
+                </a:endParaRPr>
+              </a:p>
+            </p:txBody>
+          </p:sp>
+        </mc:Choice>
+        <mc:Fallback>
+          <p:sp>
+            <p:nvSpPr>
+              <p:cNvPr id="43" name="TextBox 42">
+                <a:extLst>
+                  <a:ext uri="{FF2B5EF4-FFF2-40B4-BE49-F238E27FC236}">
+                    <a16:creationId xmlns:a16="http://schemas.microsoft.com/office/drawing/2014/main" id="{2AAA0FCA-DC93-98EE-70D3-1828F82AB8FD}"/>
+                  </a:ext>
+                </a:extLst>
+              </p:cNvPr>
+              <p:cNvSpPr txBox="1">
+                <a:spLocks noRot="1" noChangeAspect="1" noMove="1" noResize="1" noEditPoints="1" noAdjustHandles="1" noChangeArrowheads="1" noChangeShapeType="1" noTextEdit="1"/>
+              </p:cNvSpPr>
+              <p:nvPr/>
+            </p:nvSpPr>
+            <p:spPr>
+              <a:xfrm>
+                <a:off x="9054726" y="5019279"/>
+                <a:ext cx="482826" cy="381515"/>
+              </a:xfrm>
+              <a:prstGeom prst="rect">
+                <a:avLst/>
+              </a:prstGeom>
+              <a:blipFill>
+                <a:blip r:embed="rId17"/>
+                <a:stretch>
+                  <a:fillRect/>
+                </a:stretch>
+              </a:blipFill>
+            </p:spPr>
+            <p:txBody>
+              <a:bodyPr/>
+              <a:lstStyle/>
+              <a:p>
+                <a:r>
+                  <a:rPr lang="en-US">
+                    <a:noFill/>
+                  </a:rPr>
+                  <a:t> </a:t>
+                </a:r>
+              </a:p>
+            </p:txBody>
+          </p:sp>
+        </mc:Fallback>
+      </mc:AlternateContent>
+      <mc:AlternateContent xmlns:mc="http://schemas.openxmlformats.org/markup-compatibility/2006">
+        <mc:Choice xmlns:a14="http://schemas.microsoft.com/office/drawing/2010/main" Requires="a14">
+          <p:sp>
+            <p:nvSpPr>
+              <p:cNvPr id="44" name="TextBox 43">
+                <a:extLst>
+                  <a:ext uri="{FF2B5EF4-FFF2-40B4-BE49-F238E27FC236}">
+                    <a16:creationId xmlns:a16="http://schemas.microsoft.com/office/drawing/2014/main" id="{35A35E48-7C5E-B8DE-21D5-351BDBE5812A}"/>
+                  </a:ext>
+                </a:extLst>
+              </p:cNvPr>
+              <p:cNvSpPr txBox="1"/>
+              <p:nvPr/>
+            </p:nvSpPr>
+            <p:spPr>
+              <a:xfrm>
+                <a:off x="8580808" y="4758812"/>
+                <a:ext cx="482826" cy="381515"/>
+              </a:xfrm>
+              <a:prstGeom prst="rect">
+                <a:avLst/>
+              </a:prstGeom>
+              <a:noFill/>
+            </p:spPr>
+            <p:txBody>
+              <a:bodyPr wrap="square" rtlCol="0">
+                <a:spAutoFit/>
+              </a:bodyPr>
+              <a:lstStyle/>
+              <a:p>
+                <a:pPr/>
+                <a14:m>
+                  <m:oMathPara xmlns:m="http://schemas.openxmlformats.org/officeDocument/2006/math">
+                    <m:oMathParaPr>
+                      <m:jc m:val="centerGroup"/>
+                    </m:oMathParaPr>
+                    <m:oMath xmlns:m="http://schemas.openxmlformats.org/officeDocument/2006/math">
+                      <m:sSub>
+                        <m:sSubPr>
+                          <m:ctrlPr>
+                            <a:rPr lang="en-US" b="0" i="1" dirty="0" smtClean="0">
+                              <a:solidFill>
+                                <a:schemeClr val="tx1"/>
+                              </a:solidFill>
+                              <a:latin typeface="Cambria Math" panose="02040503050406030204" pitchFamily="18" charset="0"/>
+                              <a:cs typeface="Times New Roman" panose="02020603050405020304" pitchFamily="18" charset="0"/>
+                            </a:rPr>
+                          </m:ctrlPr>
+                        </m:sSubPr>
+                        <m:e>
+                          <m:r>
+                            <a:rPr lang="en-US" b="0" i="1" dirty="0" smtClean="0">
+                              <a:solidFill>
+                                <a:schemeClr val="tx1"/>
+                              </a:solidFill>
+                              <a:latin typeface="Cambria Math" panose="02040503050406030204" pitchFamily="18" charset="0"/>
+                              <a:cs typeface="Times New Roman" panose="02020603050405020304" pitchFamily="18" charset="0"/>
+                            </a:rPr>
+                            <m:t>𝑏</m:t>
+                          </m:r>
+                        </m:e>
+                        <m:sub>
+                          <m:r>
+                            <a:rPr lang="en-US" b="0" i="1" dirty="0" smtClean="0">
+                              <a:solidFill>
+                                <a:schemeClr val="tx1"/>
+                              </a:solidFill>
+                              <a:latin typeface="Cambria Math" panose="02040503050406030204" pitchFamily="18" charset="0"/>
+                              <a:cs typeface="Times New Roman" panose="02020603050405020304" pitchFamily="18" charset="0"/>
+                            </a:rPr>
+                            <m:t>1,1</m:t>
+                          </m:r>
+                        </m:sub>
+                      </m:sSub>
+                    </m:oMath>
+                  </m:oMathPara>
+                </a14:m>
+                <a:endParaRPr lang="en-US" baseline="-25000" dirty="0">
+                  <a:solidFill>
+                    <a:schemeClr val="tx1"/>
+                  </a:solidFill>
+                  <a:latin typeface="Times New Roman" panose="02020603050405020304" pitchFamily="18" charset="0"/>
+                  <a:cs typeface="Times New Roman" panose="02020603050405020304" pitchFamily="18" charset="0"/>
+                </a:endParaRPr>
+              </a:p>
+            </p:txBody>
+          </p:sp>
+        </mc:Choice>
+        <mc:Fallback>
+          <p:sp>
+            <p:nvSpPr>
+              <p:cNvPr id="44" name="TextBox 43">
+                <a:extLst>
+                  <a:ext uri="{FF2B5EF4-FFF2-40B4-BE49-F238E27FC236}">
+                    <a16:creationId xmlns:a16="http://schemas.microsoft.com/office/drawing/2014/main" id="{35A35E48-7C5E-B8DE-21D5-351BDBE5812A}"/>
+                  </a:ext>
+                </a:extLst>
+              </p:cNvPr>
+              <p:cNvSpPr txBox="1">
+                <a:spLocks noRot="1" noChangeAspect="1" noMove="1" noResize="1" noEditPoints="1" noAdjustHandles="1" noChangeArrowheads="1" noChangeShapeType="1" noTextEdit="1"/>
+              </p:cNvSpPr>
+              <p:nvPr/>
+            </p:nvSpPr>
+            <p:spPr>
+              <a:xfrm>
+                <a:off x="8580808" y="4758812"/>
+                <a:ext cx="482826" cy="381515"/>
+              </a:xfrm>
+              <a:prstGeom prst="rect">
+                <a:avLst/>
+              </a:prstGeom>
+              <a:blipFill>
+                <a:blip r:embed="rId18"/>
+                <a:stretch>
+                  <a:fillRect/>
+                </a:stretch>
+              </a:blipFill>
+            </p:spPr>
+            <p:txBody>
+              <a:bodyPr/>
+              <a:lstStyle/>
+              <a:p>
+                <a:r>
+                  <a:rPr lang="en-US">
+                    <a:noFill/>
+                  </a:rPr>
+                  <a:t> </a:t>
+                </a:r>
+              </a:p>
+            </p:txBody>
+          </p:sp>
+        </mc:Fallback>
+      </mc:AlternateContent>
+      <p:sp>
+        <p:nvSpPr>
+          <p:cNvPr id="46" name="TextBox 45">
+            <a:extLst>
+              <a:ext uri="{FF2B5EF4-FFF2-40B4-BE49-F238E27FC236}">
+                <a16:creationId xmlns:a16="http://schemas.microsoft.com/office/drawing/2014/main" id="{7B1C637F-9E98-9CE0-5F91-7C077F7FE94B}"/>
+              </a:ext>
+            </a:extLst>
+          </p:cNvPr>
+          <p:cNvSpPr txBox="1"/>
+          <p:nvPr/>
+        </p:nvSpPr>
+        <p:spPr>
+          <a:xfrm rot="18054908">
+            <a:off x="8281732" y="6458298"/>
+            <a:ext cx="1204786" cy="307777"/>
+          </a:xfrm>
+          <a:prstGeom prst="rect">
+            <a:avLst/>
+          </a:prstGeom>
+          <a:noFill/>
+        </p:spPr>
+        <p:txBody>
+          <a:bodyPr wrap="square" rtlCol="0">
+            <a:spAutoFit/>
+          </a:bodyPr>
+          <a:lstStyle/>
+          <a:p>
+            <a:pPr algn="r"/>
+            <a:r>
+              <a:rPr lang="en-US" sz="1400" dirty="0"/>
+              <a:t>Age</a:t>
             </a:r>
           </a:p>
         </p:txBody>
@@ -6907,7 +11200,7 @@
     </p:spTree>
     <p:extLst>
       <p:ext uri="{BB962C8B-B14F-4D97-AF65-F5344CB8AC3E}">
-        <p14:creationId xmlns:p14="http://schemas.microsoft.com/office/powerpoint/2010/main" val="2004572736"/>
+        <p14:creationId xmlns:p14="http://schemas.microsoft.com/office/powerpoint/2010/main" val="2765446371"/>
       </p:ext>
     </p:extLst>
   </p:cSld>

--- a/activities/multilayer_perceptron.pptx
+++ b/activities/multilayer_perceptron.pptx
@@ -200,7 +200,7 @@
           <a:p>
             <a:fld id="{B669F73A-4112-234F-9F94-4F1C3261821D}" type="datetimeFigureOut">
               <a:rPr lang="en-US" smtClean="0"/>
-              <a:t>5/20/22</a:t>
+              <a:t>9/19/22</a:t>
             </a:fld>
             <a:endParaRPr lang="en-US"/>
           </a:p>
@@ -614,7 +614,7 @@
           <a:p>
             <a:fld id="{1A0BB482-D24B-F841-A873-2C24A2BF3878}" type="datetimeFigureOut">
               <a:rPr lang="en-US" smtClean="0"/>
-              <a:t>5/20/22</a:t>
+              <a:t>9/19/22</a:t>
             </a:fld>
             <a:endParaRPr lang="en-US"/>
           </a:p>
@@ -812,7 +812,7 @@
           <a:p>
             <a:fld id="{1A0BB482-D24B-F841-A873-2C24A2BF3878}" type="datetimeFigureOut">
               <a:rPr lang="en-US" smtClean="0"/>
-              <a:t>5/20/22</a:t>
+              <a:t>9/19/22</a:t>
             </a:fld>
             <a:endParaRPr lang="en-US"/>
           </a:p>
@@ -1020,7 +1020,7 @@
           <a:p>
             <a:fld id="{1A0BB482-D24B-F841-A873-2C24A2BF3878}" type="datetimeFigureOut">
               <a:rPr lang="en-US" smtClean="0"/>
-              <a:t>5/20/22</a:t>
+              <a:t>9/19/22</a:t>
             </a:fld>
             <a:endParaRPr lang="en-US"/>
           </a:p>
@@ -1218,7 +1218,7 @@
           <a:p>
             <a:fld id="{1A0BB482-D24B-F841-A873-2C24A2BF3878}" type="datetimeFigureOut">
               <a:rPr lang="en-US" smtClean="0"/>
-              <a:t>5/20/22</a:t>
+              <a:t>9/19/22</a:t>
             </a:fld>
             <a:endParaRPr lang="en-US"/>
           </a:p>
@@ -1493,7 +1493,7 @@
           <a:p>
             <a:fld id="{1A0BB482-D24B-F841-A873-2C24A2BF3878}" type="datetimeFigureOut">
               <a:rPr lang="en-US" smtClean="0"/>
-              <a:t>5/20/22</a:t>
+              <a:t>9/19/22</a:t>
             </a:fld>
             <a:endParaRPr lang="en-US"/>
           </a:p>
@@ -1758,7 +1758,7 @@
           <a:p>
             <a:fld id="{1A0BB482-D24B-F841-A873-2C24A2BF3878}" type="datetimeFigureOut">
               <a:rPr lang="en-US" smtClean="0"/>
-              <a:t>5/20/22</a:t>
+              <a:t>9/19/22</a:t>
             </a:fld>
             <a:endParaRPr lang="en-US"/>
           </a:p>
@@ -2170,7 +2170,7 @@
           <a:p>
             <a:fld id="{1A0BB482-D24B-F841-A873-2C24A2BF3878}" type="datetimeFigureOut">
               <a:rPr lang="en-US" smtClean="0"/>
-              <a:t>5/20/22</a:t>
+              <a:t>9/19/22</a:t>
             </a:fld>
             <a:endParaRPr lang="en-US"/>
           </a:p>
@@ -2311,7 +2311,7 @@
           <a:p>
             <a:fld id="{1A0BB482-D24B-F841-A873-2C24A2BF3878}" type="datetimeFigureOut">
               <a:rPr lang="en-US" smtClean="0"/>
-              <a:t>5/20/22</a:t>
+              <a:t>9/19/22</a:t>
             </a:fld>
             <a:endParaRPr lang="en-US"/>
           </a:p>
@@ -2424,7 +2424,7 @@
           <a:p>
             <a:fld id="{1A0BB482-D24B-F841-A873-2C24A2BF3878}" type="datetimeFigureOut">
               <a:rPr lang="en-US" smtClean="0"/>
-              <a:t>5/20/22</a:t>
+              <a:t>9/19/22</a:t>
             </a:fld>
             <a:endParaRPr lang="en-US"/>
           </a:p>
@@ -2735,7 +2735,7 @@
           <a:p>
             <a:fld id="{1A0BB482-D24B-F841-A873-2C24A2BF3878}" type="datetimeFigureOut">
               <a:rPr lang="en-US" smtClean="0"/>
-              <a:t>5/20/22</a:t>
+              <a:t>9/19/22</a:t>
             </a:fld>
             <a:endParaRPr lang="en-US"/>
           </a:p>
@@ -3023,7 +3023,7 @@
           <a:p>
             <a:fld id="{1A0BB482-D24B-F841-A873-2C24A2BF3878}" type="datetimeFigureOut">
               <a:rPr lang="en-US" smtClean="0"/>
-              <a:t>5/20/22</a:t>
+              <a:t>9/19/22</a:t>
             </a:fld>
             <a:endParaRPr lang="en-US"/>
           </a:p>
@@ -3264,7 +3264,7 @@
           <a:p>
             <a:fld id="{1A0BB482-D24B-F841-A873-2C24A2BF3878}" type="datetimeFigureOut">
               <a:rPr lang="en-US" smtClean="0"/>
-              <a:t>5/20/22</a:t>
+              <a:t>9/19/22</a:t>
             </a:fld>
             <a:endParaRPr lang="en-US"/>
           </a:p>
@@ -3705,34 +3705,6 @@
             <a:r>
               <a:rPr lang="en-US" dirty="0"/>
               <a:t>Activity: MLP Structure</a:t>
-            </a:r>
-          </a:p>
-        </p:txBody>
-      </p:sp>
-      <p:sp>
-        <p:nvSpPr>
-          <p:cNvPr id="3" name="Subtitle 2">
-            <a:extLst>
-              <a:ext uri="{FF2B5EF4-FFF2-40B4-BE49-F238E27FC236}">
-                <a16:creationId xmlns:a16="http://schemas.microsoft.com/office/drawing/2014/main" id="{40B18925-022E-6D4B-A397-37B336F6CE74}"/>
-              </a:ext>
-            </a:extLst>
-          </p:cNvPr>
-          <p:cNvSpPr>
-            <a:spLocks noGrp="1"/>
-          </p:cNvSpPr>
-          <p:nvPr>
-            <p:ph type="subTitle" idx="1"/>
-          </p:nvPr>
-        </p:nvSpPr>
-        <p:spPr/>
-        <p:txBody>
-          <a:bodyPr/>
-          <a:lstStyle/>
-          <a:p>
-            <a:r>
-              <a:rPr lang="en-US" dirty="0"/>
-              <a:t>ML for Health, Week 3</a:t>
             </a:r>
           </a:p>
         </p:txBody>
@@ -6372,8 +6344,8 @@
           </p:sp>
         </mc:Fallback>
       </mc:AlternateContent>
-      <mc:AlternateContent xmlns:mc="http://schemas.openxmlformats.org/markup-compatibility/2006">
-        <mc:Choice xmlns:a14="http://schemas.microsoft.com/office/drawing/2010/main" Requires="a14">
+      <mc:AlternateContent xmlns:mc="http://schemas.openxmlformats.org/markup-compatibility/2006" xmlns:a14="http://schemas.microsoft.com/office/drawing/2010/main">
+        <mc:Choice Requires="a14">
           <p:sp>
             <p:nvSpPr>
               <p:cNvPr id="37" name="Content Placeholder 2">
@@ -6566,7 +6538,7 @@
             </p:txBody>
           </p:sp>
         </mc:Choice>
-        <mc:Fallback>
+        <mc:Fallback xmlns="">
           <p:sp>
             <p:nvSpPr>
               <p:cNvPr id="37" name="Content Placeholder 2">
@@ -6752,8 +6724,8 @@
           </p:sp>
         </mc:Fallback>
       </mc:AlternateContent>
-      <mc:AlternateContent xmlns:mc="http://schemas.openxmlformats.org/markup-compatibility/2006">
-        <mc:Choice xmlns:a14="http://schemas.microsoft.com/office/drawing/2010/main" Requires="a14">
+      <mc:AlternateContent xmlns:mc="http://schemas.openxmlformats.org/markup-compatibility/2006" xmlns:a14="http://schemas.microsoft.com/office/drawing/2010/main">
+        <mc:Choice Requires="a14">
           <p:sp>
             <p:nvSpPr>
               <p:cNvPr id="35" name="TextBox 34">
@@ -6840,7 +6812,7 @@
             </p:txBody>
           </p:sp>
         </mc:Choice>
-        <mc:Fallback>
+        <mc:Fallback xmlns="">
           <p:sp>
             <p:nvSpPr>
               <p:cNvPr id="35" name="TextBox 34">
@@ -6885,8 +6857,8 @@
           </p:sp>
         </mc:Fallback>
       </mc:AlternateContent>
-      <mc:AlternateContent xmlns:mc="http://schemas.openxmlformats.org/markup-compatibility/2006">
-        <mc:Choice xmlns:a14="http://schemas.microsoft.com/office/drawing/2010/main" Requires="a14">
+      <mc:AlternateContent xmlns:mc="http://schemas.openxmlformats.org/markup-compatibility/2006" xmlns:a14="http://schemas.microsoft.com/office/drawing/2010/main">
+        <mc:Choice Requires="a14">
           <p:sp>
             <p:nvSpPr>
               <p:cNvPr id="36" name="TextBox 35">
@@ -6973,7 +6945,7 @@
             </p:txBody>
           </p:sp>
         </mc:Choice>
-        <mc:Fallback>
+        <mc:Fallback xmlns="">
           <p:sp>
             <p:nvSpPr>
               <p:cNvPr id="36" name="TextBox 35">
@@ -7018,8 +6990,8 @@
           </p:sp>
         </mc:Fallback>
       </mc:AlternateContent>
-      <mc:AlternateContent xmlns:mc="http://schemas.openxmlformats.org/markup-compatibility/2006">
-        <mc:Choice xmlns:a14="http://schemas.microsoft.com/office/drawing/2010/main" Requires="a14">
+      <mc:AlternateContent xmlns:mc="http://schemas.openxmlformats.org/markup-compatibility/2006" xmlns:a14="http://schemas.microsoft.com/office/drawing/2010/main">
+        <mc:Choice Requires="a14">
           <p:sp>
             <p:nvSpPr>
               <p:cNvPr id="39" name="TextBox 38">
@@ -7106,7 +7078,7 @@
             </p:txBody>
           </p:sp>
         </mc:Choice>
-        <mc:Fallback>
+        <mc:Fallback xmlns="">
           <p:sp>
             <p:nvSpPr>
               <p:cNvPr id="39" name="TextBox 38">
@@ -7151,8 +7123,8 @@
           </p:sp>
         </mc:Fallback>
       </mc:AlternateContent>
-      <mc:AlternateContent xmlns:mc="http://schemas.openxmlformats.org/markup-compatibility/2006">
-        <mc:Choice xmlns:a14="http://schemas.microsoft.com/office/drawing/2010/main" Requires="a14">
+      <mc:AlternateContent xmlns:mc="http://schemas.openxmlformats.org/markup-compatibility/2006" xmlns:a14="http://schemas.microsoft.com/office/drawing/2010/main">
+        <mc:Choice Requires="a14">
           <p:sp>
             <p:nvSpPr>
               <p:cNvPr id="40" name="TextBox 39">
@@ -7239,7 +7211,7 @@
             </p:txBody>
           </p:sp>
         </mc:Choice>
-        <mc:Fallback>
+        <mc:Fallback xmlns="">
           <p:sp>
             <p:nvSpPr>
               <p:cNvPr id="40" name="TextBox 39">
@@ -7945,8 +7917,8 @@
           </p:sp>
         </mc:Fallback>
       </mc:AlternateContent>
-      <mc:AlternateContent xmlns:mc="http://schemas.openxmlformats.org/markup-compatibility/2006">
-        <mc:Choice xmlns:a14="http://schemas.microsoft.com/office/drawing/2010/main" Requires="a14">
+      <mc:AlternateContent xmlns:mc="http://schemas.openxmlformats.org/markup-compatibility/2006" xmlns:a14="http://schemas.microsoft.com/office/drawing/2010/main">
+        <mc:Choice Requires="a14">
           <p:graphicFrame>
             <p:nvGraphicFramePr>
               <p:cNvPr id="11" name="Table 10">
@@ -8275,7 +8247,7 @@
             </a:graphic>
           </p:graphicFrame>
         </mc:Choice>
-        <mc:Fallback>
+        <mc:Fallback xmlns="">
           <p:graphicFrame>
             <p:nvGraphicFramePr>
               <p:cNvPr id="11" name="Table 10">
@@ -9905,8 +9877,8 @@
           </p:sp>
         </mc:Fallback>
       </mc:AlternateContent>
-      <mc:AlternateContent xmlns:mc="http://schemas.openxmlformats.org/markup-compatibility/2006">
-        <mc:Choice xmlns:a14="http://schemas.microsoft.com/office/drawing/2010/main" Requires="a14">
+      <mc:AlternateContent xmlns:mc="http://schemas.openxmlformats.org/markup-compatibility/2006" xmlns:a14="http://schemas.microsoft.com/office/drawing/2010/main">
+        <mc:Choice Requires="a14">
           <p:sp>
             <p:nvSpPr>
               <p:cNvPr id="37" name="Content Placeholder 2">
@@ -10087,7 +10059,7 @@
             </p:txBody>
           </p:sp>
         </mc:Choice>
-        <mc:Fallback>
+        <mc:Fallback xmlns="">
           <p:sp>
             <p:nvSpPr>
               <p:cNvPr id="37" name="Content Placeholder 2">
@@ -10273,8 +10245,8 @@
           </p:sp>
         </mc:Fallback>
       </mc:AlternateContent>
-      <mc:AlternateContent xmlns:mc="http://schemas.openxmlformats.org/markup-compatibility/2006">
-        <mc:Choice xmlns:a14="http://schemas.microsoft.com/office/drawing/2010/main" Requires="a14">
+      <mc:AlternateContent xmlns:mc="http://schemas.openxmlformats.org/markup-compatibility/2006" xmlns:a14="http://schemas.microsoft.com/office/drawing/2010/main">
+        <mc:Choice Requires="a14">
           <p:sp>
             <p:nvSpPr>
               <p:cNvPr id="35" name="TextBox 34">
@@ -10361,7 +10333,7 @@
             </p:txBody>
           </p:sp>
         </mc:Choice>
-        <mc:Fallback>
+        <mc:Fallback xmlns="">
           <p:sp>
             <p:nvSpPr>
               <p:cNvPr id="35" name="TextBox 34">
@@ -10406,8 +10378,8 @@
           </p:sp>
         </mc:Fallback>
       </mc:AlternateContent>
-      <mc:AlternateContent xmlns:mc="http://schemas.openxmlformats.org/markup-compatibility/2006">
-        <mc:Choice xmlns:a14="http://schemas.microsoft.com/office/drawing/2010/main" Requires="a14">
+      <mc:AlternateContent xmlns:mc="http://schemas.openxmlformats.org/markup-compatibility/2006" xmlns:a14="http://schemas.microsoft.com/office/drawing/2010/main">
+        <mc:Choice Requires="a14">
           <p:sp>
             <p:nvSpPr>
               <p:cNvPr id="36" name="TextBox 35">
@@ -10494,7 +10466,7 @@
             </p:txBody>
           </p:sp>
         </mc:Choice>
-        <mc:Fallback>
+        <mc:Fallback xmlns="">
           <p:sp>
             <p:nvSpPr>
               <p:cNvPr id="36" name="TextBox 35">
@@ -10539,8 +10511,8 @@
           </p:sp>
         </mc:Fallback>
       </mc:AlternateContent>
-      <mc:AlternateContent xmlns:mc="http://schemas.openxmlformats.org/markup-compatibility/2006">
-        <mc:Choice xmlns:a14="http://schemas.microsoft.com/office/drawing/2010/main" Requires="a14">
+      <mc:AlternateContent xmlns:mc="http://schemas.openxmlformats.org/markup-compatibility/2006" xmlns:a14="http://schemas.microsoft.com/office/drawing/2010/main">
+        <mc:Choice Requires="a14">
           <p:sp>
             <p:nvSpPr>
               <p:cNvPr id="39" name="TextBox 38">
@@ -10627,7 +10599,7 @@
             </p:txBody>
           </p:sp>
         </mc:Choice>
-        <mc:Fallback>
+        <mc:Fallback xmlns="">
           <p:sp>
             <p:nvSpPr>
               <p:cNvPr id="39" name="TextBox 38">
@@ -10672,8 +10644,8 @@
           </p:sp>
         </mc:Fallback>
       </mc:AlternateContent>
-      <mc:AlternateContent xmlns:mc="http://schemas.openxmlformats.org/markup-compatibility/2006">
-        <mc:Choice xmlns:a14="http://schemas.microsoft.com/office/drawing/2010/main" Requires="a14">
+      <mc:AlternateContent xmlns:mc="http://schemas.openxmlformats.org/markup-compatibility/2006" xmlns:a14="http://schemas.microsoft.com/office/drawing/2010/main">
+        <mc:Choice Requires="a14">
           <p:sp>
             <p:nvSpPr>
               <p:cNvPr id="40" name="TextBox 39">
@@ -10760,7 +10732,7 @@
             </p:txBody>
           </p:sp>
         </mc:Choice>
-        <mc:Fallback>
+        <mc:Fallback xmlns="">
           <p:sp>
             <p:nvSpPr>
               <p:cNvPr id="40" name="TextBox 39">
@@ -10895,8 +10867,8 @@
           </a:fontRef>
         </p:style>
       </p:cxnSp>
-      <mc:AlternateContent xmlns:mc="http://schemas.openxmlformats.org/markup-compatibility/2006">
-        <mc:Choice xmlns:a14="http://schemas.microsoft.com/office/drawing/2010/main" Requires="a14">
+      <mc:AlternateContent xmlns:mc="http://schemas.openxmlformats.org/markup-compatibility/2006" xmlns:a14="http://schemas.microsoft.com/office/drawing/2010/main">
+        <mc:Choice Requires="a14">
           <p:sp>
             <p:nvSpPr>
               <p:cNvPr id="43" name="TextBox 42">
@@ -10983,7 +10955,7 @@
             </p:txBody>
           </p:sp>
         </mc:Choice>
-        <mc:Fallback>
+        <mc:Fallback xmlns="">
           <p:sp>
             <p:nvSpPr>
               <p:cNvPr id="43" name="TextBox 42">
@@ -11028,8 +11000,8 @@
           </p:sp>
         </mc:Fallback>
       </mc:AlternateContent>
-      <mc:AlternateContent xmlns:mc="http://schemas.openxmlformats.org/markup-compatibility/2006">
-        <mc:Choice xmlns:a14="http://schemas.microsoft.com/office/drawing/2010/main" Requires="a14">
+      <mc:AlternateContent xmlns:mc="http://schemas.openxmlformats.org/markup-compatibility/2006" xmlns:a14="http://schemas.microsoft.com/office/drawing/2010/main">
+        <mc:Choice Requires="a14">
           <p:sp>
             <p:nvSpPr>
               <p:cNvPr id="44" name="TextBox 43">
@@ -11116,7 +11088,7 @@
             </p:txBody>
           </p:sp>
         </mc:Choice>
-        <mc:Fallback>
+        <mc:Fallback xmlns="">
           <p:sp>
             <p:nvSpPr>
               <p:cNvPr id="44" name="TextBox 43">
